--- a/apps/document-creator/storage/templates/sample.pptx
+++ b/apps/document-creator/storage/templates/sample.pptx
@@ -9,8 +9,6 @@
   </p:notesMasterIdLst>
   <p:sldIdLst>
     <p:sldId id="256" r:id="rId6"/>
-    <p:sldId id="257" r:id="rId7"/>
-    <p:sldId id="258" r:id="rId8"/>
   </p:sldIdLst>
   <p:sldSz cy="6858000" cx="9144000"/>
   <p:notesSz cx="6858000" cy="9144000"/>
@@ -259,7 +257,7 @@
       </p15:sldGuideLst>
     </p:ext>
     <p:ext uri="GoogleSlidesCustomDataVersion2">
-      <go:slidesCustomData xmlns:go="http://customooxmlschemas.google.com/" r:id="rId9" roundtripDataSignature="AMtx7mhocI4TQZvHwVFNfhoFMvrF8kP9GQ=="/>
+      <go:slidesCustomData xmlns:go="http://customooxmlschemas.google.com/" r:id="rId7" roundtripDataSignature="AMtx7mgWZYkAfTJZL8m2Biz8iGfg0xxG9A=="/>
     </p:ext>
   </p:extLst>
 </p:presentation>
@@ -353,104 +351,239 @@
             <a:noAutofit/>
           </a:bodyPr>
           <a:lstStyle>
-            <a:lvl1pPr indent="-298450" lvl="0" marL="457200">
-              <a:spcBef>
-                <a:spcPts val="0"/>
-              </a:spcBef>
-              <a:spcAft>
-                <a:spcPts val="0"/>
-              </a:spcAft>
+            <a:lvl1pPr indent="-298450" lvl="0" marL="457200" marR="0" rtl="0" algn="l">
+              <a:lnSpc>
+                <a:spcPct val="100000"/>
+              </a:lnSpc>
+              <a:spcBef>
+                <a:spcPts val="0"/>
+              </a:spcBef>
+              <a:spcAft>
+                <a:spcPts val="0"/>
+              </a:spcAft>
+              <a:buClr>
+                <a:srgbClr val="000000"/>
+              </a:buClr>
               <a:buSzPts val="1100"/>
+              <a:buFont typeface="Arial"/>
               <a:buChar char="●"/>
-              <a:defRPr sz="1100"/>
+              <a:defRPr b="0" i="0" sz="1100" u="none" cap="none" strike="noStrike">
+                <a:solidFill>
+                  <a:srgbClr val="000000"/>
+                </a:solidFill>
+                <a:latin typeface="Arial"/>
+                <a:ea typeface="Arial"/>
+                <a:cs typeface="Arial"/>
+                <a:sym typeface="Arial"/>
+              </a:defRPr>
             </a:lvl1pPr>
-            <a:lvl2pPr indent="-298450" lvl="1" marL="914400">
-              <a:spcBef>
-                <a:spcPts val="0"/>
-              </a:spcBef>
-              <a:spcAft>
-                <a:spcPts val="0"/>
-              </a:spcAft>
+            <a:lvl2pPr indent="-298450" lvl="1" marL="914400" marR="0" rtl="0" algn="l">
+              <a:lnSpc>
+                <a:spcPct val="100000"/>
+              </a:lnSpc>
+              <a:spcBef>
+                <a:spcPts val="0"/>
+              </a:spcBef>
+              <a:spcAft>
+                <a:spcPts val="0"/>
+              </a:spcAft>
+              <a:buClr>
+                <a:srgbClr val="000000"/>
+              </a:buClr>
               <a:buSzPts val="1100"/>
+              <a:buFont typeface="Arial"/>
               <a:buChar char="○"/>
-              <a:defRPr sz="1100"/>
+              <a:defRPr b="0" i="0" sz="1100" u="none" cap="none" strike="noStrike">
+                <a:solidFill>
+                  <a:srgbClr val="000000"/>
+                </a:solidFill>
+                <a:latin typeface="Arial"/>
+                <a:ea typeface="Arial"/>
+                <a:cs typeface="Arial"/>
+                <a:sym typeface="Arial"/>
+              </a:defRPr>
             </a:lvl2pPr>
-            <a:lvl3pPr indent="-298450" lvl="2" marL="1371600">
-              <a:spcBef>
-                <a:spcPts val="0"/>
-              </a:spcBef>
-              <a:spcAft>
-                <a:spcPts val="0"/>
-              </a:spcAft>
+            <a:lvl3pPr indent="-298450" lvl="2" marL="1371600" marR="0" rtl="0" algn="l">
+              <a:lnSpc>
+                <a:spcPct val="100000"/>
+              </a:lnSpc>
+              <a:spcBef>
+                <a:spcPts val="0"/>
+              </a:spcBef>
+              <a:spcAft>
+                <a:spcPts val="0"/>
+              </a:spcAft>
+              <a:buClr>
+                <a:srgbClr val="000000"/>
+              </a:buClr>
               <a:buSzPts val="1100"/>
+              <a:buFont typeface="Arial"/>
               <a:buChar char="■"/>
-              <a:defRPr sz="1100"/>
+              <a:defRPr b="0" i="0" sz="1100" u="none" cap="none" strike="noStrike">
+                <a:solidFill>
+                  <a:srgbClr val="000000"/>
+                </a:solidFill>
+                <a:latin typeface="Arial"/>
+                <a:ea typeface="Arial"/>
+                <a:cs typeface="Arial"/>
+                <a:sym typeface="Arial"/>
+              </a:defRPr>
             </a:lvl3pPr>
-            <a:lvl4pPr indent="-298450" lvl="3" marL="1828800">
-              <a:spcBef>
-                <a:spcPts val="0"/>
-              </a:spcBef>
-              <a:spcAft>
-                <a:spcPts val="0"/>
-              </a:spcAft>
+            <a:lvl4pPr indent="-298450" lvl="3" marL="1828800" marR="0" rtl="0" algn="l">
+              <a:lnSpc>
+                <a:spcPct val="100000"/>
+              </a:lnSpc>
+              <a:spcBef>
+                <a:spcPts val="0"/>
+              </a:spcBef>
+              <a:spcAft>
+                <a:spcPts val="0"/>
+              </a:spcAft>
+              <a:buClr>
+                <a:srgbClr val="000000"/>
+              </a:buClr>
               <a:buSzPts val="1100"/>
+              <a:buFont typeface="Arial"/>
               <a:buChar char="●"/>
-              <a:defRPr sz="1100"/>
+              <a:defRPr b="0" i="0" sz="1100" u="none" cap="none" strike="noStrike">
+                <a:solidFill>
+                  <a:srgbClr val="000000"/>
+                </a:solidFill>
+                <a:latin typeface="Arial"/>
+                <a:ea typeface="Arial"/>
+                <a:cs typeface="Arial"/>
+                <a:sym typeface="Arial"/>
+              </a:defRPr>
             </a:lvl4pPr>
-            <a:lvl5pPr indent="-298450" lvl="4" marL="2286000">
-              <a:spcBef>
-                <a:spcPts val="0"/>
-              </a:spcBef>
-              <a:spcAft>
-                <a:spcPts val="0"/>
-              </a:spcAft>
+            <a:lvl5pPr indent="-298450" lvl="4" marL="2286000" marR="0" rtl="0" algn="l">
+              <a:lnSpc>
+                <a:spcPct val="100000"/>
+              </a:lnSpc>
+              <a:spcBef>
+                <a:spcPts val="0"/>
+              </a:spcBef>
+              <a:spcAft>
+                <a:spcPts val="0"/>
+              </a:spcAft>
+              <a:buClr>
+                <a:srgbClr val="000000"/>
+              </a:buClr>
               <a:buSzPts val="1100"/>
+              <a:buFont typeface="Arial"/>
               <a:buChar char="○"/>
-              <a:defRPr sz="1100"/>
+              <a:defRPr b="0" i="0" sz="1100" u="none" cap="none" strike="noStrike">
+                <a:solidFill>
+                  <a:srgbClr val="000000"/>
+                </a:solidFill>
+                <a:latin typeface="Arial"/>
+                <a:ea typeface="Arial"/>
+                <a:cs typeface="Arial"/>
+                <a:sym typeface="Arial"/>
+              </a:defRPr>
             </a:lvl5pPr>
-            <a:lvl6pPr indent="-298450" lvl="5" marL="2743200">
-              <a:spcBef>
-                <a:spcPts val="0"/>
-              </a:spcBef>
-              <a:spcAft>
-                <a:spcPts val="0"/>
-              </a:spcAft>
+            <a:lvl6pPr indent="-298450" lvl="5" marL="2743200" marR="0" rtl="0" algn="l">
+              <a:lnSpc>
+                <a:spcPct val="100000"/>
+              </a:lnSpc>
+              <a:spcBef>
+                <a:spcPts val="0"/>
+              </a:spcBef>
+              <a:spcAft>
+                <a:spcPts val="0"/>
+              </a:spcAft>
+              <a:buClr>
+                <a:srgbClr val="000000"/>
+              </a:buClr>
               <a:buSzPts val="1100"/>
+              <a:buFont typeface="Arial"/>
               <a:buChar char="■"/>
-              <a:defRPr sz="1100"/>
+              <a:defRPr b="0" i="0" sz="1100" u="none" cap="none" strike="noStrike">
+                <a:solidFill>
+                  <a:srgbClr val="000000"/>
+                </a:solidFill>
+                <a:latin typeface="Arial"/>
+                <a:ea typeface="Arial"/>
+                <a:cs typeface="Arial"/>
+                <a:sym typeface="Arial"/>
+              </a:defRPr>
             </a:lvl6pPr>
-            <a:lvl7pPr indent="-298450" lvl="6" marL="3200400">
-              <a:spcBef>
-                <a:spcPts val="0"/>
-              </a:spcBef>
-              <a:spcAft>
-                <a:spcPts val="0"/>
-              </a:spcAft>
+            <a:lvl7pPr indent="-298450" lvl="6" marL="3200400" marR="0" rtl="0" algn="l">
+              <a:lnSpc>
+                <a:spcPct val="100000"/>
+              </a:lnSpc>
+              <a:spcBef>
+                <a:spcPts val="0"/>
+              </a:spcBef>
+              <a:spcAft>
+                <a:spcPts val="0"/>
+              </a:spcAft>
+              <a:buClr>
+                <a:srgbClr val="000000"/>
+              </a:buClr>
               <a:buSzPts val="1100"/>
+              <a:buFont typeface="Arial"/>
               <a:buChar char="●"/>
-              <a:defRPr sz="1100"/>
+              <a:defRPr b="0" i="0" sz="1100" u="none" cap="none" strike="noStrike">
+                <a:solidFill>
+                  <a:srgbClr val="000000"/>
+                </a:solidFill>
+                <a:latin typeface="Arial"/>
+                <a:ea typeface="Arial"/>
+                <a:cs typeface="Arial"/>
+                <a:sym typeface="Arial"/>
+              </a:defRPr>
             </a:lvl7pPr>
-            <a:lvl8pPr indent="-298450" lvl="7" marL="3657600">
-              <a:spcBef>
-                <a:spcPts val="0"/>
-              </a:spcBef>
-              <a:spcAft>
-                <a:spcPts val="0"/>
-              </a:spcAft>
+            <a:lvl8pPr indent="-298450" lvl="7" marL="3657600" marR="0" rtl="0" algn="l">
+              <a:lnSpc>
+                <a:spcPct val="100000"/>
+              </a:lnSpc>
+              <a:spcBef>
+                <a:spcPts val="0"/>
+              </a:spcBef>
+              <a:spcAft>
+                <a:spcPts val="0"/>
+              </a:spcAft>
+              <a:buClr>
+                <a:srgbClr val="000000"/>
+              </a:buClr>
               <a:buSzPts val="1100"/>
+              <a:buFont typeface="Arial"/>
               <a:buChar char="○"/>
-              <a:defRPr sz="1100"/>
+              <a:defRPr b="0" i="0" sz="1100" u="none" cap="none" strike="noStrike">
+                <a:solidFill>
+                  <a:srgbClr val="000000"/>
+                </a:solidFill>
+                <a:latin typeface="Arial"/>
+                <a:ea typeface="Arial"/>
+                <a:cs typeface="Arial"/>
+                <a:sym typeface="Arial"/>
+              </a:defRPr>
             </a:lvl8pPr>
-            <a:lvl9pPr indent="-298450" lvl="8" marL="4114800">
-              <a:spcBef>
-                <a:spcPts val="0"/>
-              </a:spcBef>
-              <a:spcAft>
-                <a:spcPts val="0"/>
-              </a:spcAft>
+            <a:lvl9pPr indent="-298450" lvl="8" marL="4114800" marR="0" rtl="0" algn="l">
+              <a:lnSpc>
+                <a:spcPct val="100000"/>
+              </a:lnSpc>
+              <a:spcBef>
+                <a:spcPts val="0"/>
+              </a:spcBef>
+              <a:spcAft>
+                <a:spcPts val="0"/>
+              </a:spcAft>
+              <a:buClr>
+                <a:srgbClr val="000000"/>
+              </a:buClr>
               <a:buSzPts val="1100"/>
+              <a:buFont typeface="Arial"/>
               <a:buChar char="■"/>
-              <a:defRPr sz="1100"/>
+              <a:defRPr b="0" i="0" sz="1100" u="none" cap="none" strike="noStrike">
+                <a:solidFill>
+                  <a:srgbClr val="000000"/>
+                </a:solidFill>
+                <a:latin typeface="Arial"/>
+                <a:ea typeface="Arial"/>
+                <a:cs typeface="Arial"/>
+                <a:sym typeface="Arial"/>
+              </a:defRPr>
             </a:lvl9pPr>
           </a:lstStyle>
           <a:p/>
@@ -724,6 +857,10 @@
           <a:prstGeom prst="rect">
             <a:avLst/>
           </a:prstGeom>
+          <a:noFill/>
+          <a:ln>
+            <a:noFill/>
+          </a:ln>
         </p:spPr>
         <p:txBody>
           <a:bodyPr anchorCtr="0" anchor="t" bIns="91425" lIns="91425" spcFirstLastPara="1" rIns="91425" wrap="square" tIns="91425">
@@ -732,12 +869,16 @@
           <a:lstStyle/>
           <a:p>
             <a:pPr indent="0" lvl="0" marL="0" rtl="0" algn="l">
-              <a:spcBef>
-                <a:spcPts val="0"/>
-              </a:spcBef>
-              <a:spcAft>
-                <a:spcPts val="0"/>
-              </a:spcAft>
+              <a:lnSpc>
+                <a:spcPct val="100000"/>
+              </a:lnSpc>
+              <a:spcBef>
+                <a:spcPts val="0"/>
+              </a:spcBef>
+              <a:spcAft>
+                <a:spcPts val="0"/>
+              </a:spcAft>
+              <a:buSzPts val="1100"/>
               <a:buNone/>
             </a:pPr>
             <a:r>
@@ -780,204 +921,16 @@
               </a:path>
             </a:pathLst>
           </a:custGeom>
-        </p:spPr>
-      </p:sp>
-    </p:spTree>
-  </p:cSld>
-  <p:clrMapOvr>
-    <a:masterClrMapping/>
-  </p:clrMapOvr>
-</p:notes>
-</file>
-
-<file path=ppt/notesSlides/notesSlide2.xml><?xml version="1.0" encoding="utf-8"?>
-<p:notes xmlns:a="http://schemas.openxmlformats.org/drawingml/2006/main" xmlns:r="http://schemas.openxmlformats.org/officeDocument/2006/relationships" xmlns:mc="http://schemas.openxmlformats.org/markup-compatibility/2006" xmlns:mv="urn:schemas-microsoft-com:mac:vml" xmlns:p="http://schemas.openxmlformats.org/presentationml/2006/main" xmlns:c="http://schemas.openxmlformats.org/drawingml/2006/chart" xmlns:dgm="http://schemas.openxmlformats.org/drawingml/2006/diagram" xmlns:o="urn:schemas-microsoft-com:office:office" xmlns:v="urn:schemas-microsoft-com:vml" xmlns:pvml="urn:schemas-microsoft-com:office:powerpoint" xmlns:com="http://schemas.openxmlformats.org/drawingml/2006/compatibility" xmlns:p14="http://schemas.microsoft.com/office/powerpoint/2010/main" xmlns:p15="http://schemas.microsoft.com/office/powerpoint/2012/main" xmlns:ahyp="http://schemas.microsoft.com/office/drawing/2018/hyperlinkcolor" showMasterPhAnim="0" showMasterSp="0">
-  <p:cSld>
-    <p:spTree>
-      <p:nvGrpSpPr>
-        <p:cNvPr id="86" name="Shape 86"/>
-        <p:cNvGrpSpPr/>
-        <p:nvPr/>
-      </p:nvGrpSpPr>
-      <p:grpSpPr>
-        <a:xfrm>
-          <a:off x="0" y="0"/>
-          <a:ext cx="0" cy="0"/>
-          <a:chOff x="0" y="0"/>
-          <a:chExt cx="0" cy="0"/>
-        </a:xfrm>
-      </p:grpSpPr>
-      <p:sp>
-        <p:nvSpPr>
-          <p:cNvPr id="87" name="Google Shape;87;p2:notes"/>
-          <p:cNvSpPr txBox="1"/>
-          <p:nvPr>
-            <p:ph idx="1" type="body"/>
-          </p:nvPr>
-        </p:nvSpPr>
-        <p:spPr>
-          <a:xfrm>
-            <a:off x="685800" y="4343400"/>
-            <a:ext cx="5486400" cy="4114800"/>
-          </a:xfrm>
-          <a:prstGeom prst="rect">
-            <a:avLst/>
-          </a:prstGeom>
-        </p:spPr>
-        <p:txBody>
-          <a:bodyPr anchorCtr="0" anchor="t" bIns="91425" lIns="91425" spcFirstLastPara="1" rIns="91425" wrap="square" tIns="91425">
-            <a:noAutofit/>
-          </a:bodyPr>
-          <a:lstStyle/>
-          <a:p>
-            <a:pPr indent="0" lvl="0" marL="0" rtl="0" algn="l">
-              <a:spcBef>
-                <a:spcPts val="0"/>
-              </a:spcBef>
-              <a:spcAft>
-                <a:spcPts val="0"/>
-              </a:spcAft>
-              <a:buNone/>
-            </a:pPr>
-            <a:r>
-              <a:t/>
-            </a:r>
-            <a:endParaRPr/>
-          </a:p>
-        </p:txBody>
-      </p:sp>
-      <p:sp>
-        <p:nvSpPr>
-          <p:cNvPr id="88" name="Google Shape;88;p2:notes"/>
-          <p:cNvSpPr/>
-          <p:nvPr>
-            <p:ph idx="2" type="sldImg"/>
-          </p:nvPr>
-        </p:nvSpPr>
-        <p:spPr>
-          <a:xfrm>
-            <a:off x="1143225" y="685800"/>
-            <a:ext cx="4572225" cy="3429000"/>
-          </a:xfrm>
-          <a:custGeom>
-            <a:rect b="b" l="l" r="r" t="t"/>
-            <a:pathLst>
-              <a:path extrusionOk="0" h="120000" w="120000">
-                <a:moveTo>
-                  <a:pt x="0" y="0"/>
-                </a:moveTo>
-                <a:lnTo>
-                  <a:pt x="120000" y="0"/>
-                </a:lnTo>
-                <a:lnTo>
-                  <a:pt x="120000" y="120000"/>
-                </a:lnTo>
-                <a:lnTo>
-                  <a:pt x="0" y="120000"/>
-                </a:lnTo>
-                <a:close/>
-              </a:path>
-            </a:pathLst>
-          </a:custGeom>
-        </p:spPr>
-      </p:sp>
-    </p:spTree>
-  </p:cSld>
-  <p:clrMapOvr>
-    <a:masterClrMapping/>
-  </p:clrMapOvr>
-</p:notes>
-</file>
-
-<file path=ppt/notesSlides/notesSlide3.xml><?xml version="1.0" encoding="utf-8"?>
-<p:notes xmlns:a="http://schemas.openxmlformats.org/drawingml/2006/main" xmlns:r="http://schemas.openxmlformats.org/officeDocument/2006/relationships" xmlns:mc="http://schemas.openxmlformats.org/markup-compatibility/2006" xmlns:mv="urn:schemas-microsoft-com:mac:vml" xmlns:p="http://schemas.openxmlformats.org/presentationml/2006/main" xmlns:c="http://schemas.openxmlformats.org/drawingml/2006/chart" xmlns:dgm="http://schemas.openxmlformats.org/drawingml/2006/diagram" xmlns:o="urn:schemas-microsoft-com:office:office" xmlns:v="urn:schemas-microsoft-com:vml" xmlns:pvml="urn:schemas-microsoft-com:office:powerpoint" xmlns:com="http://schemas.openxmlformats.org/drawingml/2006/compatibility" xmlns:p14="http://schemas.microsoft.com/office/powerpoint/2010/main" xmlns:p15="http://schemas.microsoft.com/office/powerpoint/2012/main" xmlns:ahyp="http://schemas.microsoft.com/office/drawing/2018/hyperlinkcolor" showMasterPhAnim="0" showMasterSp="0">
-  <p:cSld>
-    <p:spTree>
-      <p:nvGrpSpPr>
-        <p:cNvPr id="93" name="Shape 93"/>
-        <p:cNvGrpSpPr/>
-        <p:nvPr/>
-      </p:nvGrpSpPr>
-      <p:grpSpPr>
-        <a:xfrm>
-          <a:off x="0" y="0"/>
-          <a:ext cx="0" cy="0"/>
-          <a:chOff x="0" y="0"/>
-          <a:chExt cx="0" cy="0"/>
-        </a:xfrm>
-      </p:grpSpPr>
-      <p:sp>
-        <p:nvSpPr>
-          <p:cNvPr id="94" name="Google Shape;94;p3:notes"/>
-          <p:cNvSpPr txBox="1"/>
-          <p:nvPr>
-            <p:ph idx="1" type="body"/>
-          </p:nvPr>
-        </p:nvSpPr>
-        <p:spPr>
-          <a:xfrm>
-            <a:off x="685800" y="4343400"/>
-            <a:ext cx="5486400" cy="4114800"/>
-          </a:xfrm>
-          <a:prstGeom prst="rect">
-            <a:avLst/>
-          </a:prstGeom>
-        </p:spPr>
-        <p:txBody>
-          <a:bodyPr anchorCtr="0" anchor="t" bIns="91425" lIns="91425" spcFirstLastPara="1" rIns="91425" wrap="square" tIns="91425">
-            <a:noAutofit/>
-          </a:bodyPr>
-          <a:lstStyle/>
-          <a:p>
-            <a:pPr indent="0" lvl="0" marL="0" rtl="0" algn="l">
-              <a:spcBef>
-                <a:spcPts val="0"/>
-              </a:spcBef>
-              <a:spcAft>
-                <a:spcPts val="0"/>
-              </a:spcAft>
-              <a:buNone/>
-            </a:pPr>
-            <a:r>
-              <a:t/>
-            </a:r>
-            <a:endParaRPr/>
-          </a:p>
-        </p:txBody>
-      </p:sp>
-      <p:sp>
-        <p:nvSpPr>
-          <p:cNvPr id="95" name="Google Shape;95;p3:notes"/>
-          <p:cNvSpPr/>
-          <p:nvPr>
-            <p:ph idx="2" type="sldImg"/>
-          </p:nvPr>
-        </p:nvSpPr>
-        <p:spPr>
-          <a:xfrm>
-            <a:off x="1143225" y="685800"/>
-            <a:ext cx="4572225" cy="3429000"/>
-          </a:xfrm>
-          <a:custGeom>
-            <a:rect b="b" l="l" r="r" t="t"/>
-            <a:pathLst>
-              <a:path extrusionOk="0" h="120000" w="120000">
-                <a:moveTo>
-                  <a:pt x="0" y="0"/>
-                </a:moveTo>
-                <a:lnTo>
-                  <a:pt x="120000" y="0"/>
-                </a:lnTo>
-                <a:lnTo>
-                  <a:pt x="120000" y="120000"/>
-                </a:lnTo>
-                <a:lnTo>
-                  <a:pt x="0" y="120000"/>
-                </a:lnTo>
-                <a:close/>
-              </a:path>
-            </a:pathLst>
-          </a:custGeom>
+          <a:noFill/>
+          <a:ln cap="flat" cmpd="sng" w="9525">
+            <a:solidFill>
+              <a:srgbClr val="000000"/>
+            </a:solidFill>
+            <a:prstDash val="solid"/>
+            <a:round/>
+            <a:headEnd len="sm" w="sm" type="none"/>
+            <a:tailEnd len="sm" w="sm" type="none"/>
+          </a:ln>
         </p:spPr>
       </p:sp>
     </p:spTree>
@@ -1032,6 +985,9 @@
           </a:bodyPr>
           <a:lstStyle>
             <a:lvl1pPr lvl="0" algn="l">
+              <a:lnSpc>
+                <a:spcPct val="100000"/>
+              </a:lnSpc>
               <a:spcBef>
                 <a:spcPts val="0"/>
               </a:spcBef>
@@ -1043,6 +999,9 @@
               <a:defRPr/>
             </a:lvl1pPr>
             <a:lvl2pPr lvl="1" algn="l">
+              <a:lnSpc>
+                <a:spcPct val="100000"/>
+              </a:lnSpc>
               <a:spcBef>
                 <a:spcPts val="0"/>
               </a:spcBef>
@@ -1054,6 +1013,9 @@
               <a:defRPr/>
             </a:lvl2pPr>
             <a:lvl3pPr lvl="2" algn="l">
+              <a:lnSpc>
+                <a:spcPct val="100000"/>
+              </a:lnSpc>
               <a:spcBef>
                 <a:spcPts val="0"/>
               </a:spcBef>
@@ -1065,6 +1027,9 @@
               <a:defRPr/>
             </a:lvl3pPr>
             <a:lvl4pPr lvl="3" algn="l">
+              <a:lnSpc>
+                <a:spcPct val="100000"/>
+              </a:lnSpc>
               <a:spcBef>
                 <a:spcPts val="0"/>
               </a:spcBef>
@@ -1076,6 +1041,9 @@
               <a:defRPr/>
             </a:lvl4pPr>
             <a:lvl5pPr lvl="4" algn="l">
+              <a:lnSpc>
+                <a:spcPct val="100000"/>
+              </a:lnSpc>
               <a:spcBef>
                 <a:spcPts val="0"/>
               </a:spcBef>
@@ -1087,6 +1055,9 @@
               <a:defRPr/>
             </a:lvl5pPr>
             <a:lvl6pPr lvl="5" algn="l">
+              <a:lnSpc>
+                <a:spcPct val="100000"/>
+              </a:lnSpc>
               <a:spcBef>
                 <a:spcPts val="0"/>
               </a:spcBef>
@@ -1098,6 +1069,9 @@
               <a:defRPr/>
             </a:lvl6pPr>
             <a:lvl7pPr lvl="6" algn="l">
+              <a:lnSpc>
+                <a:spcPct val="100000"/>
+              </a:lnSpc>
               <a:spcBef>
                 <a:spcPts val="0"/>
               </a:spcBef>
@@ -1109,6 +1083,9 @@
               <a:defRPr/>
             </a:lvl7pPr>
             <a:lvl8pPr lvl="7" algn="l">
+              <a:lnSpc>
+                <a:spcPct val="100000"/>
+              </a:lnSpc>
               <a:spcBef>
                 <a:spcPts val="0"/>
               </a:spcBef>
@@ -1120,6 +1097,9 @@
               <a:defRPr/>
             </a:lvl8pPr>
             <a:lvl9pPr lvl="8" algn="l">
+              <a:lnSpc>
+                <a:spcPct val="100000"/>
+              </a:lnSpc>
               <a:spcBef>
                 <a:spcPts val="0"/>
               </a:spcBef>
@@ -1161,6 +1141,9 @@
           </a:bodyPr>
           <a:lstStyle>
             <a:lvl1pPr lvl="0" algn="ctr">
+              <a:lnSpc>
+                <a:spcPct val="100000"/>
+              </a:lnSpc>
               <a:spcBef>
                 <a:spcPts val="0"/>
               </a:spcBef>
@@ -1172,6 +1155,9 @@
               <a:defRPr/>
             </a:lvl1pPr>
             <a:lvl2pPr lvl="1" algn="l">
+              <a:lnSpc>
+                <a:spcPct val="100000"/>
+              </a:lnSpc>
               <a:spcBef>
                 <a:spcPts val="0"/>
               </a:spcBef>
@@ -1183,6 +1169,9 @@
               <a:defRPr/>
             </a:lvl2pPr>
             <a:lvl3pPr lvl="2" algn="l">
+              <a:lnSpc>
+                <a:spcPct val="100000"/>
+              </a:lnSpc>
               <a:spcBef>
                 <a:spcPts val="0"/>
               </a:spcBef>
@@ -1194,6 +1183,9 @@
               <a:defRPr/>
             </a:lvl3pPr>
             <a:lvl4pPr lvl="3" algn="l">
+              <a:lnSpc>
+                <a:spcPct val="100000"/>
+              </a:lnSpc>
               <a:spcBef>
                 <a:spcPts val="0"/>
               </a:spcBef>
@@ -1205,6 +1197,9 @@
               <a:defRPr/>
             </a:lvl4pPr>
             <a:lvl5pPr lvl="4" algn="l">
+              <a:lnSpc>
+                <a:spcPct val="100000"/>
+              </a:lnSpc>
               <a:spcBef>
                 <a:spcPts val="0"/>
               </a:spcBef>
@@ -1216,6 +1211,9 @@
               <a:defRPr/>
             </a:lvl5pPr>
             <a:lvl6pPr lvl="5" algn="l">
+              <a:lnSpc>
+                <a:spcPct val="100000"/>
+              </a:lnSpc>
               <a:spcBef>
                 <a:spcPts val="0"/>
               </a:spcBef>
@@ -1227,6 +1225,9 @@
               <a:defRPr/>
             </a:lvl6pPr>
             <a:lvl7pPr lvl="6" algn="l">
+              <a:lnSpc>
+                <a:spcPct val="100000"/>
+              </a:lnSpc>
               <a:spcBef>
                 <a:spcPts val="0"/>
               </a:spcBef>
@@ -1238,6 +1239,9 @@
               <a:defRPr/>
             </a:lvl7pPr>
             <a:lvl8pPr lvl="7" algn="l">
+              <a:lnSpc>
+                <a:spcPct val="100000"/>
+              </a:lnSpc>
               <a:spcBef>
                 <a:spcPts val="0"/>
               </a:spcBef>
@@ -1249,6 +1253,9 @@
               <a:defRPr/>
             </a:lvl8pPr>
             <a:lvl9pPr lvl="8" algn="l">
+              <a:lnSpc>
+                <a:spcPct val="100000"/>
+              </a:lnSpc>
               <a:spcBef>
                 <a:spcPts val="0"/>
               </a:spcBef>
@@ -1289,68 +1296,239 @@
             <a:noAutofit/>
           </a:bodyPr>
           <a:lstStyle>
-            <a:lvl1pPr indent="0" lvl="0" marL="0" algn="r">
-              <a:spcBef>
-                <a:spcPts val="0"/>
-              </a:spcBef>
-              <a:buNone/>
-              <a:defRPr/>
+            <a:lvl1pPr indent="0" lvl="0" marL="0" marR="0" algn="r">
+              <a:lnSpc>
+                <a:spcPct val="100000"/>
+              </a:lnSpc>
+              <a:spcBef>
+                <a:spcPts val="0"/>
+              </a:spcBef>
+              <a:spcAft>
+                <a:spcPts val="0"/>
+              </a:spcAft>
+              <a:buClr>
+                <a:srgbClr val="000000"/>
+              </a:buClr>
+              <a:buSzPts val="1200"/>
+              <a:buFont typeface="Arial"/>
+              <a:buNone/>
+              <a:defRPr b="0" i="0" sz="1200" u="none" cap="none" strike="noStrike">
+                <a:solidFill>
+                  <a:srgbClr val="888888"/>
+                </a:solidFill>
+                <a:latin typeface="Calibri"/>
+                <a:ea typeface="Calibri"/>
+                <a:cs typeface="Calibri"/>
+                <a:sym typeface="Calibri"/>
+              </a:defRPr>
             </a:lvl1pPr>
-            <a:lvl2pPr indent="0" lvl="1" marL="0" algn="r">
-              <a:spcBef>
-                <a:spcPts val="0"/>
-              </a:spcBef>
-              <a:buNone/>
-              <a:defRPr/>
+            <a:lvl2pPr indent="0" lvl="1" marL="0" marR="0" algn="r">
+              <a:lnSpc>
+                <a:spcPct val="100000"/>
+              </a:lnSpc>
+              <a:spcBef>
+                <a:spcPts val="0"/>
+              </a:spcBef>
+              <a:spcAft>
+                <a:spcPts val="0"/>
+              </a:spcAft>
+              <a:buClr>
+                <a:srgbClr val="000000"/>
+              </a:buClr>
+              <a:buSzPts val="1200"/>
+              <a:buFont typeface="Arial"/>
+              <a:buNone/>
+              <a:defRPr b="0" i="0" sz="1200" u="none" cap="none" strike="noStrike">
+                <a:solidFill>
+                  <a:srgbClr val="888888"/>
+                </a:solidFill>
+                <a:latin typeface="Calibri"/>
+                <a:ea typeface="Calibri"/>
+                <a:cs typeface="Calibri"/>
+                <a:sym typeface="Calibri"/>
+              </a:defRPr>
             </a:lvl2pPr>
-            <a:lvl3pPr indent="0" lvl="2" marL="0" algn="r">
-              <a:spcBef>
-                <a:spcPts val="0"/>
-              </a:spcBef>
-              <a:buNone/>
-              <a:defRPr/>
+            <a:lvl3pPr indent="0" lvl="2" marL="0" marR="0" algn="r">
+              <a:lnSpc>
+                <a:spcPct val="100000"/>
+              </a:lnSpc>
+              <a:spcBef>
+                <a:spcPts val="0"/>
+              </a:spcBef>
+              <a:spcAft>
+                <a:spcPts val="0"/>
+              </a:spcAft>
+              <a:buClr>
+                <a:srgbClr val="000000"/>
+              </a:buClr>
+              <a:buSzPts val="1200"/>
+              <a:buFont typeface="Arial"/>
+              <a:buNone/>
+              <a:defRPr b="0" i="0" sz="1200" u="none" cap="none" strike="noStrike">
+                <a:solidFill>
+                  <a:srgbClr val="888888"/>
+                </a:solidFill>
+                <a:latin typeface="Calibri"/>
+                <a:ea typeface="Calibri"/>
+                <a:cs typeface="Calibri"/>
+                <a:sym typeface="Calibri"/>
+              </a:defRPr>
             </a:lvl3pPr>
-            <a:lvl4pPr indent="0" lvl="3" marL="0" algn="r">
-              <a:spcBef>
-                <a:spcPts val="0"/>
-              </a:spcBef>
-              <a:buNone/>
-              <a:defRPr/>
+            <a:lvl4pPr indent="0" lvl="3" marL="0" marR="0" algn="r">
+              <a:lnSpc>
+                <a:spcPct val="100000"/>
+              </a:lnSpc>
+              <a:spcBef>
+                <a:spcPts val="0"/>
+              </a:spcBef>
+              <a:spcAft>
+                <a:spcPts val="0"/>
+              </a:spcAft>
+              <a:buClr>
+                <a:srgbClr val="000000"/>
+              </a:buClr>
+              <a:buSzPts val="1200"/>
+              <a:buFont typeface="Arial"/>
+              <a:buNone/>
+              <a:defRPr b="0" i="0" sz="1200" u="none" cap="none" strike="noStrike">
+                <a:solidFill>
+                  <a:srgbClr val="888888"/>
+                </a:solidFill>
+                <a:latin typeface="Calibri"/>
+                <a:ea typeface="Calibri"/>
+                <a:cs typeface="Calibri"/>
+                <a:sym typeface="Calibri"/>
+              </a:defRPr>
             </a:lvl4pPr>
-            <a:lvl5pPr indent="0" lvl="4" marL="0" algn="r">
-              <a:spcBef>
-                <a:spcPts val="0"/>
-              </a:spcBef>
-              <a:buNone/>
-              <a:defRPr/>
+            <a:lvl5pPr indent="0" lvl="4" marL="0" marR="0" algn="r">
+              <a:lnSpc>
+                <a:spcPct val="100000"/>
+              </a:lnSpc>
+              <a:spcBef>
+                <a:spcPts val="0"/>
+              </a:spcBef>
+              <a:spcAft>
+                <a:spcPts val="0"/>
+              </a:spcAft>
+              <a:buClr>
+                <a:srgbClr val="000000"/>
+              </a:buClr>
+              <a:buSzPts val="1200"/>
+              <a:buFont typeface="Arial"/>
+              <a:buNone/>
+              <a:defRPr b="0" i="0" sz="1200" u="none" cap="none" strike="noStrike">
+                <a:solidFill>
+                  <a:srgbClr val="888888"/>
+                </a:solidFill>
+                <a:latin typeface="Calibri"/>
+                <a:ea typeface="Calibri"/>
+                <a:cs typeface="Calibri"/>
+                <a:sym typeface="Calibri"/>
+              </a:defRPr>
             </a:lvl5pPr>
-            <a:lvl6pPr indent="0" lvl="5" marL="0" algn="r">
-              <a:spcBef>
-                <a:spcPts val="0"/>
-              </a:spcBef>
-              <a:buNone/>
-              <a:defRPr/>
+            <a:lvl6pPr indent="0" lvl="5" marL="0" marR="0" algn="r">
+              <a:lnSpc>
+                <a:spcPct val="100000"/>
+              </a:lnSpc>
+              <a:spcBef>
+                <a:spcPts val="0"/>
+              </a:spcBef>
+              <a:spcAft>
+                <a:spcPts val="0"/>
+              </a:spcAft>
+              <a:buClr>
+                <a:srgbClr val="000000"/>
+              </a:buClr>
+              <a:buSzPts val="1200"/>
+              <a:buFont typeface="Arial"/>
+              <a:buNone/>
+              <a:defRPr b="0" i="0" sz="1200" u="none" cap="none" strike="noStrike">
+                <a:solidFill>
+                  <a:srgbClr val="888888"/>
+                </a:solidFill>
+                <a:latin typeface="Calibri"/>
+                <a:ea typeface="Calibri"/>
+                <a:cs typeface="Calibri"/>
+                <a:sym typeface="Calibri"/>
+              </a:defRPr>
             </a:lvl6pPr>
-            <a:lvl7pPr indent="0" lvl="6" marL="0" algn="r">
-              <a:spcBef>
-                <a:spcPts val="0"/>
-              </a:spcBef>
-              <a:buNone/>
-              <a:defRPr/>
+            <a:lvl7pPr indent="0" lvl="6" marL="0" marR="0" algn="r">
+              <a:lnSpc>
+                <a:spcPct val="100000"/>
+              </a:lnSpc>
+              <a:spcBef>
+                <a:spcPts val="0"/>
+              </a:spcBef>
+              <a:spcAft>
+                <a:spcPts val="0"/>
+              </a:spcAft>
+              <a:buClr>
+                <a:srgbClr val="000000"/>
+              </a:buClr>
+              <a:buSzPts val="1200"/>
+              <a:buFont typeface="Arial"/>
+              <a:buNone/>
+              <a:defRPr b="0" i="0" sz="1200" u="none" cap="none" strike="noStrike">
+                <a:solidFill>
+                  <a:srgbClr val="888888"/>
+                </a:solidFill>
+                <a:latin typeface="Calibri"/>
+                <a:ea typeface="Calibri"/>
+                <a:cs typeface="Calibri"/>
+                <a:sym typeface="Calibri"/>
+              </a:defRPr>
             </a:lvl7pPr>
-            <a:lvl8pPr indent="0" lvl="7" marL="0" algn="r">
-              <a:spcBef>
-                <a:spcPts val="0"/>
-              </a:spcBef>
-              <a:buNone/>
-              <a:defRPr/>
+            <a:lvl8pPr indent="0" lvl="7" marL="0" marR="0" algn="r">
+              <a:lnSpc>
+                <a:spcPct val="100000"/>
+              </a:lnSpc>
+              <a:spcBef>
+                <a:spcPts val="0"/>
+              </a:spcBef>
+              <a:spcAft>
+                <a:spcPts val="0"/>
+              </a:spcAft>
+              <a:buClr>
+                <a:srgbClr val="000000"/>
+              </a:buClr>
+              <a:buSzPts val="1200"/>
+              <a:buFont typeface="Arial"/>
+              <a:buNone/>
+              <a:defRPr b="0" i="0" sz="1200" u="none" cap="none" strike="noStrike">
+                <a:solidFill>
+                  <a:srgbClr val="888888"/>
+                </a:solidFill>
+                <a:latin typeface="Calibri"/>
+                <a:ea typeface="Calibri"/>
+                <a:cs typeface="Calibri"/>
+                <a:sym typeface="Calibri"/>
+              </a:defRPr>
             </a:lvl8pPr>
-            <a:lvl9pPr indent="0" lvl="8" marL="0" algn="r">
-              <a:spcBef>
-                <a:spcPts val="0"/>
-              </a:spcBef>
-              <a:buNone/>
-              <a:defRPr/>
+            <a:lvl9pPr indent="0" lvl="8" marL="0" marR="0" algn="r">
+              <a:lnSpc>
+                <a:spcPct val="100000"/>
+              </a:lnSpc>
+              <a:spcBef>
+                <a:spcPts val="0"/>
+              </a:spcBef>
+              <a:spcAft>
+                <a:spcPts val="0"/>
+              </a:spcAft>
+              <a:buClr>
+                <a:srgbClr val="000000"/>
+              </a:buClr>
+              <a:buSzPts val="1200"/>
+              <a:buFont typeface="Arial"/>
+              <a:buNone/>
+              <a:defRPr b="0" i="0" sz="1200" u="none" cap="none" strike="noStrike">
+                <a:solidFill>
+                  <a:srgbClr val="888888"/>
+                </a:solidFill>
+                <a:latin typeface="Calibri"/>
+                <a:ea typeface="Calibri"/>
+                <a:cs typeface="Calibri"/>
+                <a:sym typeface="Calibri"/>
+              </a:defRPr>
             </a:lvl9pPr>
           </a:lstStyle>
           <a:p>
@@ -1423,6 +1601,9 @@
           </a:bodyPr>
           <a:lstStyle>
             <a:lvl1pPr lvl="0" algn="ctr">
+              <a:lnSpc>
+                <a:spcPct val="100000"/>
+              </a:lnSpc>
               <a:spcBef>
                 <a:spcPts val="0"/>
               </a:spcBef>
@@ -1436,7 +1617,10 @@
               <a:buNone/>
               <a:defRPr/>
             </a:lvl1pPr>
-            <a:lvl2pPr lvl="1">
+            <a:lvl2pPr lvl="1" algn="l">
+              <a:lnSpc>
+                <a:spcPct val="100000"/>
+              </a:lnSpc>
               <a:spcBef>
                 <a:spcPts val="0"/>
               </a:spcBef>
@@ -1447,7 +1631,10 @@
               <a:buNone/>
               <a:defRPr/>
             </a:lvl2pPr>
-            <a:lvl3pPr lvl="2">
+            <a:lvl3pPr lvl="2" algn="l">
+              <a:lnSpc>
+                <a:spcPct val="100000"/>
+              </a:lnSpc>
               <a:spcBef>
                 <a:spcPts val="0"/>
               </a:spcBef>
@@ -1458,7 +1645,10 @@
               <a:buNone/>
               <a:defRPr/>
             </a:lvl3pPr>
-            <a:lvl4pPr lvl="3">
+            <a:lvl4pPr lvl="3" algn="l">
+              <a:lnSpc>
+                <a:spcPct val="100000"/>
+              </a:lnSpc>
               <a:spcBef>
                 <a:spcPts val="0"/>
               </a:spcBef>
@@ -1469,7 +1659,10 @@
               <a:buNone/>
               <a:defRPr/>
             </a:lvl4pPr>
-            <a:lvl5pPr lvl="4">
+            <a:lvl5pPr lvl="4" algn="l">
+              <a:lnSpc>
+                <a:spcPct val="100000"/>
+              </a:lnSpc>
               <a:spcBef>
                 <a:spcPts val="0"/>
               </a:spcBef>
@@ -1480,7 +1673,10 @@
               <a:buNone/>
               <a:defRPr/>
             </a:lvl5pPr>
-            <a:lvl6pPr lvl="5">
+            <a:lvl6pPr lvl="5" algn="l">
+              <a:lnSpc>
+                <a:spcPct val="100000"/>
+              </a:lnSpc>
               <a:spcBef>
                 <a:spcPts val="0"/>
               </a:spcBef>
@@ -1491,7 +1687,10 @@
               <a:buNone/>
               <a:defRPr/>
             </a:lvl6pPr>
-            <a:lvl7pPr lvl="6">
+            <a:lvl7pPr lvl="6" algn="l">
+              <a:lnSpc>
+                <a:spcPct val="100000"/>
+              </a:lnSpc>
               <a:spcBef>
                 <a:spcPts val="0"/>
               </a:spcBef>
@@ -1502,7 +1701,10 @@
               <a:buNone/>
               <a:defRPr/>
             </a:lvl7pPr>
-            <a:lvl8pPr lvl="7">
+            <a:lvl8pPr lvl="7" algn="l">
+              <a:lnSpc>
+                <a:spcPct val="100000"/>
+              </a:lnSpc>
               <a:spcBef>
                 <a:spcPts val="0"/>
               </a:spcBef>
@@ -1513,7 +1715,10 @@
               <a:buNone/>
               <a:defRPr/>
             </a:lvl8pPr>
-            <a:lvl9pPr lvl="8">
+            <a:lvl9pPr lvl="8" algn="l">
+              <a:lnSpc>
+                <a:spcPct val="100000"/>
+              </a:lnSpc>
               <a:spcBef>
                 <a:spcPts val="0"/>
               </a:spcBef>
@@ -1555,6 +1760,9 @@
           </a:bodyPr>
           <a:lstStyle>
             <a:lvl1pPr indent="-342900" lvl="0" marL="457200" algn="l">
+              <a:lnSpc>
+                <a:spcPct val="100000"/>
+              </a:lnSpc>
               <a:spcBef>
                 <a:spcPts val="360"/>
               </a:spcBef>
@@ -1569,6 +1777,9 @@
               <a:defRPr/>
             </a:lvl1pPr>
             <a:lvl2pPr indent="-342900" lvl="1" marL="914400" algn="l">
+              <a:lnSpc>
+                <a:spcPct val="100000"/>
+              </a:lnSpc>
               <a:spcBef>
                 <a:spcPts val="360"/>
               </a:spcBef>
@@ -1583,6 +1794,9 @@
               <a:defRPr/>
             </a:lvl2pPr>
             <a:lvl3pPr indent="-342900" lvl="2" marL="1371600" algn="l">
+              <a:lnSpc>
+                <a:spcPct val="100000"/>
+              </a:lnSpc>
               <a:spcBef>
                 <a:spcPts val="360"/>
               </a:spcBef>
@@ -1597,6 +1811,9 @@
               <a:defRPr/>
             </a:lvl3pPr>
             <a:lvl4pPr indent="-342900" lvl="3" marL="1828800" algn="l">
+              <a:lnSpc>
+                <a:spcPct val="100000"/>
+              </a:lnSpc>
               <a:spcBef>
                 <a:spcPts val="360"/>
               </a:spcBef>
@@ -1611,6 +1828,9 @@
               <a:defRPr/>
             </a:lvl4pPr>
             <a:lvl5pPr indent="-342900" lvl="4" marL="2286000" algn="l">
+              <a:lnSpc>
+                <a:spcPct val="100000"/>
+              </a:lnSpc>
               <a:spcBef>
                 <a:spcPts val="360"/>
               </a:spcBef>
@@ -1625,6 +1845,9 @@
               <a:defRPr/>
             </a:lvl5pPr>
             <a:lvl6pPr indent="-342900" lvl="5" marL="2743200" algn="l">
+              <a:lnSpc>
+                <a:spcPct val="100000"/>
+              </a:lnSpc>
               <a:spcBef>
                 <a:spcPts val="360"/>
               </a:spcBef>
@@ -1639,6 +1862,9 @@
               <a:defRPr/>
             </a:lvl6pPr>
             <a:lvl7pPr indent="-342900" lvl="6" marL="3200400" algn="l">
+              <a:lnSpc>
+                <a:spcPct val="100000"/>
+              </a:lnSpc>
               <a:spcBef>
                 <a:spcPts val="360"/>
               </a:spcBef>
@@ -1653,6 +1879,9 @@
               <a:defRPr/>
             </a:lvl7pPr>
             <a:lvl8pPr indent="-342900" lvl="7" marL="3657600" algn="l">
+              <a:lnSpc>
+                <a:spcPct val="100000"/>
+              </a:lnSpc>
               <a:spcBef>
                 <a:spcPts val="360"/>
               </a:spcBef>
@@ -1667,6 +1896,9 @@
               <a:defRPr/>
             </a:lvl8pPr>
             <a:lvl9pPr indent="-342900" lvl="8" marL="4114800" algn="l">
+              <a:lnSpc>
+                <a:spcPct val="100000"/>
+              </a:lnSpc>
               <a:spcBef>
                 <a:spcPts val="360"/>
               </a:spcBef>
@@ -1711,6 +1943,9 @@
           </a:bodyPr>
           <a:lstStyle>
             <a:lvl1pPr lvl="0" algn="l">
+              <a:lnSpc>
+                <a:spcPct val="100000"/>
+              </a:lnSpc>
               <a:spcBef>
                 <a:spcPts val="0"/>
               </a:spcBef>
@@ -1722,6 +1957,9 @@
               <a:defRPr/>
             </a:lvl1pPr>
             <a:lvl2pPr lvl="1" algn="l">
+              <a:lnSpc>
+                <a:spcPct val="100000"/>
+              </a:lnSpc>
               <a:spcBef>
                 <a:spcPts val="0"/>
               </a:spcBef>
@@ -1733,6 +1971,9 @@
               <a:defRPr/>
             </a:lvl2pPr>
             <a:lvl3pPr lvl="2" algn="l">
+              <a:lnSpc>
+                <a:spcPct val="100000"/>
+              </a:lnSpc>
               <a:spcBef>
                 <a:spcPts val="0"/>
               </a:spcBef>
@@ -1744,6 +1985,9 @@
               <a:defRPr/>
             </a:lvl3pPr>
             <a:lvl4pPr lvl="3" algn="l">
+              <a:lnSpc>
+                <a:spcPct val="100000"/>
+              </a:lnSpc>
               <a:spcBef>
                 <a:spcPts val="0"/>
               </a:spcBef>
@@ -1755,6 +1999,9 @@
               <a:defRPr/>
             </a:lvl4pPr>
             <a:lvl5pPr lvl="4" algn="l">
+              <a:lnSpc>
+                <a:spcPct val="100000"/>
+              </a:lnSpc>
               <a:spcBef>
                 <a:spcPts val="0"/>
               </a:spcBef>
@@ -1766,6 +2013,9 @@
               <a:defRPr/>
             </a:lvl5pPr>
             <a:lvl6pPr lvl="5" algn="l">
+              <a:lnSpc>
+                <a:spcPct val="100000"/>
+              </a:lnSpc>
               <a:spcBef>
                 <a:spcPts val="0"/>
               </a:spcBef>
@@ -1777,6 +2027,9 @@
               <a:defRPr/>
             </a:lvl6pPr>
             <a:lvl7pPr lvl="6" algn="l">
+              <a:lnSpc>
+                <a:spcPct val="100000"/>
+              </a:lnSpc>
               <a:spcBef>
                 <a:spcPts val="0"/>
               </a:spcBef>
@@ -1788,6 +2041,9 @@
               <a:defRPr/>
             </a:lvl7pPr>
             <a:lvl8pPr lvl="7" algn="l">
+              <a:lnSpc>
+                <a:spcPct val="100000"/>
+              </a:lnSpc>
               <a:spcBef>
                 <a:spcPts val="0"/>
               </a:spcBef>
@@ -1799,6 +2055,9 @@
               <a:defRPr/>
             </a:lvl8pPr>
             <a:lvl9pPr lvl="8" algn="l">
+              <a:lnSpc>
+                <a:spcPct val="100000"/>
+              </a:lnSpc>
               <a:spcBef>
                 <a:spcPts val="0"/>
               </a:spcBef>
@@ -1840,6 +2099,9 @@
           </a:bodyPr>
           <a:lstStyle>
             <a:lvl1pPr lvl="0" algn="ctr">
+              <a:lnSpc>
+                <a:spcPct val="100000"/>
+              </a:lnSpc>
               <a:spcBef>
                 <a:spcPts val="0"/>
               </a:spcBef>
@@ -1851,6 +2113,9 @@
               <a:defRPr/>
             </a:lvl1pPr>
             <a:lvl2pPr lvl="1" algn="l">
+              <a:lnSpc>
+                <a:spcPct val="100000"/>
+              </a:lnSpc>
               <a:spcBef>
                 <a:spcPts val="0"/>
               </a:spcBef>
@@ -1862,6 +2127,9 @@
               <a:defRPr/>
             </a:lvl2pPr>
             <a:lvl3pPr lvl="2" algn="l">
+              <a:lnSpc>
+                <a:spcPct val="100000"/>
+              </a:lnSpc>
               <a:spcBef>
                 <a:spcPts val="0"/>
               </a:spcBef>
@@ -1873,6 +2141,9 @@
               <a:defRPr/>
             </a:lvl3pPr>
             <a:lvl4pPr lvl="3" algn="l">
+              <a:lnSpc>
+                <a:spcPct val="100000"/>
+              </a:lnSpc>
               <a:spcBef>
                 <a:spcPts val="0"/>
               </a:spcBef>
@@ -1884,6 +2155,9 @@
               <a:defRPr/>
             </a:lvl4pPr>
             <a:lvl5pPr lvl="4" algn="l">
+              <a:lnSpc>
+                <a:spcPct val="100000"/>
+              </a:lnSpc>
               <a:spcBef>
                 <a:spcPts val="0"/>
               </a:spcBef>
@@ -1895,6 +2169,9 @@
               <a:defRPr/>
             </a:lvl5pPr>
             <a:lvl6pPr lvl="5" algn="l">
+              <a:lnSpc>
+                <a:spcPct val="100000"/>
+              </a:lnSpc>
               <a:spcBef>
                 <a:spcPts val="0"/>
               </a:spcBef>
@@ -1906,6 +2183,9 @@
               <a:defRPr/>
             </a:lvl6pPr>
             <a:lvl7pPr lvl="6" algn="l">
+              <a:lnSpc>
+                <a:spcPct val="100000"/>
+              </a:lnSpc>
               <a:spcBef>
                 <a:spcPts val="0"/>
               </a:spcBef>
@@ -1917,6 +2197,9 @@
               <a:defRPr/>
             </a:lvl7pPr>
             <a:lvl8pPr lvl="7" algn="l">
+              <a:lnSpc>
+                <a:spcPct val="100000"/>
+              </a:lnSpc>
               <a:spcBef>
                 <a:spcPts val="0"/>
               </a:spcBef>
@@ -1928,6 +2211,9 @@
               <a:defRPr/>
             </a:lvl8pPr>
             <a:lvl9pPr lvl="8" algn="l">
+              <a:lnSpc>
+                <a:spcPct val="100000"/>
+              </a:lnSpc>
               <a:spcBef>
                 <a:spcPts val="0"/>
               </a:spcBef>
@@ -1968,68 +2254,239 @@
             <a:noAutofit/>
           </a:bodyPr>
           <a:lstStyle>
-            <a:lvl1pPr indent="0" lvl="0" marL="0" algn="r">
-              <a:spcBef>
-                <a:spcPts val="0"/>
-              </a:spcBef>
-              <a:buNone/>
-              <a:defRPr/>
+            <a:lvl1pPr indent="0" lvl="0" marL="0" marR="0" algn="r">
+              <a:lnSpc>
+                <a:spcPct val="100000"/>
+              </a:lnSpc>
+              <a:spcBef>
+                <a:spcPts val="0"/>
+              </a:spcBef>
+              <a:spcAft>
+                <a:spcPts val="0"/>
+              </a:spcAft>
+              <a:buClr>
+                <a:srgbClr val="000000"/>
+              </a:buClr>
+              <a:buSzPts val="1200"/>
+              <a:buFont typeface="Arial"/>
+              <a:buNone/>
+              <a:defRPr b="0" i="0" sz="1200" u="none" cap="none" strike="noStrike">
+                <a:solidFill>
+                  <a:srgbClr val="888888"/>
+                </a:solidFill>
+                <a:latin typeface="Calibri"/>
+                <a:ea typeface="Calibri"/>
+                <a:cs typeface="Calibri"/>
+                <a:sym typeface="Calibri"/>
+              </a:defRPr>
             </a:lvl1pPr>
-            <a:lvl2pPr indent="0" lvl="1" marL="0" algn="r">
-              <a:spcBef>
-                <a:spcPts val="0"/>
-              </a:spcBef>
-              <a:buNone/>
-              <a:defRPr/>
+            <a:lvl2pPr indent="0" lvl="1" marL="0" marR="0" algn="r">
+              <a:lnSpc>
+                <a:spcPct val="100000"/>
+              </a:lnSpc>
+              <a:spcBef>
+                <a:spcPts val="0"/>
+              </a:spcBef>
+              <a:spcAft>
+                <a:spcPts val="0"/>
+              </a:spcAft>
+              <a:buClr>
+                <a:srgbClr val="000000"/>
+              </a:buClr>
+              <a:buSzPts val="1200"/>
+              <a:buFont typeface="Arial"/>
+              <a:buNone/>
+              <a:defRPr b="0" i="0" sz="1200" u="none" cap="none" strike="noStrike">
+                <a:solidFill>
+                  <a:srgbClr val="888888"/>
+                </a:solidFill>
+                <a:latin typeface="Calibri"/>
+                <a:ea typeface="Calibri"/>
+                <a:cs typeface="Calibri"/>
+                <a:sym typeface="Calibri"/>
+              </a:defRPr>
             </a:lvl2pPr>
-            <a:lvl3pPr indent="0" lvl="2" marL="0" algn="r">
-              <a:spcBef>
-                <a:spcPts val="0"/>
-              </a:spcBef>
-              <a:buNone/>
-              <a:defRPr/>
+            <a:lvl3pPr indent="0" lvl="2" marL="0" marR="0" algn="r">
+              <a:lnSpc>
+                <a:spcPct val="100000"/>
+              </a:lnSpc>
+              <a:spcBef>
+                <a:spcPts val="0"/>
+              </a:spcBef>
+              <a:spcAft>
+                <a:spcPts val="0"/>
+              </a:spcAft>
+              <a:buClr>
+                <a:srgbClr val="000000"/>
+              </a:buClr>
+              <a:buSzPts val="1200"/>
+              <a:buFont typeface="Arial"/>
+              <a:buNone/>
+              <a:defRPr b="0" i="0" sz="1200" u="none" cap="none" strike="noStrike">
+                <a:solidFill>
+                  <a:srgbClr val="888888"/>
+                </a:solidFill>
+                <a:latin typeface="Calibri"/>
+                <a:ea typeface="Calibri"/>
+                <a:cs typeface="Calibri"/>
+                <a:sym typeface="Calibri"/>
+              </a:defRPr>
             </a:lvl3pPr>
-            <a:lvl4pPr indent="0" lvl="3" marL="0" algn="r">
-              <a:spcBef>
-                <a:spcPts val="0"/>
-              </a:spcBef>
-              <a:buNone/>
-              <a:defRPr/>
+            <a:lvl4pPr indent="0" lvl="3" marL="0" marR="0" algn="r">
+              <a:lnSpc>
+                <a:spcPct val="100000"/>
+              </a:lnSpc>
+              <a:spcBef>
+                <a:spcPts val="0"/>
+              </a:spcBef>
+              <a:spcAft>
+                <a:spcPts val="0"/>
+              </a:spcAft>
+              <a:buClr>
+                <a:srgbClr val="000000"/>
+              </a:buClr>
+              <a:buSzPts val="1200"/>
+              <a:buFont typeface="Arial"/>
+              <a:buNone/>
+              <a:defRPr b="0" i="0" sz="1200" u="none" cap="none" strike="noStrike">
+                <a:solidFill>
+                  <a:srgbClr val="888888"/>
+                </a:solidFill>
+                <a:latin typeface="Calibri"/>
+                <a:ea typeface="Calibri"/>
+                <a:cs typeface="Calibri"/>
+                <a:sym typeface="Calibri"/>
+              </a:defRPr>
             </a:lvl4pPr>
-            <a:lvl5pPr indent="0" lvl="4" marL="0" algn="r">
-              <a:spcBef>
-                <a:spcPts val="0"/>
-              </a:spcBef>
-              <a:buNone/>
-              <a:defRPr/>
+            <a:lvl5pPr indent="0" lvl="4" marL="0" marR="0" algn="r">
+              <a:lnSpc>
+                <a:spcPct val="100000"/>
+              </a:lnSpc>
+              <a:spcBef>
+                <a:spcPts val="0"/>
+              </a:spcBef>
+              <a:spcAft>
+                <a:spcPts val="0"/>
+              </a:spcAft>
+              <a:buClr>
+                <a:srgbClr val="000000"/>
+              </a:buClr>
+              <a:buSzPts val="1200"/>
+              <a:buFont typeface="Arial"/>
+              <a:buNone/>
+              <a:defRPr b="0" i="0" sz="1200" u="none" cap="none" strike="noStrike">
+                <a:solidFill>
+                  <a:srgbClr val="888888"/>
+                </a:solidFill>
+                <a:latin typeface="Calibri"/>
+                <a:ea typeface="Calibri"/>
+                <a:cs typeface="Calibri"/>
+                <a:sym typeface="Calibri"/>
+              </a:defRPr>
             </a:lvl5pPr>
-            <a:lvl6pPr indent="0" lvl="5" marL="0" algn="r">
-              <a:spcBef>
-                <a:spcPts val="0"/>
-              </a:spcBef>
-              <a:buNone/>
-              <a:defRPr/>
+            <a:lvl6pPr indent="0" lvl="5" marL="0" marR="0" algn="r">
+              <a:lnSpc>
+                <a:spcPct val="100000"/>
+              </a:lnSpc>
+              <a:spcBef>
+                <a:spcPts val="0"/>
+              </a:spcBef>
+              <a:spcAft>
+                <a:spcPts val="0"/>
+              </a:spcAft>
+              <a:buClr>
+                <a:srgbClr val="000000"/>
+              </a:buClr>
+              <a:buSzPts val="1200"/>
+              <a:buFont typeface="Arial"/>
+              <a:buNone/>
+              <a:defRPr b="0" i="0" sz="1200" u="none" cap="none" strike="noStrike">
+                <a:solidFill>
+                  <a:srgbClr val="888888"/>
+                </a:solidFill>
+                <a:latin typeface="Calibri"/>
+                <a:ea typeface="Calibri"/>
+                <a:cs typeface="Calibri"/>
+                <a:sym typeface="Calibri"/>
+              </a:defRPr>
             </a:lvl6pPr>
-            <a:lvl7pPr indent="0" lvl="6" marL="0" algn="r">
-              <a:spcBef>
-                <a:spcPts val="0"/>
-              </a:spcBef>
-              <a:buNone/>
-              <a:defRPr/>
+            <a:lvl7pPr indent="0" lvl="6" marL="0" marR="0" algn="r">
+              <a:lnSpc>
+                <a:spcPct val="100000"/>
+              </a:lnSpc>
+              <a:spcBef>
+                <a:spcPts val="0"/>
+              </a:spcBef>
+              <a:spcAft>
+                <a:spcPts val="0"/>
+              </a:spcAft>
+              <a:buClr>
+                <a:srgbClr val="000000"/>
+              </a:buClr>
+              <a:buSzPts val="1200"/>
+              <a:buFont typeface="Arial"/>
+              <a:buNone/>
+              <a:defRPr b="0" i="0" sz="1200" u="none" cap="none" strike="noStrike">
+                <a:solidFill>
+                  <a:srgbClr val="888888"/>
+                </a:solidFill>
+                <a:latin typeface="Calibri"/>
+                <a:ea typeface="Calibri"/>
+                <a:cs typeface="Calibri"/>
+                <a:sym typeface="Calibri"/>
+              </a:defRPr>
             </a:lvl7pPr>
-            <a:lvl8pPr indent="0" lvl="7" marL="0" algn="r">
-              <a:spcBef>
-                <a:spcPts val="0"/>
-              </a:spcBef>
-              <a:buNone/>
-              <a:defRPr/>
+            <a:lvl8pPr indent="0" lvl="7" marL="0" marR="0" algn="r">
+              <a:lnSpc>
+                <a:spcPct val="100000"/>
+              </a:lnSpc>
+              <a:spcBef>
+                <a:spcPts val="0"/>
+              </a:spcBef>
+              <a:spcAft>
+                <a:spcPts val="0"/>
+              </a:spcAft>
+              <a:buClr>
+                <a:srgbClr val="000000"/>
+              </a:buClr>
+              <a:buSzPts val="1200"/>
+              <a:buFont typeface="Arial"/>
+              <a:buNone/>
+              <a:defRPr b="0" i="0" sz="1200" u="none" cap="none" strike="noStrike">
+                <a:solidFill>
+                  <a:srgbClr val="888888"/>
+                </a:solidFill>
+                <a:latin typeface="Calibri"/>
+                <a:ea typeface="Calibri"/>
+                <a:cs typeface="Calibri"/>
+                <a:sym typeface="Calibri"/>
+              </a:defRPr>
             </a:lvl8pPr>
-            <a:lvl9pPr indent="0" lvl="8" marL="0" algn="r">
-              <a:spcBef>
-                <a:spcPts val="0"/>
-              </a:spcBef>
-              <a:buNone/>
-              <a:defRPr/>
+            <a:lvl9pPr indent="0" lvl="8" marL="0" marR="0" algn="r">
+              <a:lnSpc>
+                <a:spcPct val="100000"/>
+              </a:lnSpc>
+              <a:spcBef>
+                <a:spcPts val="0"/>
+              </a:spcBef>
+              <a:spcAft>
+                <a:spcPts val="0"/>
+              </a:spcAft>
+              <a:buClr>
+                <a:srgbClr val="000000"/>
+              </a:buClr>
+              <a:buSzPts val="1200"/>
+              <a:buFont typeface="Arial"/>
+              <a:buNone/>
+              <a:defRPr b="0" i="0" sz="1200" u="none" cap="none" strike="noStrike">
+                <a:solidFill>
+                  <a:srgbClr val="888888"/>
+                </a:solidFill>
+                <a:latin typeface="Calibri"/>
+                <a:ea typeface="Calibri"/>
+                <a:cs typeface="Calibri"/>
+                <a:sym typeface="Calibri"/>
+              </a:defRPr>
             </a:lvl9pPr>
           </a:lstStyle>
           <a:p>
@@ -2102,6 +2559,9 @@
           </a:bodyPr>
           <a:lstStyle>
             <a:lvl1pPr lvl="0" algn="ctr">
+              <a:lnSpc>
+                <a:spcPct val="100000"/>
+              </a:lnSpc>
               <a:spcBef>
                 <a:spcPts val="0"/>
               </a:spcBef>
@@ -2115,7 +2575,10 @@
               <a:buNone/>
               <a:defRPr/>
             </a:lvl1pPr>
-            <a:lvl2pPr lvl="1">
+            <a:lvl2pPr lvl="1" algn="l">
+              <a:lnSpc>
+                <a:spcPct val="100000"/>
+              </a:lnSpc>
               <a:spcBef>
                 <a:spcPts val="0"/>
               </a:spcBef>
@@ -2126,7 +2589,10 @@
               <a:buNone/>
               <a:defRPr/>
             </a:lvl2pPr>
-            <a:lvl3pPr lvl="2">
+            <a:lvl3pPr lvl="2" algn="l">
+              <a:lnSpc>
+                <a:spcPct val="100000"/>
+              </a:lnSpc>
               <a:spcBef>
                 <a:spcPts val="0"/>
               </a:spcBef>
@@ -2137,7 +2603,10 @@
               <a:buNone/>
               <a:defRPr/>
             </a:lvl3pPr>
-            <a:lvl4pPr lvl="3">
+            <a:lvl4pPr lvl="3" algn="l">
+              <a:lnSpc>
+                <a:spcPct val="100000"/>
+              </a:lnSpc>
               <a:spcBef>
                 <a:spcPts val="0"/>
               </a:spcBef>
@@ -2148,7 +2617,10 @@
               <a:buNone/>
               <a:defRPr/>
             </a:lvl4pPr>
-            <a:lvl5pPr lvl="4">
+            <a:lvl5pPr lvl="4" algn="l">
+              <a:lnSpc>
+                <a:spcPct val="100000"/>
+              </a:lnSpc>
               <a:spcBef>
                 <a:spcPts val="0"/>
               </a:spcBef>
@@ -2159,7 +2631,10 @@
               <a:buNone/>
               <a:defRPr/>
             </a:lvl5pPr>
-            <a:lvl6pPr lvl="5">
+            <a:lvl6pPr lvl="5" algn="l">
+              <a:lnSpc>
+                <a:spcPct val="100000"/>
+              </a:lnSpc>
               <a:spcBef>
                 <a:spcPts val="0"/>
               </a:spcBef>
@@ -2170,7 +2645,10 @@
               <a:buNone/>
               <a:defRPr/>
             </a:lvl6pPr>
-            <a:lvl7pPr lvl="6">
+            <a:lvl7pPr lvl="6" algn="l">
+              <a:lnSpc>
+                <a:spcPct val="100000"/>
+              </a:lnSpc>
               <a:spcBef>
                 <a:spcPts val="0"/>
               </a:spcBef>
@@ -2181,7 +2659,10 @@
               <a:buNone/>
               <a:defRPr/>
             </a:lvl7pPr>
-            <a:lvl8pPr lvl="7">
+            <a:lvl8pPr lvl="7" algn="l">
+              <a:lnSpc>
+                <a:spcPct val="100000"/>
+              </a:lnSpc>
               <a:spcBef>
                 <a:spcPts val="0"/>
               </a:spcBef>
@@ -2192,7 +2673,10 @@
               <a:buNone/>
               <a:defRPr/>
             </a:lvl8pPr>
-            <a:lvl9pPr lvl="8">
+            <a:lvl9pPr lvl="8" algn="l">
+              <a:lnSpc>
+                <a:spcPct val="100000"/>
+              </a:lnSpc>
               <a:spcBef>
                 <a:spcPts val="0"/>
               </a:spcBef>
@@ -2234,6 +2718,9 @@
           </a:bodyPr>
           <a:lstStyle>
             <a:lvl1pPr indent="-342900" lvl="0" marL="457200" algn="l">
+              <a:lnSpc>
+                <a:spcPct val="100000"/>
+              </a:lnSpc>
               <a:spcBef>
                 <a:spcPts val="360"/>
               </a:spcBef>
@@ -2248,6 +2735,9 @@
               <a:defRPr/>
             </a:lvl1pPr>
             <a:lvl2pPr indent="-342900" lvl="1" marL="914400" algn="l">
+              <a:lnSpc>
+                <a:spcPct val="100000"/>
+              </a:lnSpc>
               <a:spcBef>
                 <a:spcPts val="360"/>
               </a:spcBef>
@@ -2262,6 +2752,9 @@
               <a:defRPr/>
             </a:lvl2pPr>
             <a:lvl3pPr indent="-342900" lvl="2" marL="1371600" algn="l">
+              <a:lnSpc>
+                <a:spcPct val="100000"/>
+              </a:lnSpc>
               <a:spcBef>
                 <a:spcPts val="360"/>
               </a:spcBef>
@@ -2276,6 +2769,9 @@
               <a:defRPr/>
             </a:lvl3pPr>
             <a:lvl4pPr indent="-342900" lvl="3" marL="1828800" algn="l">
+              <a:lnSpc>
+                <a:spcPct val="100000"/>
+              </a:lnSpc>
               <a:spcBef>
                 <a:spcPts val="360"/>
               </a:spcBef>
@@ -2290,6 +2786,9 @@
               <a:defRPr/>
             </a:lvl4pPr>
             <a:lvl5pPr indent="-342900" lvl="4" marL="2286000" algn="l">
+              <a:lnSpc>
+                <a:spcPct val="100000"/>
+              </a:lnSpc>
               <a:spcBef>
                 <a:spcPts val="360"/>
               </a:spcBef>
@@ -2304,6 +2803,9 @@
               <a:defRPr/>
             </a:lvl5pPr>
             <a:lvl6pPr indent="-342900" lvl="5" marL="2743200" algn="l">
+              <a:lnSpc>
+                <a:spcPct val="100000"/>
+              </a:lnSpc>
               <a:spcBef>
                 <a:spcPts val="360"/>
               </a:spcBef>
@@ -2318,6 +2820,9 @@
               <a:defRPr/>
             </a:lvl6pPr>
             <a:lvl7pPr indent="-342900" lvl="6" marL="3200400" algn="l">
+              <a:lnSpc>
+                <a:spcPct val="100000"/>
+              </a:lnSpc>
               <a:spcBef>
                 <a:spcPts val="360"/>
               </a:spcBef>
@@ -2332,6 +2837,9 @@
               <a:defRPr/>
             </a:lvl7pPr>
             <a:lvl8pPr indent="-342900" lvl="7" marL="3657600" algn="l">
+              <a:lnSpc>
+                <a:spcPct val="100000"/>
+              </a:lnSpc>
               <a:spcBef>
                 <a:spcPts val="360"/>
               </a:spcBef>
@@ -2346,6 +2854,9 @@
               <a:defRPr/>
             </a:lvl8pPr>
             <a:lvl9pPr indent="-342900" lvl="8" marL="4114800" algn="l">
+              <a:lnSpc>
+                <a:spcPct val="100000"/>
+              </a:lnSpc>
               <a:spcBef>
                 <a:spcPts val="360"/>
               </a:spcBef>
@@ -2390,6 +2901,9 @@
           </a:bodyPr>
           <a:lstStyle>
             <a:lvl1pPr lvl="0" algn="l">
+              <a:lnSpc>
+                <a:spcPct val="100000"/>
+              </a:lnSpc>
               <a:spcBef>
                 <a:spcPts val="0"/>
               </a:spcBef>
@@ -2401,6 +2915,9 @@
               <a:defRPr/>
             </a:lvl1pPr>
             <a:lvl2pPr lvl="1" algn="l">
+              <a:lnSpc>
+                <a:spcPct val="100000"/>
+              </a:lnSpc>
               <a:spcBef>
                 <a:spcPts val="0"/>
               </a:spcBef>
@@ -2412,6 +2929,9 @@
               <a:defRPr/>
             </a:lvl2pPr>
             <a:lvl3pPr lvl="2" algn="l">
+              <a:lnSpc>
+                <a:spcPct val="100000"/>
+              </a:lnSpc>
               <a:spcBef>
                 <a:spcPts val="0"/>
               </a:spcBef>
@@ -2423,6 +2943,9 @@
               <a:defRPr/>
             </a:lvl3pPr>
             <a:lvl4pPr lvl="3" algn="l">
+              <a:lnSpc>
+                <a:spcPct val="100000"/>
+              </a:lnSpc>
               <a:spcBef>
                 <a:spcPts val="0"/>
               </a:spcBef>
@@ -2434,6 +2957,9 @@
               <a:defRPr/>
             </a:lvl4pPr>
             <a:lvl5pPr lvl="4" algn="l">
+              <a:lnSpc>
+                <a:spcPct val="100000"/>
+              </a:lnSpc>
               <a:spcBef>
                 <a:spcPts val="0"/>
               </a:spcBef>
@@ -2445,6 +2971,9 @@
               <a:defRPr/>
             </a:lvl5pPr>
             <a:lvl6pPr lvl="5" algn="l">
+              <a:lnSpc>
+                <a:spcPct val="100000"/>
+              </a:lnSpc>
               <a:spcBef>
                 <a:spcPts val="0"/>
               </a:spcBef>
@@ -2456,6 +2985,9 @@
               <a:defRPr/>
             </a:lvl6pPr>
             <a:lvl7pPr lvl="6" algn="l">
+              <a:lnSpc>
+                <a:spcPct val="100000"/>
+              </a:lnSpc>
               <a:spcBef>
                 <a:spcPts val="0"/>
               </a:spcBef>
@@ -2467,6 +2999,9 @@
               <a:defRPr/>
             </a:lvl7pPr>
             <a:lvl8pPr lvl="7" algn="l">
+              <a:lnSpc>
+                <a:spcPct val="100000"/>
+              </a:lnSpc>
               <a:spcBef>
                 <a:spcPts val="0"/>
               </a:spcBef>
@@ -2478,6 +3013,9 @@
               <a:defRPr/>
             </a:lvl8pPr>
             <a:lvl9pPr lvl="8" algn="l">
+              <a:lnSpc>
+                <a:spcPct val="100000"/>
+              </a:lnSpc>
               <a:spcBef>
                 <a:spcPts val="0"/>
               </a:spcBef>
@@ -2519,6 +3057,9 @@
           </a:bodyPr>
           <a:lstStyle>
             <a:lvl1pPr lvl="0" algn="ctr">
+              <a:lnSpc>
+                <a:spcPct val="100000"/>
+              </a:lnSpc>
               <a:spcBef>
                 <a:spcPts val="0"/>
               </a:spcBef>
@@ -2530,6 +3071,9 @@
               <a:defRPr/>
             </a:lvl1pPr>
             <a:lvl2pPr lvl="1" algn="l">
+              <a:lnSpc>
+                <a:spcPct val="100000"/>
+              </a:lnSpc>
               <a:spcBef>
                 <a:spcPts val="0"/>
               </a:spcBef>
@@ -2541,6 +3085,9 @@
               <a:defRPr/>
             </a:lvl2pPr>
             <a:lvl3pPr lvl="2" algn="l">
+              <a:lnSpc>
+                <a:spcPct val="100000"/>
+              </a:lnSpc>
               <a:spcBef>
                 <a:spcPts val="0"/>
               </a:spcBef>
@@ -2552,6 +3099,9 @@
               <a:defRPr/>
             </a:lvl3pPr>
             <a:lvl4pPr lvl="3" algn="l">
+              <a:lnSpc>
+                <a:spcPct val="100000"/>
+              </a:lnSpc>
               <a:spcBef>
                 <a:spcPts val="0"/>
               </a:spcBef>
@@ -2563,6 +3113,9 @@
               <a:defRPr/>
             </a:lvl4pPr>
             <a:lvl5pPr lvl="4" algn="l">
+              <a:lnSpc>
+                <a:spcPct val="100000"/>
+              </a:lnSpc>
               <a:spcBef>
                 <a:spcPts val="0"/>
               </a:spcBef>
@@ -2574,6 +3127,9 @@
               <a:defRPr/>
             </a:lvl5pPr>
             <a:lvl6pPr lvl="5" algn="l">
+              <a:lnSpc>
+                <a:spcPct val="100000"/>
+              </a:lnSpc>
               <a:spcBef>
                 <a:spcPts val="0"/>
               </a:spcBef>
@@ -2585,6 +3141,9 @@
               <a:defRPr/>
             </a:lvl6pPr>
             <a:lvl7pPr lvl="6" algn="l">
+              <a:lnSpc>
+                <a:spcPct val="100000"/>
+              </a:lnSpc>
               <a:spcBef>
                 <a:spcPts val="0"/>
               </a:spcBef>
@@ -2596,6 +3155,9 @@
               <a:defRPr/>
             </a:lvl7pPr>
             <a:lvl8pPr lvl="7" algn="l">
+              <a:lnSpc>
+                <a:spcPct val="100000"/>
+              </a:lnSpc>
               <a:spcBef>
                 <a:spcPts val="0"/>
               </a:spcBef>
@@ -2607,6 +3169,9 @@
               <a:defRPr/>
             </a:lvl8pPr>
             <a:lvl9pPr lvl="8" algn="l">
+              <a:lnSpc>
+                <a:spcPct val="100000"/>
+              </a:lnSpc>
               <a:spcBef>
                 <a:spcPts val="0"/>
               </a:spcBef>
@@ -2647,68 +3212,239 @@
             <a:noAutofit/>
           </a:bodyPr>
           <a:lstStyle>
-            <a:lvl1pPr indent="0" lvl="0" marL="0" algn="r">
-              <a:spcBef>
-                <a:spcPts val="0"/>
-              </a:spcBef>
-              <a:buNone/>
-              <a:defRPr/>
+            <a:lvl1pPr indent="0" lvl="0" marL="0" marR="0" algn="r">
+              <a:lnSpc>
+                <a:spcPct val="100000"/>
+              </a:lnSpc>
+              <a:spcBef>
+                <a:spcPts val="0"/>
+              </a:spcBef>
+              <a:spcAft>
+                <a:spcPts val="0"/>
+              </a:spcAft>
+              <a:buClr>
+                <a:srgbClr val="000000"/>
+              </a:buClr>
+              <a:buSzPts val="1200"/>
+              <a:buFont typeface="Arial"/>
+              <a:buNone/>
+              <a:defRPr b="0" i="0" sz="1200" u="none" cap="none" strike="noStrike">
+                <a:solidFill>
+                  <a:srgbClr val="888888"/>
+                </a:solidFill>
+                <a:latin typeface="Calibri"/>
+                <a:ea typeface="Calibri"/>
+                <a:cs typeface="Calibri"/>
+                <a:sym typeface="Calibri"/>
+              </a:defRPr>
             </a:lvl1pPr>
-            <a:lvl2pPr indent="0" lvl="1" marL="0" algn="r">
-              <a:spcBef>
-                <a:spcPts val="0"/>
-              </a:spcBef>
-              <a:buNone/>
-              <a:defRPr/>
+            <a:lvl2pPr indent="0" lvl="1" marL="0" marR="0" algn="r">
+              <a:lnSpc>
+                <a:spcPct val="100000"/>
+              </a:lnSpc>
+              <a:spcBef>
+                <a:spcPts val="0"/>
+              </a:spcBef>
+              <a:spcAft>
+                <a:spcPts val="0"/>
+              </a:spcAft>
+              <a:buClr>
+                <a:srgbClr val="000000"/>
+              </a:buClr>
+              <a:buSzPts val="1200"/>
+              <a:buFont typeface="Arial"/>
+              <a:buNone/>
+              <a:defRPr b="0" i="0" sz="1200" u="none" cap="none" strike="noStrike">
+                <a:solidFill>
+                  <a:srgbClr val="888888"/>
+                </a:solidFill>
+                <a:latin typeface="Calibri"/>
+                <a:ea typeface="Calibri"/>
+                <a:cs typeface="Calibri"/>
+                <a:sym typeface="Calibri"/>
+              </a:defRPr>
             </a:lvl2pPr>
-            <a:lvl3pPr indent="0" lvl="2" marL="0" algn="r">
-              <a:spcBef>
-                <a:spcPts val="0"/>
-              </a:spcBef>
-              <a:buNone/>
-              <a:defRPr/>
+            <a:lvl3pPr indent="0" lvl="2" marL="0" marR="0" algn="r">
+              <a:lnSpc>
+                <a:spcPct val="100000"/>
+              </a:lnSpc>
+              <a:spcBef>
+                <a:spcPts val="0"/>
+              </a:spcBef>
+              <a:spcAft>
+                <a:spcPts val="0"/>
+              </a:spcAft>
+              <a:buClr>
+                <a:srgbClr val="000000"/>
+              </a:buClr>
+              <a:buSzPts val="1200"/>
+              <a:buFont typeface="Arial"/>
+              <a:buNone/>
+              <a:defRPr b="0" i="0" sz="1200" u="none" cap="none" strike="noStrike">
+                <a:solidFill>
+                  <a:srgbClr val="888888"/>
+                </a:solidFill>
+                <a:latin typeface="Calibri"/>
+                <a:ea typeface="Calibri"/>
+                <a:cs typeface="Calibri"/>
+                <a:sym typeface="Calibri"/>
+              </a:defRPr>
             </a:lvl3pPr>
-            <a:lvl4pPr indent="0" lvl="3" marL="0" algn="r">
-              <a:spcBef>
-                <a:spcPts val="0"/>
-              </a:spcBef>
-              <a:buNone/>
-              <a:defRPr/>
+            <a:lvl4pPr indent="0" lvl="3" marL="0" marR="0" algn="r">
+              <a:lnSpc>
+                <a:spcPct val="100000"/>
+              </a:lnSpc>
+              <a:spcBef>
+                <a:spcPts val="0"/>
+              </a:spcBef>
+              <a:spcAft>
+                <a:spcPts val="0"/>
+              </a:spcAft>
+              <a:buClr>
+                <a:srgbClr val="000000"/>
+              </a:buClr>
+              <a:buSzPts val="1200"/>
+              <a:buFont typeface="Arial"/>
+              <a:buNone/>
+              <a:defRPr b="0" i="0" sz="1200" u="none" cap="none" strike="noStrike">
+                <a:solidFill>
+                  <a:srgbClr val="888888"/>
+                </a:solidFill>
+                <a:latin typeface="Calibri"/>
+                <a:ea typeface="Calibri"/>
+                <a:cs typeface="Calibri"/>
+                <a:sym typeface="Calibri"/>
+              </a:defRPr>
             </a:lvl4pPr>
-            <a:lvl5pPr indent="0" lvl="4" marL="0" algn="r">
-              <a:spcBef>
-                <a:spcPts val="0"/>
-              </a:spcBef>
-              <a:buNone/>
-              <a:defRPr/>
+            <a:lvl5pPr indent="0" lvl="4" marL="0" marR="0" algn="r">
+              <a:lnSpc>
+                <a:spcPct val="100000"/>
+              </a:lnSpc>
+              <a:spcBef>
+                <a:spcPts val="0"/>
+              </a:spcBef>
+              <a:spcAft>
+                <a:spcPts val="0"/>
+              </a:spcAft>
+              <a:buClr>
+                <a:srgbClr val="000000"/>
+              </a:buClr>
+              <a:buSzPts val="1200"/>
+              <a:buFont typeface="Arial"/>
+              <a:buNone/>
+              <a:defRPr b="0" i="0" sz="1200" u="none" cap="none" strike="noStrike">
+                <a:solidFill>
+                  <a:srgbClr val="888888"/>
+                </a:solidFill>
+                <a:latin typeface="Calibri"/>
+                <a:ea typeface="Calibri"/>
+                <a:cs typeface="Calibri"/>
+                <a:sym typeface="Calibri"/>
+              </a:defRPr>
             </a:lvl5pPr>
-            <a:lvl6pPr indent="0" lvl="5" marL="0" algn="r">
-              <a:spcBef>
-                <a:spcPts val="0"/>
-              </a:spcBef>
-              <a:buNone/>
-              <a:defRPr/>
+            <a:lvl6pPr indent="0" lvl="5" marL="0" marR="0" algn="r">
+              <a:lnSpc>
+                <a:spcPct val="100000"/>
+              </a:lnSpc>
+              <a:spcBef>
+                <a:spcPts val="0"/>
+              </a:spcBef>
+              <a:spcAft>
+                <a:spcPts val="0"/>
+              </a:spcAft>
+              <a:buClr>
+                <a:srgbClr val="000000"/>
+              </a:buClr>
+              <a:buSzPts val="1200"/>
+              <a:buFont typeface="Arial"/>
+              <a:buNone/>
+              <a:defRPr b="0" i="0" sz="1200" u="none" cap="none" strike="noStrike">
+                <a:solidFill>
+                  <a:srgbClr val="888888"/>
+                </a:solidFill>
+                <a:latin typeface="Calibri"/>
+                <a:ea typeface="Calibri"/>
+                <a:cs typeface="Calibri"/>
+                <a:sym typeface="Calibri"/>
+              </a:defRPr>
             </a:lvl6pPr>
-            <a:lvl7pPr indent="0" lvl="6" marL="0" algn="r">
-              <a:spcBef>
-                <a:spcPts val="0"/>
-              </a:spcBef>
-              <a:buNone/>
-              <a:defRPr/>
+            <a:lvl7pPr indent="0" lvl="6" marL="0" marR="0" algn="r">
+              <a:lnSpc>
+                <a:spcPct val="100000"/>
+              </a:lnSpc>
+              <a:spcBef>
+                <a:spcPts val="0"/>
+              </a:spcBef>
+              <a:spcAft>
+                <a:spcPts val="0"/>
+              </a:spcAft>
+              <a:buClr>
+                <a:srgbClr val="000000"/>
+              </a:buClr>
+              <a:buSzPts val="1200"/>
+              <a:buFont typeface="Arial"/>
+              <a:buNone/>
+              <a:defRPr b="0" i="0" sz="1200" u="none" cap="none" strike="noStrike">
+                <a:solidFill>
+                  <a:srgbClr val="888888"/>
+                </a:solidFill>
+                <a:latin typeface="Calibri"/>
+                <a:ea typeface="Calibri"/>
+                <a:cs typeface="Calibri"/>
+                <a:sym typeface="Calibri"/>
+              </a:defRPr>
             </a:lvl7pPr>
-            <a:lvl8pPr indent="0" lvl="7" marL="0" algn="r">
-              <a:spcBef>
-                <a:spcPts val="0"/>
-              </a:spcBef>
-              <a:buNone/>
-              <a:defRPr/>
+            <a:lvl8pPr indent="0" lvl="7" marL="0" marR="0" algn="r">
+              <a:lnSpc>
+                <a:spcPct val="100000"/>
+              </a:lnSpc>
+              <a:spcBef>
+                <a:spcPts val="0"/>
+              </a:spcBef>
+              <a:spcAft>
+                <a:spcPts val="0"/>
+              </a:spcAft>
+              <a:buClr>
+                <a:srgbClr val="000000"/>
+              </a:buClr>
+              <a:buSzPts val="1200"/>
+              <a:buFont typeface="Arial"/>
+              <a:buNone/>
+              <a:defRPr b="0" i="0" sz="1200" u="none" cap="none" strike="noStrike">
+                <a:solidFill>
+                  <a:srgbClr val="888888"/>
+                </a:solidFill>
+                <a:latin typeface="Calibri"/>
+                <a:ea typeface="Calibri"/>
+                <a:cs typeface="Calibri"/>
+                <a:sym typeface="Calibri"/>
+              </a:defRPr>
             </a:lvl8pPr>
-            <a:lvl9pPr indent="0" lvl="8" marL="0" algn="r">
-              <a:spcBef>
-                <a:spcPts val="0"/>
-              </a:spcBef>
-              <a:buNone/>
-              <a:defRPr/>
+            <a:lvl9pPr indent="0" lvl="8" marL="0" marR="0" algn="r">
+              <a:lnSpc>
+                <a:spcPct val="100000"/>
+              </a:lnSpc>
+              <a:spcBef>
+                <a:spcPts val="0"/>
+              </a:spcBef>
+              <a:spcAft>
+                <a:spcPts val="0"/>
+              </a:spcAft>
+              <a:buClr>
+                <a:srgbClr val="000000"/>
+              </a:buClr>
+              <a:buSzPts val="1200"/>
+              <a:buFont typeface="Arial"/>
+              <a:buNone/>
+              <a:defRPr b="0" i="0" sz="1200" u="none" cap="none" strike="noStrike">
+                <a:solidFill>
+                  <a:srgbClr val="888888"/>
+                </a:solidFill>
+                <a:latin typeface="Calibri"/>
+                <a:ea typeface="Calibri"/>
+                <a:cs typeface="Calibri"/>
+                <a:sym typeface="Calibri"/>
+              </a:defRPr>
             </a:lvl9pPr>
           </a:lstStyle>
           <a:p>
@@ -2781,6 +3517,9 @@
           </a:bodyPr>
           <a:lstStyle>
             <a:lvl1pPr lvl="0" algn="ctr">
+              <a:lnSpc>
+                <a:spcPct val="100000"/>
+              </a:lnSpc>
               <a:spcBef>
                 <a:spcPts val="0"/>
               </a:spcBef>
@@ -2794,7 +3533,10 @@
               <a:buNone/>
               <a:defRPr/>
             </a:lvl1pPr>
-            <a:lvl2pPr lvl="1">
+            <a:lvl2pPr lvl="1" algn="l">
+              <a:lnSpc>
+                <a:spcPct val="100000"/>
+              </a:lnSpc>
               <a:spcBef>
                 <a:spcPts val="0"/>
               </a:spcBef>
@@ -2805,7 +3547,10 @@
               <a:buNone/>
               <a:defRPr/>
             </a:lvl2pPr>
-            <a:lvl3pPr lvl="2">
+            <a:lvl3pPr lvl="2" algn="l">
+              <a:lnSpc>
+                <a:spcPct val="100000"/>
+              </a:lnSpc>
               <a:spcBef>
                 <a:spcPts val="0"/>
               </a:spcBef>
@@ -2816,7 +3561,10 @@
               <a:buNone/>
               <a:defRPr/>
             </a:lvl3pPr>
-            <a:lvl4pPr lvl="3">
+            <a:lvl4pPr lvl="3" algn="l">
+              <a:lnSpc>
+                <a:spcPct val="100000"/>
+              </a:lnSpc>
               <a:spcBef>
                 <a:spcPts val="0"/>
               </a:spcBef>
@@ -2827,7 +3575,10 @@
               <a:buNone/>
               <a:defRPr/>
             </a:lvl4pPr>
-            <a:lvl5pPr lvl="4">
+            <a:lvl5pPr lvl="4" algn="l">
+              <a:lnSpc>
+                <a:spcPct val="100000"/>
+              </a:lnSpc>
               <a:spcBef>
                 <a:spcPts val="0"/>
               </a:spcBef>
@@ -2838,7 +3589,10 @@
               <a:buNone/>
               <a:defRPr/>
             </a:lvl5pPr>
-            <a:lvl6pPr lvl="5">
+            <a:lvl6pPr lvl="5" algn="l">
+              <a:lnSpc>
+                <a:spcPct val="100000"/>
+              </a:lnSpc>
               <a:spcBef>
                 <a:spcPts val="0"/>
               </a:spcBef>
@@ -2849,7 +3603,10 @@
               <a:buNone/>
               <a:defRPr/>
             </a:lvl6pPr>
-            <a:lvl7pPr lvl="6">
+            <a:lvl7pPr lvl="6" algn="l">
+              <a:lnSpc>
+                <a:spcPct val="100000"/>
+              </a:lnSpc>
               <a:spcBef>
                 <a:spcPts val="0"/>
               </a:spcBef>
@@ -2860,7 +3617,10 @@
               <a:buNone/>
               <a:defRPr/>
             </a:lvl7pPr>
-            <a:lvl8pPr lvl="7">
+            <a:lvl8pPr lvl="7" algn="l">
+              <a:lnSpc>
+                <a:spcPct val="100000"/>
+              </a:lnSpc>
               <a:spcBef>
                 <a:spcPts val="0"/>
               </a:spcBef>
@@ -2871,7 +3631,10 @@
               <a:buNone/>
               <a:defRPr/>
             </a:lvl8pPr>
-            <a:lvl9pPr lvl="8">
+            <a:lvl9pPr lvl="8" algn="l">
+              <a:lnSpc>
+                <a:spcPct val="100000"/>
+              </a:lnSpc>
               <a:spcBef>
                 <a:spcPts val="0"/>
               </a:spcBef>
@@ -2913,6 +3676,9 @@
           </a:bodyPr>
           <a:lstStyle>
             <a:lvl1pPr lvl="0" algn="ctr">
+              <a:lnSpc>
+                <a:spcPct val="100000"/>
+              </a:lnSpc>
               <a:spcBef>
                 <a:spcPts val="640"/>
               </a:spcBef>
@@ -2931,6 +3697,9 @@
               </a:defRPr>
             </a:lvl1pPr>
             <a:lvl2pPr lvl="1" algn="ctr">
+              <a:lnSpc>
+                <a:spcPct val="100000"/>
+              </a:lnSpc>
               <a:spcBef>
                 <a:spcPts val="560"/>
               </a:spcBef>
@@ -2949,6 +3718,9 @@
               </a:defRPr>
             </a:lvl2pPr>
             <a:lvl3pPr lvl="2" algn="ctr">
+              <a:lnSpc>
+                <a:spcPct val="100000"/>
+              </a:lnSpc>
               <a:spcBef>
                 <a:spcPts val="480"/>
               </a:spcBef>
@@ -2967,6 +3739,9 @@
               </a:defRPr>
             </a:lvl3pPr>
             <a:lvl4pPr lvl="3" algn="ctr">
+              <a:lnSpc>
+                <a:spcPct val="100000"/>
+              </a:lnSpc>
               <a:spcBef>
                 <a:spcPts val="400"/>
               </a:spcBef>
@@ -2985,6 +3760,9 @@
               </a:defRPr>
             </a:lvl4pPr>
             <a:lvl5pPr lvl="4" algn="ctr">
+              <a:lnSpc>
+                <a:spcPct val="100000"/>
+              </a:lnSpc>
               <a:spcBef>
                 <a:spcPts val="400"/>
               </a:spcBef>
@@ -3003,6 +3781,9 @@
               </a:defRPr>
             </a:lvl5pPr>
             <a:lvl6pPr lvl="5" algn="ctr">
+              <a:lnSpc>
+                <a:spcPct val="100000"/>
+              </a:lnSpc>
               <a:spcBef>
                 <a:spcPts val="400"/>
               </a:spcBef>
@@ -3021,6 +3802,9 @@
               </a:defRPr>
             </a:lvl6pPr>
             <a:lvl7pPr lvl="6" algn="ctr">
+              <a:lnSpc>
+                <a:spcPct val="100000"/>
+              </a:lnSpc>
               <a:spcBef>
                 <a:spcPts val="400"/>
               </a:spcBef>
@@ -3039,6 +3823,9 @@
               </a:defRPr>
             </a:lvl7pPr>
             <a:lvl8pPr lvl="7" algn="ctr">
+              <a:lnSpc>
+                <a:spcPct val="100000"/>
+              </a:lnSpc>
               <a:spcBef>
                 <a:spcPts val="400"/>
               </a:spcBef>
@@ -3057,6 +3844,9 @@
               </a:defRPr>
             </a:lvl8pPr>
             <a:lvl9pPr lvl="8" algn="ctr">
+              <a:lnSpc>
+                <a:spcPct val="100000"/>
+              </a:lnSpc>
               <a:spcBef>
                 <a:spcPts val="400"/>
               </a:spcBef>
@@ -3105,6 +3895,9 @@
           </a:bodyPr>
           <a:lstStyle>
             <a:lvl1pPr lvl="0" algn="l">
+              <a:lnSpc>
+                <a:spcPct val="100000"/>
+              </a:lnSpc>
               <a:spcBef>
                 <a:spcPts val="0"/>
               </a:spcBef>
@@ -3116,6 +3909,9 @@
               <a:defRPr/>
             </a:lvl1pPr>
             <a:lvl2pPr lvl="1" algn="l">
+              <a:lnSpc>
+                <a:spcPct val="100000"/>
+              </a:lnSpc>
               <a:spcBef>
                 <a:spcPts val="0"/>
               </a:spcBef>
@@ -3127,6 +3923,9 @@
               <a:defRPr/>
             </a:lvl2pPr>
             <a:lvl3pPr lvl="2" algn="l">
+              <a:lnSpc>
+                <a:spcPct val="100000"/>
+              </a:lnSpc>
               <a:spcBef>
                 <a:spcPts val="0"/>
               </a:spcBef>
@@ -3138,6 +3937,9 @@
               <a:defRPr/>
             </a:lvl3pPr>
             <a:lvl4pPr lvl="3" algn="l">
+              <a:lnSpc>
+                <a:spcPct val="100000"/>
+              </a:lnSpc>
               <a:spcBef>
                 <a:spcPts val="0"/>
               </a:spcBef>
@@ -3149,6 +3951,9 @@
               <a:defRPr/>
             </a:lvl4pPr>
             <a:lvl5pPr lvl="4" algn="l">
+              <a:lnSpc>
+                <a:spcPct val="100000"/>
+              </a:lnSpc>
               <a:spcBef>
                 <a:spcPts val="0"/>
               </a:spcBef>
@@ -3160,6 +3965,9 @@
               <a:defRPr/>
             </a:lvl5pPr>
             <a:lvl6pPr lvl="5" algn="l">
+              <a:lnSpc>
+                <a:spcPct val="100000"/>
+              </a:lnSpc>
               <a:spcBef>
                 <a:spcPts val="0"/>
               </a:spcBef>
@@ -3171,6 +3979,9 @@
               <a:defRPr/>
             </a:lvl6pPr>
             <a:lvl7pPr lvl="6" algn="l">
+              <a:lnSpc>
+                <a:spcPct val="100000"/>
+              </a:lnSpc>
               <a:spcBef>
                 <a:spcPts val="0"/>
               </a:spcBef>
@@ -3182,6 +3993,9 @@
               <a:defRPr/>
             </a:lvl7pPr>
             <a:lvl8pPr lvl="7" algn="l">
+              <a:lnSpc>
+                <a:spcPct val="100000"/>
+              </a:lnSpc>
               <a:spcBef>
                 <a:spcPts val="0"/>
               </a:spcBef>
@@ -3193,6 +4007,9 @@
               <a:defRPr/>
             </a:lvl8pPr>
             <a:lvl9pPr lvl="8" algn="l">
+              <a:lnSpc>
+                <a:spcPct val="100000"/>
+              </a:lnSpc>
               <a:spcBef>
                 <a:spcPts val="0"/>
               </a:spcBef>
@@ -3234,6 +4051,9 @@
           </a:bodyPr>
           <a:lstStyle>
             <a:lvl1pPr lvl="0" algn="ctr">
+              <a:lnSpc>
+                <a:spcPct val="100000"/>
+              </a:lnSpc>
               <a:spcBef>
                 <a:spcPts val="0"/>
               </a:spcBef>
@@ -3245,6 +4065,9 @@
               <a:defRPr/>
             </a:lvl1pPr>
             <a:lvl2pPr lvl="1" algn="l">
+              <a:lnSpc>
+                <a:spcPct val="100000"/>
+              </a:lnSpc>
               <a:spcBef>
                 <a:spcPts val="0"/>
               </a:spcBef>
@@ -3256,6 +4079,9 @@
               <a:defRPr/>
             </a:lvl2pPr>
             <a:lvl3pPr lvl="2" algn="l">
+              <a:lnSpc>
+                <a:spcPct val="100000"/>
+              </a:lnSpc>
               <a:spcBef>
                 <a:spcPts val="0"/>
               </a:spcBef>
@@ -3267,6 +4093,9 @@
               <a:defRPr/>
             </a:lvl3pPr>
             <a:lvl4pPr lvl="3" algn="l">
+              <a:lnSpc>
+                <a:spcPct val="100000"/>
+              </a:lnSpc>
               <a:spcBef>
                 <a:spcPts val="0"/>
               </a:spcBef>
@@ -3278,6 +4107,9 @@
               <a:defRPr/>
             </a:lvl4pPr>
             <a:lvl5pPr lvl="4" algn="l">
+              <a:lnSpc>
+                <a:spcPct val="100000"/>
+              </a:lnSpc>
               <a:spcBef>
                 <a:spcPts val="0"/>
               </a:spcBef>
@@ -3289,6 +4121,9 @@
               <a:defRPr/>
             </a:lvl5pPr>
             <a:lvl6pPr lvl="5" algn="l">
+              <a:lnSpc>
+                <a:spcPct val="100000"/>
+              </a:lnSpc>
               <a:spcBef>
                 <a:spcPts val="0"/>
               </a:spcBef>
@@ -3300,6 +4135,9 @@
               <a:defRPr/>
             </a:lvl6pPr>
             <a:lvl7pPr lvl="6" algn="l">
+              <a:lnSpc>
+                <a:spcPct val="100000"/>
+              </a:lnSpc>
               <a:spcBef>
                 <a:spcPts val="0"/>
               </a:spcBef>
@@ -3311,6 +4149,9 @@
               <a:defRPr/>
             </a:lvl7pPr>
             <a:lvl8pPr lvl="7" algn="l">
+              <a:lnSpc>
+                <a:spcPct val="100000"/>
+              </a:lnSpc>
               <a:spcBef>
                 <a:spcPts val="0"/>
               </a:spcBef>
@@ -3322,6 +4163,9 @@
               <a:defRPr/>
             </a:lvl8pPr>
             <a:lvl9pPr lvl="8" algn="l">
+              <a:lnSpc>
+                <a:spcPct val="100000"/>
+              </a:lnSpc>
               <a:spcBef>
                 <a:spcPts val="0"/>
               </a:spcBef>
@@ -3362,68 +4206,239 @@
             <a:noAutofit/>
           </a:bodyPr>
           <a:lstStyle>
-            <a:lvl1pPr indent="0" lvl="0" marL="0" algn="r">
-              <a:spcBef>
-                <a:spcPts val="0"/>
-              </a:spcBef>
-              <a:buNone/>
-              <a:defRPr/>
+            <a:lvl1pPr indent="0" lvl="0" marL="0" marR="0" algn="r">
+              <a:lnSpc>
+                <a:spcPct val="100000"/>
+              </a:lnSpc>
+              <a:spcBef>
+                <a:spcPts val="0"/>
+              </a:spcBef>
+              <a:spcAft>
+                <a:spcPts val="0"/>
+              </a:spcAft>
+              <a:buClr>
+                <a:srgbClr val="000000"/>
+              </a:buClr>
+              <a:buSzPts val="1200"/>
+              <a:buFont typeface="Arial"/>
+              <a:buNone/>
+              <a:defRPr b="0" i="0" sz="1200" u="none" cap="none" strike="noStrike">
+                <a:solidFill>
+                  <a:srgbClr val="888888"/>
+                </a:solidFill>
+                <a:latin typeface="Calibri"/>
+                <a:ea typeface="Calibri"/>
+                <a:cs typeface="Calibri"/>
+                <a:sym typeface="Calibri"/>
+              </a:defRPr>
             </a:lvl1pPr>
-            <a:lvl2pPr indent="0" lvl="1" marL="0" algn="r">
-              <a:spcBef>
-                <a:spcPts val="0"/>
-              </a:spcBef>
-              <a:buNone/>
-              <a:defRPr/>
+            <a:lvl2pPr indent="0" lvl="1" marL="0" marR="0" algn="r">
+              <a:lnSpc>
+                <a:spcPct val="100000"/>
+              </a:lnSpc>
+              <a:spcBef>
+                <a:spcPts val="0"/>
+              </a:spcBef>
+              <a:spcAft>
+                <a:spcPts val="0"/>
+              </a:spcAft>
+              <a:buClr>
+                <a:srgbClr val="000000"/>
+              </a:buClr>
+              <a:buSzPts val="1200"/>
+              <a:buFont typeface="Arial"/>
+              <a:buNone/>
+              <a:defRPr b="0" i="0" sz="1200" u="none" cap="none" strike="noStrike">
+                <a:solidFill>
+                  <a:srgbClr val="888888"/>
+                </a:solidFill>
+                <a:latin typeface="Calibri"/>
+                <a:ea typeface="Calibri"/>
+                <a:cs typeface="Calibri"/>
+                <a:sym typeface="Calibri"/>
+              </a:defRPr>
             </a:lvl2pPr>
-            <a:lvl3pPr indent="0" lvl="2" marL="0" algn="r">
-              <a:spcBef>
-                <a:spcPts val="0"/>
-              </a:spcBef>
-              <a:buNone/>
-              <a:defRPr/>
+            <a:lvl3pPr indent="0" lvl="2" marL="0" marR="0" algn="r">
+              <a:lnSpc>
+                <a:spcPct val="100000"/>
+              </a:lnSpc>
+              <a:spcBef>
+                <a:spcPts val="0"/>
+              </a:spcBef>
+              <a:spcAft>
+                <a:spcPts val="0"/>
+              </a:spcAft>
+              <a:buClr>
+                <a:srgbClr val="000000"/>
+              </a:buClr>
+              <a:buSzPts val="1200"/>
+              <a:buFont typeface="Arial"/>
+              <a:buNone/>
+              <a:defRPr b="0" i="0" sz="1200" u="none" cap="none" strike="noStrike">
+                <a:solidFill>
+                  <a:srgbClr val="888888"/>
+                </a:solidFill>
+                <a:latin typeface="Calibri"/>
+                <a:ea typeface="Calibri"/>
+                <a:cs typeface="Calibri"/>
+                <a:sym typeface="Calibri"/>
+              </a:defRPr>
             </a:lvl3pPr>
-            <a:lvl4pPr indent="0" lvl="3" marL="0" algn="r">
-              <a:spcBef>
-                <a:spcPts val="0"/>
-              </a:spcBef>
-              <a:buNone/>
-              <a:defRPr/>
+            <a:lvl4pPr indent="0" lvl="3" marL="0" marR="0" algn="r">
+              <a:lnSpc>
+                <a:spcPct val="100000"/>
+              </a:lnSpc>
+              <a:spcBef>
+                <a:spcPts val="0"/>
+              </a:spcBef>
+              <a:spcAft>
+                <a:spcPts val="0"/>
+              </a:spcAft>
+              <a:buClr>
+                <a:srgbClr val="000000"/>
+              </a:buClr>
+              <a:buSzPts val="1200"/>
+              <a:buFont typeface="Arial"/>
+              <a:buNone/>
+              <a:defRPr b="0" i="0" sz="1200" u="none" cap="none" strike="noStrike">
+                <a:solidFill>
+                  <a:srgbClr val="888888"/>
+                </a:solidFill>
+                <a:latin typeface="Calibri"/>
+                <a:ea typeface="Calibri"/>
+                <a:cs typeface="Calibri"/>
+                <a:sym typeface="Calibri"/>
+              </a:defRPr>
             </a:lvl4pPr>
-            <a:lvl5pPr indent="0" lvl="4" marL="0" algn="r">
-              <a:spcBef>
-                <a:spcPts val="0"/>
-              </a:spcBef>
-              <a:buNone/>
-              <a:defRPr/>
+            <a:lvl5pPr indent="0" lvl="4" marL="0" marR="0" algn="r">
+              <a:lnSpc>
+                <a:spcPct val="100000"/>
+              </a:lnSpc>
+              <a:spcBef>
+                <a:spcPts val="0"/>
+              </a:spcBef>
+              <a:spcAft>
+                <a:spcPts val="0"/>
+              </a:spcAft>
+              <a:buClr>
+                <a:srgbClr val="000000"/>
+              </a:buClr>
+              <a:buSzPts val="1200"/>
+              <a:buFont typeface="Arial"/>
+              <a:buNone/>
+              <a:defRPr b="0" i="0" sz="1200" u="none" cap="none" strike="noStrike">
+                <a:solidFill>
+                  <a:srgbClr val="888888"/>
+                </a:solidFill>
+                <a:latin typeface="Calibri"/>
+                <a:ea typeface="Calibri"/>
+                <a:cs typeface="Calibri"/>
+                <a:sym typeface="Calibri"/>
+              </a:defRPr>
             </a:lvl5pPr>
-            <a:lvl6pPr indent="0" lvl="5" marL="0" algn="r">
-              <a:spcBef>
-                <a:spcPts val="0"/>
-              </a:spcBef>
-              <a:buNone/>
-              <a:defRPr/>
+            <a:lvl6pPr indent="0" lvl="5" marL="0" marR="0" algn="r">
+              <a:lnSpc>
+                <a:spcPct val="100000"/>
+              </a:lnSpc>
+              <a:spcBef>
+                <a:spcPts val="0"/>
+              </a:spcBef>
+              <a:spcAft>
+                <a:spcPts val="0"/>
+              </a:spcAft>
+              <a:buClr>
+                <a:srgbClr val="000000"/>
+              </a:buClr>
+              <a:buSzPts val="1200"/>
+              <a:buFont typeface="Arial"/>
+              <a:buNone/>
+              <a:defRPr b="0" i="0" sz="1200" u="none" cap="none" strike="noStrike">
+                <a:solidFill>
+                  <a:srgbClr val="888888"/>
+                </a:solidFill>
+                <a:latin typeface="Calibri"/>
+                <a:ea typeface="Calibri"/>
+                <a:cs typeface="Calibri"/>
+                <a:sym typeface="Calibri"/>
+              </a:defRPr>
             </a:lvl6pPr>
-            <a:lvl7pPr indent="0" lvl="6" marL="0" algn="r">
-              <a:spcBef>
-                <a:spcPts val="0"/>
-              </a:spcBef>
-              <a:buNone/>
-              <a:defRPr/>
+            <a:lvl7pPr indent="0" lvl="6" marL="0" marR="0" algn="r">
+              <a:lnSpc>
+                <a:spcPct val="100000"/>
+              </a:lnSpc>
+              <a:spcBef>
+                <a:spcPts val="0"/>
+              </a:spcBef>
+              <a:spcAft>
+                <a:spcPts val="0"/>
+              </a:spcAft>
+              <a:buClr>
+                <a:srgbClr val="000000"/>
+              </a:buClr>
+              <a:buSzPts val="1200"/>
+              <a:buFont typeface="Arial"/>
+              <a:buNone/>
+              <a:defRPr b="0" i="0" sz="1200" u="none" cap="none" strike="noStrike">
+                <a:solidFill>
+                  <a:srgbClr val="888888"/>
+                </a:solidFill>
+                <a:latin typeface="Calibri"/>
+                <a:ea typeface="Calibri"/>
+                <a:cs typeface="Calibri"/>
+                <a:sym typeface="Calibri"/>
+              </a:defRPr>
             </a:lvl7pPr>
-            <a:lvl8pPr indent="0" lvl="7" marL="0" algn="r">
-              <a:spcBef>
-                <a:spcPts val="0"/>
-              </a:spcBef>
-              <a:buNone/>
-              <a:defRPr/>
+            <a:lvl8pPr indent="0" lvl="7" marL="0" marR="0" algn="r">
+              <a:lnSpc>
+                <a:spcPct val="100000"/>
+              </a:lnSpc>
+              <a:spcBef>
+                <a:spcPts val="0"/>
+              </a:spcBef>
+              <a:spcAft>
+                <a:spcPts val="0"/>
+              </a:spcAft>
+              <a:buClr>
+                <a:srgbClr val="000000"/>
+              </a:buClr>
+              <a:buSzPts val="1200"/>
+              <a:buFont typeface="Arial"/>
+              <a:buNone/>
+              <a:defRPr b="0" i="0" sz="1200" u="none" cap="none" strike="noStrike">
+                <a:solidFill>
+                  <a:srgbClr val="888888"/>
+                </a:solidFill>
+                <a:latin typeface="Calibri"/>
+                <a:ea typeface="Calibri"/>
+                <a:cs typeface="Calibri"/>
+                <a:sym typeface="Calibri"/>
+              </a:defRPr>
             </a:lvl8pPr>
-            <a:lvl9pPr indent="0" lvl="8" marL="0" algn="r">
-              <a:spcBef>
-                <a:spcPts val="0"/>
-              </a:spcBef>
-              <a:buNone/>
-              <a:defRPr/>
+            <a:lvl9pPr indent="0" lvl="8" marL="0" marR="0" algn="r">
+              <a:lnSpc>
+                <a:spcPct val="100000"/>
+              </a:lnSpc>
+              <a:spcBef>
+                <a:spcPts val="0"/>
+              </a:spcBef>
+              <a:spcAft>
+                <a:spcPts val="0"/>
+              </a:spcAft>
+              <a:buClr>
+                <a:srgbClr val="000000"/>
+              </a:buClr>
+              <a:buSzPts val="1200"/>
+              <a:buFont typeface="Arial"/>
+              <a:buNone/>
+              <a:defRPr b="0" i="0" sz="1200" u="none" cap="none" strike="noStrike">
+                <a:solidFill>
+                  <a:srgbClr val="888888"/>
+                </a:solidFill>
+                <a:latin typeface="Calibri"/>
+                <a:ea typeface="Calibri"/>
+                <a:cs typeface="Calibri"/>
+                <a:sym typeface="Calibri"/>
+              </a:defRPr>
             </a:lvl9pPr>
           </a:lstStyle>
           <a:p>
@@ -3496,6 +4511,9 @@
           </a:bodyPr>
           <a:lstStyle>
             <a:lvl1pPr lvl="0" algn="ctr">
+              <a:lnSpc>
+                <a:spcPct val="100000"/>
+              </a:lnSpc>
               <a:spcBef>
                 <a:spcPts val="0"/>
               </a:spcBef>
@@ -3509,7 +4527,10 @@
               <a:buNone/>
               <a:defRPr/>
             </a:lvl1pPr>
-            <a:lvl2pPr lvl="1">
+            <a:lvl2pPr lvl="1" algn="l">
+              <a:lnSpc>
+                <a:spcPct val="100000"/>
+              </a:lnSpc>
               <a:spcBef>
                 <a:spcPts val="0"/>
               </a:spcBef>
@@ -3520,7 +4541,10 @@
               <a:buNone/>
               <a:defRPr/>
             </a:lvl2pPr>
-            <a:lvl3pPr lvl="2">
+            <a:lvl3pPr lvl="2" algn="l">
+              <a:lnSpc>
+                <a:spcPct val="100000"/>
+              </a:lnSpc>
               <a:spcBef>
                 <a:spcPts val="0"/>
               </a:spcBef>
@@ -3531,7 +4555,10 @@
               <a:buNone/>
               <a:defRPr/>
             </a:lvl3pPr>
-            <a:lvl4pPr lvl="3">
+            <a:lvl4pPr lvl="3" algn="l">
+              <a:lnSpc>
+                <a:spcPct val="100000"/>
+              </a:lnSpc>
               <a:spcBef>
                 <a:spcPts val="0"/>
               </a:spcBef>
@@ -3542,7 +4569,10 @@
               <a:buNone/>
               <a:defRPr/>
             </a:lvl4pPr>
-            <a:lvl5pPr lvl="4">
+            <a:lvl5pPr lvl="4" algn="l">
+              <a:lnSpc>
+                <a:spcPct val="100000"/>
+              </a:lnSpc>
               <a:spcBef>
                 <a:spcPts val="0"/>
               </a:spcBef>
@@ -3553,7 +4583,10 @@
               <a:buNone/>
               <a:defRPr/>
             </a:lvl5pPr>
-            <a:lvl6pPr lvl="5">
+            <a:lvl6pPr lvl="5" algn="l">
+              <a:lnSpc>
+                <a:spcPct val="100000"/>
+              </a:lnSpc>
               <a:spcBef>
                 <a:spcPts val="0"/>
               </a:spcBef>
@@ -3564,7 +4597,10 @@
               <a:buNone/>
               <a:defRPr/>
             </a:lvl6pPr>
-            <a:lvl7pPr lvl="6">
+            <a:lvl7pPr lvl="6" algn="l">
+              <a:lnSpc>
+                <a:spcPct val="100000"/>
+              </a:lnSpc>
               <a:spcBef>
                 <a:spcPts val="0"/>
               </a:spcBef>
@@ -3575,7 +4611,10 @@
               <a:buNone/>
               <a:defRPr/>
             </a:lvl7pPr>
-            <a:lvl8pPr lvl="7">
+            <a:lvl8pPr lvl="7" algn="l">
+              <a:lnSpc>
+                <a:spcPct val="100000"/>
+              </a:lnSpc>
               <a:spcBef>
                 <a:spcPts val="0"/>
               </a:spcBef>
@@ -3586,7 +4625,10 @@
               <a:buNone/>
               <a:defRPr/>
             </a:lvl8pPr>
-            <a:lvl9pPr lvl="8">
+            <a:lvl9pPr lvl="8" algn="l">
+              <a:lnSpc>
+                <a:spcPct val="100000"/>
+              </a:lnSpc>
               <a:spcBef>
                 <a:spcPts val="0"/>
               </a:spcBef>
@@ -3628,6 +4670,9 @@
           </a:bodyPr>
           <a:lstStyle>
             <a:lvl1pPr indent="-342900" lvl="0" marL="457200" algn="l">
+              <a:lnSpc>
+                <a:spcPct val="100000"/>
+              </a:lnSpc>
               <a:spcBef>
                 <a:spcPts val="360"/>
               </a:spcBef>
@@ -3642,6 +4687,9 @@
               <a:defRPr/>
             </a:lvl1pPr>
             <a:lvl2pPr indent="-342900" lvl="1" marL="914400" algn="l">
+              <a:lnSpc>
+                <a:spcPct val="100000"/>
+              </a:lnSpc>
               <a:spcBef>
                 <a:spcPts val="360"/>
               </a:spcBef>
@@ -3656,6 +4704,9 @@
               <a:defRPr/>
             </a:lvl2pPr>
             <a:lvl3pPr indent="-342900" lvl="2" marL="1371600" algn="l">
+              <a:lnSpc>
+                <a:spcPct val="100000"/>
+              </a:lnSpc>
               <a:spcBef>
                 <a:spcPts val="360"/>
               </a:spcBef>
@@ -3670,6 +4721,9 @@
               <a:defRPr/>
             </a:lvl3pPr>
             <a:lvl4pPr indent="-342900" lvl="3" marL="1828800" algn="l">
+              <a:lnSpc>
+                <a:spcPct val="100000"/>
+              </a:lnSpc>
               <a:spcBef>
                 <a:spcPts val="360"/>
               </a:spcBef>
@@ -3684,6 +4738,9 @@
               <a:defRPr/>
             </a:lvl4pPr>
             <a:lvl5pPr indent="-342900" lvl="4" marL="2286000" algn="l">
+              <a:lnSpc>
+                <a:spcPct val="100000"/>
+              </a:lnSpc>
               <a:spcBef>
                 <a:spcPts val="360"/>
               </a:spcBef>
@@ -3698,6 +4755,9 @@
               <a:defRPr/>
             </a:lvl5pPr>
             <a:lvl6pPr indent="-342900" lvl="5" marL="2743200" algn="l">
+              <a:lnSpc>
+                <a:spcPct val="100000"/>
+              </a:lnSpc>
               <a:spcBef>
                 <a:spcPts val="360"/>
               </a:spcBef>
@@ -3712,6 +4772,9 @@
               <a:defRPr/>
             </a:lvl6pPr>
             <a:lvl7pPr indent="-342900" lvl="6" marL="3200400" algn="l">
+              <a:lnSpc>
+                <a:spcPct val="100000"/>
+              </a:lnSpc>
               <a:spcBef>
                 <a:spcPts val="360"/>
               </a:spcBef>
@@ -3726,6 +4789,9 @@
               <a:defRPr/>
             </a:lvl7pPr>
             <a:lvl8pPr indent="-342900" lvl="7" marL="3657600" algn="l">
+              <a:lnSpc>
+                <a:spcPct val="100000"/>
+              </a:lnSpc>
               <a:spcBef>
                 <a:spcPts val="360"/>
               </a:spcBef>
@@ -3740,6 +4806,9 @@
               <a:defRPr/>
             </a:lvl8pPr>
             <a:lvl9pPr indent="-342900" lvl="8" marL="4114800" algn="l">
+              <a:lnSpc>
+                <a:spcPct val="100000"/>
+              </a:lnSpc>
               <a:spcBef>
                 <a:spcPts val="360"/>
               </a:spcBef>
@@ -3784,6 +4853,9 @@
           </a:bodyPr>
           <a:lstStyle>
             <a:lvl1pPr lvl="0" algn="l">
+              <a:lnSpc>
+                <a:spcPct val="100000"/>
+              </a:lnSpc>
               <a:spcBef>
                 <a:spcPts val="0"/>
               </a:spcBef>
@@ -3795,6 +4867,9 @@
               <a:defRPr/>
             </a:lvl1pPr>
             <a:lvl2pPr lvl="1" algn="l">
+              <a:lnSpc>
+                <a:spcPct val="100000"/>
+              </a:lnSpc>
               <a:spcBef>
                 <a:spcPts val="0"/>
               </a:spcBef>
@@ -3806,6 +4881,9 @@
               <a:defRPr/>
             </a:lvl2pPr>
             <a:lvl3pPr lvl="2" algn="l">
+              <a:lnSpc>
+                <a:spcPct val="100000"/>
+              </a:lnSpc>
               <a:spcBef>
                 <a:spcPts val="0"/>
               </a:spcBef>
@@ -3817,6 +4895,9 @@
               <a:defRPr/>
             </a:lvl3pPr>
             <a:lvl4pPr lvl="3" algn="l">
+              <a:lnSpc>
+                <a:spcPct val="100000"/>
+              </a:lnSpc>
               <a:spcBef>
                 <a:spcPts val="0"/>
               </a:spcBef>
@@ -3828,6 +4909,9 @@
               <a:defRPr/>
             </a:lvl4pPr>
             <a:lvl5pPr lvl="4" algn="l">
+              <a:lnSpc>
+                <a:spcPct val="100000"/>
+              </a:lnSpc>
               <a:spcBef>
                 <a:spcPts val="0"/>
               </a:spcBef>
@@ -3839,6 +4923,9 @@
               <a:defRPr/>
             </a:lvl5pPr>
             <a:lvl6pPr lvl="5" algn="l">
+              <a:lnSpc>
+                <a:spcPct val="100000"/>
+              </a:lnSpc>
               <a:spcBef>
                 <a:spcPts val="0"/>
               </a:spcBef>
@@ -3850,6 +4937,9 @@
               <a:defRPr/>
             </a:lvl6pPr>
             <a:lvl7pPr lvl="6" algn="l">
+              <a:lnSpc>
+                <a:spcPct val="100000"/>
+              </a:lnSpc>
               <a:spcBef>
                 <a:spcPts val="0"/>
               </a:spcBef>
@@ -3861,6 +4951,9 @@
               <a:defRPr/>
             </a:lvl7pPr>
             <a:lvl8pPr lvl="7" algn="l">
+              <a:lnSpc>
+                <a:spcPct val="100000"/>
+              </a:lnSpc>
               <a:spcBef>
                 <a:spcPts val="0"/>
               </a:spcBef>
@@ -3872,6 +4965,9 @@
               <a:defRPr/>
             </a:lvl8pPr>
             <a:lvl9pPr lvl="8" algn="l">
+              <a:lnSpc>
+                <a:spcPct val="100000"/>
+              </a:lnSpc>
               <a:spcBef>
                 <a:spcPts val="0"/>
               </a:spcBef>
@@ -3913,6 +5009,9 @@
           </a:bodyPr>
           <a:lstStyle>
             <a:lvl1pPr lvl="0" algn="ctr">
+              <a:lnSpc>
+                <a:spcPct val="100000"/>
+              </a:lnSpc>
               <a:spcBef>
                 <a:spcPts val="0"/>
               </a:spcBef>
@@ -3924,6 +5023,9 @@
               <a:defRPr/>
             </a:lvl1pPr>
             <a:lvl2pPr lvl="1" algn="l">
+              <a:lnSpc>
+                <a:spcPct val="100000"/>
+              </a:lnSpc>
               <a:spcBef>
                 <a:spcPts val="0"/>
               </a:spcBef>
@@ -3935,6 +5037,9 @@
               <a:defRPr/>
             </a:lvl2pPr>
             <a:lvl3pPr lvl="2" algn="l">
+              <a:lnSpc>
+                <a:spcPct val="100000"/>
+              </a:lnSpc>
               <a:spcBef>
                 <a:spcPts val="0"/>
               </a:spcBef>
@@ -3946,6 +5051,9 @@
               <a:defRPr/>
             </a:lvl3pPr>
             <a:lvl4pPr lvl="3" algn="l">
+              <a:lnSpc>
+                <a:spcPct val="100000"/>
+              </a:lnSpc>
               <a:spcBef>
                 <a:spcPts val="0"/>
               </a:spcBef>
@@ -3957,6 +5065,9 @@
               <a:defRPr/>
             </a:lvl4pPr>
             <a:lvl5pPr lvl="4" algn="l">
+              <a:lnSpc>
+                <a:spcPct val="100000"/>
+              </a:lnSpc>
               <a:spcBef>
                 <a:spcPts val="0"/>
               </a:spcBef>
@@ -3968,6 +5079,9 @@
               <a:defRPr/>
             </a:lvl5pPr>
             <a:lvl6pPr lvl="5" algn="l">
+              <a:lnSpc>
+                <a:spcPct val="100000"/>
+              </a:lnSpc>
               <a:spcBef>
                 <a:spcPts val="0"/>
               </a:spcBef>
@@ -3979,6 +5093,9 @@
               <a:defRPr/>
             </a:lvl6pPr>
             <a:lvl7pPr lvl="6" algn="l">
+              <a:lnSpc>
+                <a:spcPct val="100000"/>
+              </a:lnSpc>
               <a:spcBef>
                 <a:spcPts val="0"/>
               </a:spcBef>
@@ -3990,6 +5107,9 @@
               <a:defRPr/>
             </a:lvl7pPr>
             <a:lvl8pPr lvl="7" algn="l">
+              <a:lnSpc>
+                <a:spcPct val="100000"/>
+              </a:lnSpc>
               <a:spcBef>
                 <a:spcPts val="0"/>
               </a:spcBef>
@@ -4001,6 +5121,9 @@
               <a:defRPr/>
             </a:lvl8pPr>
             <a:lvl9pPr lvl="8" algn="l">
+              <a:lnSpc>
+                <a:spcPct val="100000"/>
+              </a:lnSpc>
               <a:spcBef>
                 <a:spcPts val="0"/>
               </a:spcBef>
@@ -4041,68 +5164,239 @@
             <a:noAutofit/>
           </a:bodyPr>
           <a:lstStyle>
-            <a:lvl1pPr indent="0" lvl="0" marL="0" algn="r">
-              <a:spcBef>
-                <a:spcPts val="0"/>
-              </a:spcBef>
-              <a:buNone/>
-              <a:defRPr/>
+            <a:lvl1pPr indent="0" lvl="0" marL="0" marR="0" algn="r">
+              <a:lnSpc>
+                <a:spcPct val="100000"/>
+              </a:lnSpc>
+              <a:spcBef>
+                <a:spcPts val="0"/>
+              </a:spcBef>
+              <a:spcAft>
+                <a:spcPts val="0"/>
+              </a:spcAft>
+              <a:buClr>
+                <a:srgbClr val="000000"/>
+              </a:buClr>
+              <a:buSzPts val="1200"/>
+              <a:buFont typeface="Arial"/>
+              <a:buNone/>
+              <a:defRPr b="0" i="0" sz="1200" u="none" cap="none" strike="noStrike">
+                <a:solidFill>
+                  <a:srgbClr val="888888"/>
+                </a:solidFill>
+                <a:latin typeface="Calibri"/>
+                <a:ea typeface="Calibri"/>
+                <a:cs typeface="Calibri"/>
+                <a:sym typeface="Calibri"/>
+              </a:defRPr>
             </a:lvl1pPr>
-            <a:lvl2pPr indent="0" lvl="1" marL="0" algn="r">
-              <a:spcBef>
-                <a:spcPts val="0"/>
-              </a:spcBef>
-              <a:buNone/>
-              <a:defRPr/>
+            <a:lvl2pPr indent="0" lvl="1" marL="0" marR="0" algn="r">
+              <a:lnSpc>
+                <a:spcPct val="100000"/>
+              </a:lnSpc>
+              <a:spcBef>
+                <a:spcPts val="0"/>
+              </a:spcBef>
+              <a:spcAft>
+                <a:spcPts val="0"/>
+              </a:spcAft>
+              <a:buClr>
+                <a:srgbClr val="000000"/>
+              </a:buClr>
+              <a:buSzPts val="1200"/>
+              <a:buFont typeface="Arial"/>
+              <a:buNone/>
+              <a:defRPr b="0" i="0" sz="1200" u="none" cap="none" strike="noStrike">
+                <a:solidFill>
+                  <a:srgbClr val="888888"/>
+                </a:solidFill>
+                <a:latin typeface="Calibri"/>
+                <a:ea typeface="Calibri"/>
+                <a:cs typeface="Calibri"/>
+                <a:sym typeface="Calibri"/>
+              </a:defRPr>
             </a:lvl2pPr>
-            <a:lvl3pPr indent="0" lvl="2" marL="0" algn="r">
-              <a:spcBef>
-                <a:spcPts val="0"/>
-              </a:spcBef>
-              <a:buNone/>
-              <a:defRPr/>
+            <a:lvl3pPr indent="0" lvl="2" marL="0" marR="0" algn="r">
+              <a:lnSpc>
+                <a:spcPct val="100000"/>
+              </a:lnSpc>
+              <a:spcBef>
+                <a:spcPts val="0"/>
+              </a:spcBef>
+              <a:spcAft>
+                <a:spcPts val="0"/>
+              </a:spcAft>
+              <a:buClr>
+                <a:srgbClr val="000000"/>
+              </a:buClr>
+              <a:buSzPts val="1200"/>
+              <a:buFont typeface="Arial"/>
+              <a:buNone/>
+              <a:defRPr b="0" i="0" sz="1200" u="none" cap="none" strike="noStrike">
+                <a:solidFill>
+                  <a:srgbClr val="888888"/>
+                </a:solidFill>
+                <a:latin typeface="Calibri"/>
+                <a:ea typeface="Calibri"/>
+                <a:cs typeface="Calibri"/>
+                <a:sym typeface="Calibri"/>
+              </a:defRPr>
             </a:lvl3pPr>
-            <a:lvl4pPr indent="0" lvl="3" marL="0" algn="r">
-              <a:spcBef>
-                <a:spcPts val="0"/>
-              </a:spcBef>
-              <a:buNone/>
-              <a:defRPr/>
+            <a:lvl4pPr indent="0" lvl="3" marL="0" marR="0" algn="r">
+              <a:lnSpc>
+                <a:spcPct val="100000"/>
+              </a:lnSpc>
+              <a:spcBef>
+                <a:spcPts val="0"/>
+              </a:spcBef>
+              <a:spcAft>
+                <a:spcPts val="0"/>
+              </a:spcAft>
+              <a:buClr>
+                <a:srgbClr val="000000"/>
+              </a:buClr>
+              <a:buSzPts val="1200"/>
+              <a:buFont typeface="Arial"/>
+              <a:buNone/>
+              <a:defRPr b="0" i="0" sz="1200" u="none" cap="none" strike="noStrike">
+                <a:solidFill>
+                  <a:srgbClr val="888888"/>
+                </a:solidFill>
+                <a:latin typeface="Calibri"/>
+                <a:ea typeface="Calibri"/>
+                <a:cs typeface="Calibri"/>
+                <a:sym typeface="Calibri"/>
+              </a:defRPr>
             </a:lvl4pPr>
-            <a:lvl5pPr indent="0" lvl="4" marL="0" algn="r">
-              <a:spcBef>
-                <a:spcPts val="0"/>
-              </a:spcBef>
-              <a:buNone/>
-              <a:defRPr/>
+            <a:lvl5pPr indent="0" lvl="4" marL="0" marR="0" algn="r">
+              <a:lnSpc>
+                <a:spcPct val="100000"/>
+              </a:lnSpc>
+              <a:spcBef>
+                <a:spcPts val="0"/>
+              </a:spcBef>
+              <a:spcAft>
+                <a:spcPts val="0"/>
+              </a:spcAft>
+              <a:buClr>
+                <a:srgbClr val="000000"/>
+              </a:buClr>
+              <a:buSzPts val="1200"/>
+              <a:buFont typeface="Arial"/>
+              <a:buNone/>
+              <a:defRPr b="0" i="0" sz="1200" u="none" cap="none" strike="noStrike">
+                <a:solidFill>
+                  <a:srgbClr val="888888"/>
+                </a:solidFill>
+                <a:latin typeface="Calibri"/>
+                <a:ea typeface="Calibri"/>
+                <a:cs typeface="Calibri"/>
+                <a:sym typeface="Calibri"/>
+              </a:defRPr>
             </a:lvl5pPr>
-            <a:lvl6pPr indent="0" lvl="5" marL="0" algn="r">
-              <a:spcBef>
-                <a:spcPts val="0"/>
-              </a:spcBef>
-              <a:buNone/>
-              <a:defRPr/>
+            <a:lvl6pPr indent="0" lvl="5" marL="0" marR="0" algn="r">
+              <a:lnSpc>
+                <a:spcPct val="100000"/>
+              </a:lnSpc>
+              <a:spcBef>
+                <a:spcPts val="0"/>
+              </a:spcBef>
+              <a:spcAft>
+                <a:spcPts val="0"/>
+              </a:spcAft>
+              <a:buClr>
+                <a:srgbClr val="000000"/>
+              </a:buClr>
+              <a:buSzPts val="1200"/>
+              <a:buFont typeface="Arial"/>
+              <a:buNone/>
+              <a:defRPr b="0" i="0" sz="1200" u="none" cap="none" strike="noStrike">
+                <a:solidFill>
+                  <a:srgbClr val="888888"/>
+                </a:solidFill>
+                <a:latin typeface="Calibri"/>
+                <a:ea typeface="Calibri"/>
+                <a:cs typeface="Calibri"/>
+                <a:sym typeface="Calibri"/>
+              </a:defRPr>
             </a:lvl6pPr>
-            <a:lvl7pPr indent="0" lvl="6" marL="0" algn="r">
-              <a:spcBef>
-                <a:spcPts val="0"/>
-              </a:spcBef>
-              <a:buNone/>
-              <a:defRPr/>
+            <a:lvl7pPr indent="0" lvl="6" marL="0" marR="0" algn="r">
+              <a:lnSpc>
+                <a:spcPct val="100000"/>
+              </a:lnSpc>
+              <a:spcBef>
+                <a:spcPts val="0"/>
+              </a:spcBef>
+              <a:spcAft>
+                <a:spcPts val="0"/>
+              </a:spcAft>
+              <a:buClr>
+                <a:srgbClr val="000000"/>
+              </a:buClr>
+              <a:buSzPts val="1200"/>
+              <a:buFont typeface="Arial"/>
+              <a:buNone/>
+              <a:defRPr b="0" i="0" sz="1200" u="none" cap="none" strike="noStrike">
+                <a:solidFill>
+                  <a:srgbClr val="888888"/>
+                </a:solidFill>
+                <a:latin typeface="Calibri"/>
+                <a:ea typeface="Calibri"/>
+                <a:cs typeface="Calibri"/>
+                <a:sym typeface="Calibri"/>
+              </a:defRPr>
             </a:lvl7pPr>
-            <a:lvl8pPr indent="0" lvl="7" marL="0" algn="r">
-              <a:spcBef>
-                <a:spcPts val="0"/>
-              </a:spcBef>
-              <a:buNone/>
-              <a:defRPr/>
+            <a:lvl8pPr indent="0" lvl="7" marL="0" marR="0" algn="r">
+              <a:lnSpc>
+                <a:spcPct val="100000"/>
+              </a:lnSpc>
+              <a:spcBef>
+                <a:spcPts val="0"/>
+              </a:spcBef>
+              <a:spcAft>
+                <a:spcPts val="0"/>
+              </a:spcAft>
+              <a:buClr>
+                <a:srgbClr val="000000"/>
+              </a:buClr>
+              <a:buSzPts val="1200"/>
+              <a:buFont typeface="Arial"/>
+              <a:buNone/>
+              <a:defRPr b="0" i="0" sz="1200" u="none" cap="none" strike="noStrike">
+                <a:solidFill>
+                  <a:srgbClr val="888888"/>
+                </a:solidFill>
+                <a:latin typeface="Calibri"/>
+                <a:ea typeface="Calibri"/>
+                <a:cs typeface="Calibri"/>
+                <a:sym typeface="Calibri"/>
+              </a:defRPr>
             </a:lvl8pPr>
-            <a:lvl9pPr indent="0" lvl="8" marL="0" algn="r">
-              <a:spcBef>
-                <a:spcPts val="0"/>
-              </a:spcBef>
-              <a:buNone/>
-              <a:defRPr/>
+            <a:lvl9pPr indent="0" lvl="8" marL="0" marR="0" algn="r">
+              <a:lnSpc>
+                <a:spcPct val="100000"/>
+              </a:lnSpc>
+              <a:spcBef>
+                <a:spcPts val="0"/>
+              </a:spcBef>
+              <a:spcAft>
+                <a:spcPts val="0"/>
+              </a:spcAft>
+              <a:buClr>
+                <a:srgbClr val="000000"/>
+              </a:buClr>
+              <a:buSzPts val="1200"/>
+              <a:buFont typeface="Arial"/>
+              <a:buNone/>
+              <a:defRPr b="0" i="0" sz="1200" u="none" cap="none" strike="noStrike">
+                <a:solidFill>
+                  <a:srgbClr val="888888"/>
+                </a:solidFill>
+                <a:latin typeface="Calibri"/>
+                <a:ea typeface="Calibri"/>
+                <a:cs typeface="Calibri"/>
+                <a:sym typeface="Calibri"/>
+              </a:defRPr>
             </a:lvl9pPr>
           </a:lstStyle>
           <a:p>
@@ -4175,6 +5469,9 @@
           </a:bodyPr>
           <a:lstStyle>
             <a:lvl1pPr lvl="0" algn="l">
+              <a:lnSpc>
+                <a:spcPct val="100000"/>
+              </a:lnSpc>
               <a:spcBef>
                 <a:spcPts val="0"/>
               </a:spcBef>
@@ -4189,7 +5486,10 @@
               <a:buNone/>
               <a:defRPr b="1" sz="4000" cap="none"/>
             </a:lvl1pPr>
-            <a:lvl2pPr lvl="1">
+            <a:lvl2pPr lvl="1" algn="l">
+              <a:lnSpc>
+                <a:spcPct val="100000"/>
+              </a:lnSpc>
               <a:spcBef>
                 <a:spcPts val="0"/>
               </a:spcBef>
@@ -4200,7 +5500,10 @@
               <a:buNone/>
               <a:defRPr/>
             </a:lvl2pPr>
-            <a:lvl3pPr lvl="2">
+            <a:lvl3pPr lvl="2" algn="l">
+              <a:lnSpc>
+                <a:spcPct val="100000"/>
+              </a:lnSpc>
               <a:spcBef>
                 <a:spcPts val="0"/>
               </a:spcBef>
@@ -4211,7 +5514,10 @@
               <a:buNone/>
               <a:defRPr/>
             </a:lvl3pPr>
-            <a:lvl4pPr lvl="3">
+            <a:lvl4pPr lvl="3" algn="l">
+              <a:lnSpc>
+                <a:spcPct val="100000"/>
+              </a:lnSpc>
               <a:spcBef>
                 <a:spcPts val="0"/>
               </a:spcBef>
@@ -4222,7 +5528,10 @@
               <a:buNone/>
               <a:defRPr/>
             </a:lvl4pPr>
-            <a:lvl5pPr lvl="4">
+            <a:lvl5pPr lvl="4" algn="l">
+              <a:lnSpc>
+                <a:spcPct val="100000"/>
+              </a:lnSpc>
               <a:spcBef>
                 <a:spcPts val="0"/>
               </a:spcBef>
@@ -4233,7 +5542,10 @@
               <a:buNone/>
               <a:defRPr/>
             </a:lvl5pPr>
-            <a:lvl6pPr lvl="5">
+            <a:lvl6pPr lvl="5" algn="l">
+              <a:lnSpc>
+                <a:spcPct val="100000"/>
+              </a:lnSpc>
               <a:spcBef>
                 <a:spcPts val="0"/>
               </a:spcBef>
@@ -4244,7 +5556,10 @@
               <a:buNone/>
               <a:defRPr/>
             </a:lvl6pPr>
-            <a:lvl7pPr lvl="6">
+            <a:lvl7pPr lvl="6" algn="l">
+              <a:lnSpc>
+                <a:spcPct val="100000"/>
+              </a:lnSpc>
               <a:spcBef>
                 <a:spcPts val="0"/>
               </a:spcBef>
@@ -4255,7 +5570,10 @@
               <a:buNone/>
               <a:defRPr/>
             </a:lvl7pPr>
-            <a:lvl8pPr lvl="7">
+            <a:lvl8pPr lvl="7" algn="l">
+              <a:lnSpc>
+                <a:spcPct val="100000"/>
+              </a:lnSpc>
               <a:spcBef>
                 <a:spcPts val="0"/>
               </a:spcBef>
@@ -4266,7 +5584,10 @@
               <a:buNone/>
               <a:defRPr/>
             </a:lvl8pPr>
-            <a:lvl9pPr lvl="8">
+            <a:lvl9pPr lvl="8" algn="l">
+              <a:lnSpc>
+                <a:spcPct val="100000"/>
+              </a:lnSpc>
               <a:spcBef>
                 <a:spcPts val="0"/>
               </a:spcBef>
@@ -4308,6 +5629,9 @@
           </a:bodyPr>
           <a:lstStyle>
             <a:lvl1pPr indent="-228600" lvl="0" marL="457200" algn="l">
+              <a:lnSpc>
+                <a:spcPct val="100000"/>
+              </a:lnSpc>
               <a:spcBef>
                 <a:spcPts val="400"/>
               </a:spcBef>
@@ -4326,6 +5650,9 @@
               </a:defRPr>
             </a:lvl1pPr>
             <a:lvl2pPr indent="-228600" lvl="1" marL="914400" algn="l">
+              <a:lnSpc>
+                <a:spcPct val="100000"/>
+              </a:lnSpc>
               <a:spcBef>
                 <a:spcPts val="360"/>
               </a:spcBef>
@@ -4344,6 +5671,9 @@
               </a:defRPr>
             </a:lvl2pPr>
             <a:lvl3pPr indent="-228600" lvl="2" marL="1371600" algn="l">
+              <a:lnSpc>
+                <a:spcPct val="100000"/>
+              </a:lnSpc>
               <a:spcBef>
                 <a:spcPts val="320"/>
               </a:spcBef>
@@ -4362,6 +5692,9 @@
               </a:defRPr>
             </a:lvl3pPr>
             <a:lvl4pPr indent="-228600" lvl="3" marL="1828800" algn="l">
+              <a:lnSpc>
+                <a:spcPct val="100000"/>
+              </a:lnSpc>
               <a:spcBef>
                 <a:spcPts val="280"/>
               </a:spcBef>
@@ -4380,6 +5713,9 @@
               </a:defRPr>
             </a:lvl4pPr>
             <a:lvl5pPr indent="-228600" lvl="4" marL="2286000" algn="l">
+              <a:lnSpc>
+                <a:spcPct val="100000"/>
+              </a:lnSpc>
               <a:spcBef>
                 <a:spcPts val="280"/>
               </a:spcBef>
@@ -4398,6 +5734,9 @@
               </a:defRPr>
             </a:lvl5pPr>
             <a:lvl6pPr indent="-228600" lvl="5" marL="2743200" algn="l">
+              <a:lnSpc>
+                <a:spcPct val="100000"/>
+              </a:lnSpc>
               <a:spcBef>
                 <a:spcPts val="280"/>
               </a:spcBef>
@@ -4416,6 +5755,9 @@
               </a:defRPr>
             </a:lvl6pPr>
             <a:lvl7pPr indent="-228600" lvl="6" marL="3200400" algn="l">
+              <a:lnSpc>
+                <a:spcPct val="100000"/>
+              </a:lnSpc>
               <a:spcBef>
                 <a:spcPts val="280"/>
               </a:spcBef>
@@ -4434,6 +5776,9 @@
               </a:defRPr>
             </a:lvl7pPr>
             <a:lvl8pPr indent="-228600" lvl="7" marL="3657600" algn="l">
+              <a:lnSpc>
+                <a:spcPct val="100000"/>
+              </a:lnSpc>
               <a:spcBef>
                 <a:spcPts val="280"/>
               </a:spcBef>
@@ -4452,6 +5797,9 @@
               </a:defRPr>
             </a:lvl8pPr>
             <a:lvl9pPr indent="-228600" lvl="8" marL="4114800" algn="l">
+              <a:lnSpc>
+                <a:spcPct val="100000"/>
+              </a:lnSpc>
               <a:spcBef>
                 <a:spcPts val="280"/>
               </a:spcBef>
@@ -4500,6 +5848,9 @@
           </a:bodyPr>
           <a:lstStyle>
             <a:lvl1pPr lvl="0" algn="l">
+              <a:lnSpc>
+                <a:spcPct val="100000"/>
+              </a:lnSpc>
               <a:spcBef>
                 <a:spcPts val="0"/>
               </a:spcBef>
@@ -4511,6 +5862,9 @@
               <a:defRPr/>
             </a:lvl1pPr>
             <a:lvl2pPr lvl="1" algn="l">
+              <a:lnSpc>
+                <a:spcPct val="100000"/>
+              </a:lnSpc>
               <a:spcBef>
                 <a:spcPts val="0"/>
               </a:spcBef>
@@ -4522,6 +5876,9 @@
               <a:defRPr/>
             </a:lvl2pPr>
             <a:lvl3pPr lvl="2" algn="l">
+              <a:lnSpc>
+                <a:spcPct val="100000"/>
+              </a:lnSpc>
               <a:spcBef>
                 <a:spcPts val="0"/>
               </a:spcBef>
@@ -4533,6 +5890,9 @@
               <a:defRPr/>
             </a:lvl3pPr>
             <a:lvl4pPr lvl="3" algn="l">
+              <a:lnSpc>
+                <a:spcPct val="100000"/>
+              </a:lnSpc>
               <a:spcBef>
                 <a:spcPts val="0"/>
               </a:spcBef>
@@ -4544,6 +5904,9 @@
               <a:defRPr/>
             </a:lvl4pPr>
             <a:lvl5pPr lvl="4" algn="l">
+              <a:lnSpc>
+                <a:spcPct val="100000"/>
+              </a:lnSpc>
               <a:spcBef>
                 <a:spcPts val="0"/>
               </a:spcBef>
@@ -4555,6 +5918,9 @@
               <a:defRPr/>
             </a:lvl5pPr>
             <a:lvl6pPr lvl="5" algn="l">
+              <a:lnSpc>
+                <a:spcPct val="100000"/>
+              </a:lnSpc>
               <a:spcBef>
                 <a:spcPts val="0"/>
               </a:spcBef>
@@ -4566,6 +5932,9 @@
               <a:defRPr/>
             </a:lvl6pPr>
             <a:lvl7pPr lvl="6" algn="l">
+              <a:lnSpc>
+                <a:spcPct val="100000"/>
+              </a:lnSpc>
               <a:spcBef>
                 <a:spcPts val="0"/>
               </a:spcBef>
@@ -4577,6 +5946,9 @@
               <a:defRPr/>
             </a:lvl7pPr>
             <a:lvl8pPr lvl="7" algn="l">
+              <a:lnSpc>
+                <a:spcPct val="100000"/>
+              </a:lnSpc>
               <a:spcBef>
                 <a:spcPts val="0"/>
               </a:spcBef>
@@ -4588,6 +5960,9 @@
               <a:defRPr/>
             </a:lvl8pPr>
             <a:lvl9pPr lvl="8" algn="l">
+              <a:lnSpc>
+                <a:spcPct val="100000"/>
+              </a:lnSpc>
               <a:spcBef>
                 <a:spcPts val="0"/>
               </a:spcBef>
@@ -4629,6 +6004,9 @@
           </a:bodyPr>
           <a:lstStyle>
             <a:lvl1pPr lvl="0" algn="ctr">
+              <a:lnSpc>
+                <a:spcPct val="100000"/>
+              </a:lnSpc>
               <a:spcBef>
                 <a:spcPts val="0"/>
               </a:spcBef>
@@ -4640,6 +6018,9 @@
               <a:defRPr/>
             </a:lvl1pPr>
             <a:lvl2pPr lvl="1" algn="l">
+              <a:lnSpc>
+                <a:spcPct val="100000"/>
+              </a:lnSpc>
               <a:spcBef>
                 <a:spcPts val="0"/>
               </a:spcBef>
@@ -4651,6 +6032,9 @@
               <a:defRPr/>
             </a:lvl2pPr>
             <a:lvl3pPr lvl="2" algn="l">
+              <a:lnSpc>
+                <a:spcPct val="100000"/>
+              </a:lnSpc>
               <a:spcBef>
                 <a:spcPts val="0"/>
               </a:spcBef>
@@ -4662,6 +6046,9 @@
               <a:defRPr/>
             </a:lvl3pPr>
             <a:lvl4pPr lvl="3" algn="l">
+              <a:lnSpc>
+                <a:spcPct val="100000"/>
+              </a:lnSpc>
               <a:spcBef>
                 <a:spcPts val="0"/>
               </a:spcBef>
@@ -4673,6 +6060,9 @@
               <a:defRPr/>
             </a:lvl4pPr>
             <a:lvl5pPr lvl="4" algn="l">
+              <a:lnSpc>
+                <a:spcPct val="100000"/>
+              </a:lnSpc>
               <a:spcBef>
                 <a:spcPts val="0"/>
               </a:spcBef>
@@ -4684,6 +6074,9 @@
               <a:defRPr/>
             </a:lvl5pPr>
             <a:lvl6pPr lvl="5" algn="l">
+              <a:lnSpc>
+                <a:spcPct val="100000"/>
+              </a:lnSpc>
               <a:spcBef>
                 <a:spcPts val="0"/>
               </a:spcBef>
@@ -4695,6 +6088,9 @@
               <a:defRPr/>
             </a:lvl6pPr>
             <a:lvl7pPr lvl="6" algn="l">
+              <a:lnSpc>
+                <a:spcPct val="100000"/>
+              </a:lnSpc>
               <a:spcBef>
                 <a:spcPts val="0"/>
               </a:spcBef>
@@ -4706,6 +6102,9 @@
               <a:defRPr/>
             </a:lvl7pPr>
             <a:lvl8pPr lvl="7" algn="l">
+              <a:lnSpc>
+                <a:spcPct val="100000"/>
+              </a:lnSpc>
               <a:spcBef>
                 <a:spcPts val="0"/>
               </a:spcBef>
@@ -4717,6 +6116,9 @@
               <a:defRPr/>
             </a:lvl8pPr>
             <a:lvl9pPr lvl="8" algn="l">
+              <a:lnSpc>
+                <a:spcPct val="100000"/>
+              </a:lnSpc>
               <a:spcBef>
                 <a:spcPts val="0"/>
               </a:spcBef>
@@ -4757,68 +6159,239 @@
             <a:noAutofit/>
           </a:bodyPr>
           <a:lstStyle>
-            <a:lvl1pPr indent="0" lvl="0" marL="0" algn="r">
-              <a:spcBef>
-                <a:spcPts val="0"/>
-              </a:spcBef>
-              <a:buNone/>
-              <a:defRPr/>
+            <a:lvl1pPr indent="0" lvl="0" marL="0" marR="0" algn="r">
+              <a:lnSpc>
+                <a:spcPct val="100000"/>
+              </a:lnSpc>
+              <a:spcBef>
+                <a:spcPts val="0"/>
+              </a:spcBef>
+              <a:spcAft>
+                <a:spcPts val="0"/>
+              </a:spcAft>
+              <a:buClr>
+                <a:srgbClr val="000000"/>
+              </a:buClr>
+              <a:buSzPts val="1200"/>
+              <a:buFont typeface="Arial"/>
+              <a:buNone/>
+              <a:defRPr b="0" i="0" sz="1200" u="none" cap="none" strike="noStrike">
+                <a:solidFill>
+                  <a:srgbClr val="888888"/>
+                </a:solidFill>
+                <a:latin typeface="Calibri"/>
+                <a:ea typeface="Calibri"/>
+                <a:cs typeface="Calibri"/>
+                <a:sym typeface="Calibri"/>
+              </a:defRPr>
             </a:lvl1pPr>
-            <a:lvl2pPr indent="0" lvl="1" marL="0" algn="r">
-              <a:spcBef>
-                <a:spcPts val="0"/>
-              </a:spcBef>
-              <a:buNone/>
-              <a:defRPr/>
+            <a:lvl2pPr indent="0" lvl="1" marL="0" marR="0" algn="r">
+              <a:lnSpc>
+                <a:spcPct val="100000"/>
+              </a:lnSpc>
+              <a:spcBef>
+                <a:spcPts val="0"/>
+              </a:spcBef>
+              <a:spcAft>
+                <a:spcPts val="0"/>
+              </a:spcAft>
+              <a:buClr>
+                <a:srgbClr val="000000"/>
+              </a:buClr>
+              <a:buSzPts val="1200"/>
+              <a:buFont typeface="Arial"/>
+              <a:buNone/>
+              <a:defRPr b="0" i="0" sz="1200" u="none" cap="none" strike="noStrike">
+                <a:solidFill>
+                  <a:srgbClr val="888888"/>
+                </a:solidFill>
+                <a:latin typeface="Calibri"/>
+                <a:ea typeface="Calibri"/>
+                <a:cs typeface="Calibri"/>
+                <a:sym typeface="Calibri"/>
+              </a:defRPr>
             </a:lvl2pPr>
-            <a:lvl3pPr indent="0" lvl="2" marL="0" algn="r">
-              <a:spcBef>
-                <a:spcPts val="0"/>
-              </a:spcBef>
-              <a:buNone/>
-              <a:defRPr/>
+            <a:lvl3pPr indent="0" lvl="2" marL="0" marR="0" algn="r">
+              <a:lnSpc>
+                <a:spcPct val="100000"/>
+              </a:lnSpc>
+              <a:spcBef>
+                <a:spcPts val="0"/>
+              </a:spcBef>
+              <a:spcAft>
+                <a:spcPts val="0"/>
+              </a:spcAft>
+              <a:buClr>
+                <a:srgbClr val="000000"/>
+              </a:buClr>
+              <a:buSzPts val="1200"/>
+              <a:buFont typeface="Arial"/>
+              <a:buNone/>
+              <a:defRPr b="0" i="0" sz="1200" u="none" cap="none" strike="noStrike">
+                <a:solidFill>
+                  <a:srgbClr val="888888"/>
+                </a:solidFill>
+                <a:latin typeface="Calibri"/>
+                <a:ea typeface="Calibri"/>
+                <a:cs typeface="Calibri"/>
+                <a:sym typeface="Calibri"/>
+              </a:defRPr>
             </a:lvl3pPr>
-            <a:lvl4pPr indent="0" lvl="3" marL="0" algn="r">
-              <a:spcBef>
-                <a:spcPts val="0"/>
-              </a:spcBef>
-              <a:buNone/>
-              <a:defRPr/>
+            <a:lvl4pPr indent="0" lvl="3" marL="0" marR="0" algn="r">
+              <a:lnSpc>
+                <a:spcPct val="100000"/>
+              </a:lnSpc>
+              <a:spcBef>
+                <a:spcPts val="0"/>
+              </a:spcBef>
+              <a:spcAft>
+                <a:spcPts val="0"/>
+              </a:spcAft>
+              <a:buClr>
+                <a:srgbClr val="000000"/>
+              </a:buClr>
+              <a:buSzPts val="1200"/>
+              <a:buFont typeface="Arial"/>
+              <a:buNone/>
+              <a:defRPr b="0" i="0" sz="1200" u="none" cap="none" strike="noStrike">
+                <a:solidFill>
+                  <a:srgbClr val="888888"/>
+                </a:solidFill>
+                <a:latin typeface="Calibri"/>
+                <a:ea typeface="Calibri"/>
+                <a:cs typeface="Calibri"/>
+                <a:sym typeface="Calibri"/>
+              </a:defRPr>
             </a:lvl4pPr>
-            <a:lvl5pPr indent="0" lvl="4" marL="0" algn="r">
-              <a:spcBef>
-                <a:spcPts val="0"/>
-              </a:spcBef>
-              <a:buNone/>
-              <a:defRPr/>
+            <a:lvl5pPr indent="0" lvl="4" marL="0" marR="0" algn="r">
+              <a:lnSpc>
+                <a:spcPct val="100000"/>
+              </a:lnSpc>
+              <a:spcBef>
+                <a:spcPts val="0"/>
+              </a:spcBef>
+              <a:spcAft>
+                <a:spcPts val="0"/>
+              </a:spcAft>
+              <a:buClr>
+                <a:srgbClr val="000000"/>
+              </a:buClr>
+              <a:buSzPts val="1200"/>
+              <a:buFont typeface="Arial"/>
+              <a:buNone/>
+              <a:defRPr b="0" i="0" sz="1200" u="none" cap="none" strike="noStrike">
+                <a:solidFill>
+                  <a:srgbClr val="888888"/>
+                </a:solidFill>
+                <a:latin typeface="Calibri"/>
+                <a:ea typeface="Calibri"/>
+                <a:cs typeface="Calibri"/>
+                <a:sym typeface="Calibri"/>
+              </a:defRPr>
             </a:lvl5pPr>
-            <a:lvl6pPr indent="0" lvl="5" marL="0" algn="r">
-              <a:spcBef>
-                <a:spcPts val="0"/>
-              </a:spcBef>
-              <a:buNone/>
-              <a:defRPr/>
+            <a:lvl6pPr indent="0" lvl="5" marL="0" marR="0" algn="r">
+              <a:lnSpc>
+                <a:spcPct val="100000"/>
+              </a:lnSpc>
+              <a:spcBef>
+                <a:spcPts val="0"/>
+              </a:spcBef>
+              <a:spcAft>
+                <a:spcPts val="0"/>
+              </a:spcAft>
+              <a:buClr>
+                <a:srgbClr val="000000"/>
+              </a:buClr>
+              <a:buSzPts val="1200"/>
+              <a:buFont typeface="Arial"/>
+              <a:buNone/>
+              <a:defRPr b="0" i="0" sz="1200" u="none" cap="none" strike="noStrike">
+                <a:solidFill>
+                  <a:srgbClr val="888888"/>
+                </a:solidFill>
+                <a:latin typeface="Calibri"/>
+                <a:ea typeface="Calibri"/>
+                <a:cs typeface="Calibri"/>
+                <a:sym typeface="Calibri"/>
+              </a:defRPr>
             </a:lvl6pPr>
-            <a:lvl7pPr indent="0" lvl="6" marL="0" algn="r">
-              <a:spcBef>
-                <a:spcPts val="0"/>
-              </a:spcBef>
-              <a:buNone/>
-              <a:defRPr/>
+            <a:lvl7pPr indent="0" lvl="6" marL="0" marR="0" algn="r">
+              <a:lnSpc>
+                <a:spcPct val="100000"/>
+              </a:lnSpc>
+              <a:spcBef>
+                <a:spcPts val="0"/>
+              </a:spcBef>
+              <a:spcAft>
+                <a:spcPts val="0"/>
+              </a:spcAft>
+              <a:buClr>
+                <a:srgbClr val="000000"/>
+              </a:buClr>
+              <a:buSzPts val="1200"/>
+              <a:buFont typeface="Arial"/>
+              <a:buNone/>
+              <a:defRPr b="0" i="0" sz="1200" u="none" cap="none" strike="noStrike">
+                <a:solidFill>
+                  <a:srgbClr val="888888"/>
+                </a:solidFill>
+                <a:latin typeface="Calibri"/>
+                <a:ea typeface="Calibri"/>
+                <a:cs typeface="Calibri"/>
+                <a:sym typeface="Calibri"/>
+              </a:defRPr>
             </a:lvl7pPr>
-            <a:lvl8pPr indent="0" lvl="7" marL="0" algn="r">
-              <a:spcBef>
-                <a:spcPts val="0"/>
-              </a:spcBef>
-              <a:buNone/>
-              <a:defRPr/>
+            <a:lvl8pPr indent="0" lvl="7" marL="0" marR="0" algn="r">
+              <a:lnSpc>
+                <a:spcPct val="100000"/>
+              </a:lnSpc>
+              <a:spcBef>
+                <a:spcPts val="0"/>
+              </a:spcBef>
+              <a:spcAft>
+                <a:spcPts val="0"/>
+              </a:spcAft>
+              <a:buClr>
+                <a:srgbClr val="000000"/>
+              </a:buClr>
+              <a:buSzPts val="1200"/>
+              <a:buFont typeface="Arial"/>
+              <a:buNone/>
+              <a:defRPr b="0" i="0" sz="1200" u="none" cap="none" strike="noStrike">
+                <a:solidFill>
+                  <a:srgbClr val="888888"/>
+                </a:solidFill>
+                <a:latin typeface="Calibri"/>
+                <a:ea typeface="Calibri"/>
+                <a:cs typeface="Calibri"/>
+                <a:sym typeface="Calibri"/>
+              </a:defRPr>
             </a:lvl8pPr>
-            <a:lvl9pPr indent="0" lvl="8" marL="0" algn="r">
-              <a:spcBef>
-                <a:spcPts val="0"/>
-              </a:spcBef>
-              <a:buNone/>
-              <a:defRPr/>
+            <a:lvl9pPr indent="0" lvl="8" marL="0" marR="0" algn="r">
+              <a:lnSpc>
+                <a:spcPct val="100000"/>
+              </a:lnSpc>
+              <a:spcBef>
+                <a:spcPts val="0"/>
+              </a:spcBef>
+              <a:spcAft>
+                <a:spcPts val="0"/>
+              </a:spcAft>
+              <a:buClr>
+                <a:srgbClr val="000000"/>
+              </a:buClr>
+              <a:buSzPts val="1200"/>
+              <a:buFont typeface="Arial"/>
+              <a:buNone/>
+              <a:defRPr b="0" i="0" sz="1200" u="none" cap="none" strike="noStrike">
+                <a:solidFill>
+                  <a:srgbClr val="888888"/>
+                </a:solidFill>
+                <a:latin typeface="Calibri"/>
+                <a:ea typeface="Calibri"/>
+                <a:cs typeface="Calibri"/>
+                <a:sym typeface="Calibri"/>
+              </a:defRPr>
             </a:lvl9pPr>
           </a:lstStyle>
           <a:p>
@@ -4891,6 +6464,9 @@
           </a:bodyPr>
           <a:lstStyle>
             <a:lvl1pPr lvl="0" algn="ctr">
+              <a:lnSpc>
+                <a:spcPct val="100000"/>
+              </a:lnSpc>
               <a:spcBef>
                 <a:spcPts val="0"/>
               </a:spcBef>
@@ -4904,7 +6480,10 @@
               <a:buNone/>
               <a:defRPr/>
             </a:lvl1pPr>
-            <a:lvl2pPr lvl="1">
+            <a:lvl2pPr lvl="1" algn="l">
+              <a:lnSpc>
+                <a:spcPct val="100000"/>
+              </a:lnSpc>
               <a:spcBef>
                 <a:spcPts val="0"/>
               </a:spcBef>
@@ -4915,7 +6494,10 @@
               <a:buNone/>
               <a:defRPr/>
             </a:lvl2pPr>
-            <a:lvl3pPr lvl="2">
+            <a:lvl3pPr lvl="2" algn="l">
+              <a:lnSpc>
+                <a:spcPct val="100000"/>
+              </a:lnSpc>
               <a:spcBef>
                 <a:spcPts val="0"/>
               </a:spcBef>
@@ -4926,7 +6508,10 @@
               <a:buNone/>
               <a:defRPr/>
             </a:lvl3pPr>
-            <a:lvl4pPr lvl="3">
+            <a:lvl4pPr lvl="3" algn="l">
+              <a:lnSpc>
+                <a:spcPct val="100000"/>
+              </a:lnSpc>
               <a:spcBef>
                 <a:spcPts val="0"/>
               </a:spcBef>
@@ -4937,7 +6522,10 @@
               <a:buNone/>
               <a:defRPr/>
             </a:lvl4pPr>
-            <a:lvl5pPr lvl="4">
+            <a:lvl5pPr lvl="4" algn="l">
+              <a:lnSpc>
+                <a:spcPct val="100000"/>
+              </a:lnSpc>
               <a:spcBef>
                 <a:spcPts val="0"/>
               </a:spcBef>
@@ -4948,7 +6536,10 @@
               <a:buNone/>
               <a:defRPr/>
             </a:lvl5pPr>
-            <a:lvl6pPr lvl="5">
+            <a:lvl6pPr lvl="5" algn="l">
+              <a:lnSpc>
+                <a:spcPct val="100000"/>
+              </a:lnSpc>
               <a:spcBef>
                 <a:spcPts val="0"/>
               </a:spcBef>
@@ -4959,7 +6550,10 @@
               <a:buNone/>
               <a:defRPr/>
             </a:lvl6pPr>
-            <a:lvl7pPr lvl="6">
+            <a:lvl7pPr lvl="6" algn="l">
+              <a:lnSpc>
+                <a:spcPct val="100000"/>
+              </a:lnSpc>
               <a:spcBef>
                 <a:spcPts val="0"/>
               </a:spcBef>
@@ -4970,7 +6564,10 @@
               <a:buNone/>
               <a:defRPr/>
             </a:lvl7pPr>
-            <a:lvl8pPr lvl="7">
+            <a:lvl8pPr lvl="7" algn="l">
+              <a:lnSpc>
+                <a:spcPct val="100000"/>
+              </a:lnSpc>
               <a:spcBef>
                 <a:spcPts val="0"/>
               </a:spcBef>
@@ -4981,7 +6578,10 @@
               <a:buNone/>
               <a:defRPr/>
             </a:lvl8pPr>
-            <a:lvl9pPr lvl="8">
+            <a:lvl9pPr lvl="8" algn="l">
+              <a:lnSpc>
+                <a:spcPct val="100000"/>
+              </a:lnSpc>
               <a:spcBef>
                 <a:spcPts val="0"/>
               </a:spcBef>
@@ -5023,6 +6623,9 @@
           </a:bodyPr>
           <a:lstStyle>
             <a:lvl1pPr indent="-406400" lvl="0" marL="457200" algn="l">
+              <a:lnSpc>
+                <a:spcPct val="100000"/>
+              </a:lnSpc>
               <a:spcBef>
                 <a:spcPts val="560"/>
               </a:spcBef>
@@ -5037,6 +6640,9 @@
               <a:defRPr sz="2800"/>
             </a:lvl1pPr>
             <a:lvl2pPr indent="-381000" lvl="1" marL="914400" algn="l">
+              <a:lnSpc>
+                <a:spcPct val="100000"/>
+              </a:lnSpc>
               <a:spcBef>
                 <a:spcPts val="480"/>
               </a:spcBef>
@@ -5051,6 +6657,9 @@
               <a:defRPr sz="2400"/>
             </a:lvl2pPr>
             <a:lvl3pPr indent="-355600" lvl="2" marL="1371600" algn="l">
+              <a:lnSpc>
+                <a:spcPct val="100000"/>
+              </a:lnSpc>
               <a:spcBef>
                 <a:spcPts val="400"/>
               </a:spcBef>
@@ -5065,6 +6674,9 @@
               <a:defRPr sz="2000"/>
             </a:lvl3pPr>
             <a:lvl4pPr indent="-342900" lvl="3" marL="1828800" algn="l">
+              <a:lnSpc>
+                <a:spcPct val="100000"/>
+              </a:lnSpc>
               <a:spcBef>
                 <a:spcPts val="360"/>
               </a:spcBef>
@@ -5079,6 +6691,9 @@
               <a:defRPr sz="1800"/>
             </a:lvl4pPr>
             <a:lvl5pPr indent="-342900" lvl="4" marL="2286000" algn="l">
+              <a:lnSpc>
+                <a:spcPct val="100000"/>
+              </a:lnSpc>
               <a:spcBef>
                 <a:spcPts val="360"/>
               </a:spcBef>
@@ -5093,6 +6708,9 @@
               <a:defRPr sz="1800"/>
             </a:lvl5pPr>
             <a:lvl6pPr indent="-342900" lvl="5" marL="2743200" algn="l">
+              <a:lnSpc>
+                <a:spcPct val="100000"/>
+              </a:lnSpc>
               <a:spcBef>
                 <a:spcPts val="360"/>
               </a:spcBef>
@@ -5107,6 +6725,9 @@
               <a:defRPr sz="1800"/>
             </a:lvl6pPr>
             <a:lvl7pPr indent="-342900" lvl="6" marL="3200400" algn="l">
+              <a:lnSpc>
+                <a:spcPct val="100000"/>
+              </a:lnSpc>
               <a:spcBef>
                 <a:spcPts val="360"/>
               </a:spcBef>
@@ -5121,6 +6742,9 @@
               <a:defRPr sz="1800"/>
             </a:lvl7pPr>
             <a:lvl8pPr indent="-342900" lvl="7" marL="3657600" algn="l">
+              <a:lnSpc>
+                <a:spcPct val="100000"/>
+              </a:lnSpc>
               <a:spcBef>
                 <a:spcPts val="360"/>
               </a:spcBef>
@@ -5135,6 +6759,9 @@
               <a:defRPr sz="1800"/>
             </a:lvl8pPr>
             <a:lvl9pPr indent="-342900" lvl="8" marL="4114800" algn="l">
+              <a:lnSpc>
+                <a:spcPct val="100000"/>
+              </a:lnSpc>
               <a:spcBef>
                 <a:spcPts val="360"/>
               </a:spcBef>
@@ -5179,6 +6806,9 @@
           </a:bodyPr>
           <a:lstStyle>
             <a:lvl1pPr indent="-406400" lvl="0" marL="457200" algn="l">
+              <a:lnSpc>
+                <a:spcPct val="100000"/>
+              </a:lnSpc>
               <a:spcBef>
                 <a:spcPts val="560"/>
               </a:spcBef>
@@ -5193,6 +6823,9 @@
               <a:defRPr sz="2800"/>
             </a:lvl1pPr>
             <a:lvl2pPr indent="-381000" lvl="1" marL="914400" algn="l">
+              <a:lnSpc>
+                <a:spcPct val="100000"/>
+              </a:lnSpc>
               <a:spcBef>
                 <a:spcPts val="480"/>
               </a:spcBef>
@@ -5207,6 +6840,9 @@
               <a:defRPr sz="2400"/>
             </a:lvl2pPr>
             <a:lvl3pPr indent="-355600" lvl="2" marL="1371600" algn="l">
+              <a:lnSpc>
+                <a:spcPct val="100000"/>
+              </a:lnSpc>
               <a:spcBef>
                 <a:spcPts val="400"/>
               </a:spcBef>
@@ -5221,6 +6857,9 @@
               <a:defRPr sz="2000"/>
             </a:lvl3pPr>
             <a:lvl4pPr indent="-342900" lvl="3" marL="1828800" algn="l">
+              <a:lnSpc>
+                <a:spcPct val="100000"/>
+              </a:lnSpc>
               <a:spcBef>
                 <a:spcPts val="360"/>
               </a:spcBef>
@@ -5235,6 +6874,9 @@
               <a:defRPr sz="1800"/>
             </a:lvl4pPr>
             <a:lvl5pPr indent="-342900" lvl="4" marL="2286000" algn="l">
+              <a:lnSpc>
+                <a:spcPct val="100000"/>
+              </a:lnSpc>
               <a:spcBef>
                 <a:spcPts val="360"/>
               </a:spcBef>
@@ -5249,6 +6891,9 @@
               <a:defRPr sz="1800"/>
             </a:lvl5pPr>
             <a:lvl6pPr indent="-342900" lvl="5" marL="2743200" algn="l">
+              <a:lnSpc>
+                <a:spcPct val="100000"/>
+              </a:lnSpc>
               <a:spcBef>
                 <a:spcPts val="360"/>
               </a:spcBef>
@@ -5263,6 +6908,9 @@
               <a:defRPr sz="1800"/>
             </a:lvl6pPr>
             <a:lvl7pPr indent="-342900" lvl="6" marL="3200400" algn="l">
+              <a:lnSpc>
+                <a:spcPct val="100000"/>
+              </a:lnSpc>
               <a:spcBef>
                 <a:spcPts val="360"/>
               </a:spcBef>
@@ -5277,6 +6925,9 @@
               <a:defRPr sz="1800"/>
             </a:lvl7pPr>
             <a:lvl8pPr indent="-342900" lvl="7" marL="3657600" algn="l">
+              <a:lnSpc>
+                <a:spcPct val="100000"/>
+              </a:lnSpc>
               <a:spcBef>
                 <a:spcPts val="360"/>
               </a:spcBef>
@@ -5291,6 +6942,9 @@
               <a:defRPr sz="1800"/>
             </a:lvl8pPr>
             <a:lvl9pPr indent="-342900" lvl="8" marL="4114800" algn="l">
+              <a:lnSpc>
+                <a:spcPct val="100000"/>
+              </a:lnSpc>
               <a:spcBef>
                 <a:spcPts val="360"/>
               </a:spcBef>
@@ -5335,6 +6989,9 @@
           </a:bodyPr>
           <a:lstStyle>
             <a:lvl1pPr lvl="0" algn="l">
+              <a:lnSpc>
+                <a:spcPct val="100000"/>
+              </a:lnSpc>
               <a:spcBef>
                 <a:spcPts val="0"/>
               </a:spcBef>
@@ -5346,6 +7003,9 @@
               <a:defRPr/>
             </a:lvl1pPr>
             <a:lvl2pPr lvl="1" algn="l">
+              <a:lnSpc>
+                <a:spcPct val="100000"/>
+              </a:lnSpc>
               <a:spcBef>
                 <a:spcPts val="0"/>
               </a:spcBef>
@@ -5357,6 +7017,9 @@
               <a:defRPr/>
             </a:lvl2pPr>
             <a:lvl3pPr lvl="2" algn="l">
+              <a:lnSpc>
+                <a:spcPct val="100000"/>
+              </a:lnSpc>
               <a:spcBef>
                 <a:spcPts val="0"/>
               </a:spcBef>
@@ -5368,6 +7031,9 @@
               <a:defRPr/>
             </a:lvl3pPr>
             <a:lvl4pPr lvl="3" algn="l">
+              <a:lnSpc>
+                <a:spcPct val="100000"/>
+              </a:lnSpc>
               <a:spcBef>
                 <a:spcPts val="0"/>
               </a:spcBef>
@@ -5379,6 +7045,9 @@
               <a:defRPr/>
             </a:lvl4pPr>
             <a:lvl5pPr lvl="4" algn="l">
+              <a:lnSpc>
+                <a:spcPct val="100000"/>
+              </a:lnSpc>
               <a:spcBef>
                 <a:spcPts val="0"/>
               </a:spcBef>
@@ -5390,6 +7059,9 @@
               <a:defRPr/>
             </a:lvl5pPr>
             <a:lvl6pPr lvl="5" algn="l">
+              <a:lnSpc>
+                <a:spcPct val="100000"/>
+              </a:lnSpc>
               <a:spcBef>
                 <a:spcPts val="0"/>
               </a:spcBef>
@@ -5401,6 +7073,9 @@
               <a:defRPr/>
             </a:lvl6pPr>
             <a:lvl7pPr lvl="6" algn="l">
+              <a:lnSpc>
+                <a:spcPct val="100000"/>
+              </a:lnSpc>
               <a:spcBef>
                 <a:spcPts val="0"/>
               </a:spcBef>
@@ -5412,6 +7087,9 @@
               <a:defRPr/>
             </a:lvl7pPr>
             <a:lvl8pPr lvl="7" algn="l">
+              <a:lnSpc>
+                <a:spcPct val="100000"/>
+              </a:lnSpc>
               <a:spcBef>
                 <a:spcPts val="0"/>
               </a:spcBef>
@@ -5423,6 +7101,9 @@
               <a:defRPr/>
             </a:lvl8pPr>
             <a:lvl9pPr lvl="8" algn="l">
+              <a:lnSpc>
+                <a:spcPct val="100000"/>
+              </a:lnSpc>
               <a:spcBef>
                 <a:spcPts val="0"/>
               </a:spcBef>
@@ -5464,6 +7145,9 @@
           </a:bodyPr>
           <a:lstStyle>
             <a:lvl1pPr lvl="0" algn="ctr">
+              <a:lnSpc>
+                <a:spcPct val="100000"/>
+              </a:lnSpc>
               <a:spcBef>
                 <a:spcPts val="0"/>
               </a:spcBef>
@@ -5475,6 +7159,9 @@
               <a:defRPr/>
             </a:lvl1pPr>
             <a:lvl2pPr lvl="1" algn="l">
+              <a:lnSpc>
+                <a:spcPct val="100000"/>
+              </a:lnSpc>
               <a:spcBef>
                 <a:spcPts val="0"/>
               </a:spcBef>
@@ -5486,6 +7173,9 @@
               <a:defRPr/>
             </a:lvl2pPr>
             <a:lvl3pPr lvl="2" algn="l">
+              <a:lnSpc>
+                <a:spcPct val="100000"/>
+              </a:lnSpc>
               <a:spcBef>
                 <a:spcPts val="0"/>
               </a:spcBef>
@@ -5497,6 +7187,9 @@
               <a:defRPr/>
             </a:lvl3pPr>
             <a:lvl4pPr lvl="3" algn="l">
+              <a:lnSpc>
+                <a:spcPct val="100000"/>
+              </a:lnSpc>
               <a:spcBef>
                 <a:spcPts val="0"/>
               </a:spcBef>
@@ -5508,6 +7201,9 @@
               <a:defRPr/>
             </a:lvl4pPr>
             <a:lvl5pPr lvl="4" algn="l">
+              <a:lnSpc>
+                <a:spcPct val="100000"/>
+              </a:lnSpc>
               <a:spcBef>
                 <a:spcPts val="0"/>
               </a:spcBef>
@@ -5519,6 +7215,9 @@
               <a:defRPr/>
             </a:lvl5pPr>
             <a:lvl6pPr lvl="5" algn="l">
+              <a:lnSpc>
+                <a:spcPct val="100000"/>
+              </a:lnSpc>
               <a:spcBef>
                 <a:spcPts val="0"/>
               </a:spcBef>
@@ -5530,6 +7229,9 @@
               <a:defRPr/>
             </a:lvl6pPr>
             <a:lvl7pPr lvl="6" algn="l">
+              <a:lnSpc>
+                <a:spcPct val="100000"/>
+              </a:lnSpc>
               <a:spcBef>
                 <a:spcPts val="0"/>
               </a:spcBef>
@@ -5541,6 +7243,9 @@
               <a:defRPr/>
             </a:lvl7pPr>
             <a:lvl8pPr lvl="7" algn="l">
+              <a:lnSpc>
+                <a:spcPct val="100000"/>
+              </a:lnSpc>
               <a:spcBef>
                 <a:spcPts val="0"/>
               </a:spcBef>
@@ -5552,6 +7257,9 @@
               <a:defRPr/>
             </a:lvl8pPr>
             <a:lvl9pPr lvl="8" algn="l">
+              <a:lnSpc>
+                <a:spcPct val="100000"/>
+              </a:lnSpc>
               <a:spcBef>
                 <a:spcPts val="0"/>
               </a:spcBef>
@@ -5592,68 +7300,239 @@
             <a:noAutofit/>
           </a:bodyPr>
           <a:lstStyle>
-            <a:lvl1pPr indent="0" lvl="0" marL="0" algn="r">
-              <a:spcBef>
-                <a:spcPts val="0"/>
-              </a:spcBef>
-              <a:buNone/>
-              <a:defRPr/>
+            <a:lvl1pPr indent="0" lvl="0" marL="0" marR="0" algn="r">
+              <a:lnSpc>
+                <a:spcPct val="100000"/>
+              </a:lnSpc>
+              <a:spcBef>
+                <a:spcPts val="0"/>
+              </a:spcBef>
+              <a:spcAft>
+                <a:spcPts val="0"/>
+              </a:spcAft>
+              <a:buClr>
+                <a:srgbClr val="000000"/>
+              </a:buClr>
+              <a:buSzPts val="1200"/>
+              <a:buFont typeface="Arial"/>
+              <a:buNone/>
+              <a:defRPr b="0" i="0" sz="1200" u="none" cap="none" strike="noStrike">
+                <a:solidFill>
+                  <a:srgbClr val="888888"/>
+                </a:solidFill>
+                <a:latin typeface="Calibri"/>
+                <a:ea typeface="Calibri"/>
+                <a:cs typeface="Calibri"/>
+                <a:sym typeface="Calibri"/>
+              </a:defRPr>
             </a:lvl1pPr>
-            <a:lvl2pPr indent="0" lvl="1" marL="0" algn="r">
-              <a:spcBef>
-                <a:spcPts val="0"/>
-              </a:spcBef>
-              <a:buNone/>
-              <a:defRPr/>
+            <a:lvl2pPr indent="0" lvl="1" marL="0" marR="0" algn="r">
+              <a:lnSpc>
+                <a:spcPct val="100000"/>
+              </a:lnSpc>
+              <a:spcBef>
+                <a:spcPts val="0"/>
+              </a:spcBef>
+              <a:spcAft>
+                <a:spcPts val="0"/>
+              </a:spcAft>
+              <a:buClr>
+                <a:srgbClr val="000000"/>
+              </a:buClr>
+              <a:buSzPts val="1200"/>
+              <a:buFont typeface="Arial"/>
+              <a:buNone/>
+              <a:defRPr b="0" i="0" sz="1200" u="none" cap="none" strike="noStrike">
+                <a:solidFill>
+                  <a:srgbClr val="888888"/>
+                </a:solidFill>
+                <a:latin typeface="Calibri"/>
+                <a:ea typeface="Calibri"/>
+                <a:cs typeface="Calibri"/>
+                <a:sym typeface="Calibri"/>
+              </a:defRPr>
             </a:lvl2pPr>
-            <a:lvl3pPr indent="0" lvl="2" marL="0" algn="r">
-              <a:spcBef>
-                <a:spcPts val="0"/>
-              </a:spcBef>
-              <a:buNone/>
-              <a:defRPr/>
+            <a:lvl3pPr indent="0" lvl="2" marL="0" marR="0" algn="r">
+              <a:lnSpc>
+                <a:spcPct val="100000"/>
+              </a:lnSpc>
+              <a:spcBef>
+                <a:spcPts val="0"/>
+              </a:spcBef>
+              <a:spcAft>
+                <a:spcPts val="0"/>
+              </a:spcAft>
+              <a:buClr>
+                <a:srgbClr val="000000"/>
+              </a:buClr>
+              <a:buSzPts val="1200"/>
+              <a:buFont typeface="Arial"/>
+              <a:buNone/>
+              <a:defRPr b="0" i="0" sz="1200" u="none" cap="none" strike="noStrike">
+                <a:solidFill>
+                  <a:srgbClr val="888888"/>
+                </a:solidFill>
+                <a:latin typeface="Calibri"/>
+                <a:ea typeface="Calibri"/>
+                <a:cs typeface="Calibri"/>
+                <a:sym typeface="Calibri"/>
+              </a:defRPr>
             </a:lvl3pPr>
-            <a:lvl4pPr indent="0" lvl="3" marL="0" algn="r">
-              <a:spcBef>
-                <a:spcPts val="0"/>
-              </a:spcBef>
-              <a:buNone/>
-              <a:defRPr/>
+            <a:lvl4pPr indent="0" lvl="3" marL="0" marR="0" algn="r">
+              <a:lnSpc>
+                <a:spcPct val="100000"/>
+              </a:lnSpc>
+              <a:spcBef>
+                <a:spcPts val="0"/>
+              </a:spcBef>
+              <a:spcAft>
+                <a:spcPts val="0"/>
+              </a:spcAft>
+              <a:buClr>
+                <a:srgbClr val="000000"/>
+              </a:buClr>
+              <a:buSzPts val="1200"/>
+              <a:buFont typeface="Arial"/>
+              <a:buNone/>
+              <a:defRPr b="0" i="0" sz="1200" u="none" cap="none" strike="noStrike">
+                <a:solidFill>
+                  <a:srgbClr val="888888"/>
+                </a:solidFill>
+                <a:latin typeface="Calibri"/>
+                <a:ea typeface="Calibri"/>
+                <a:cs typeface="Calibri"/>
+                <a:sym typeface="Calibri"/>
+              </a:defRPr>
             </a:lvl4pPr>
-            <a:lvl5pPr indent="0" lvl="4" marL="0" algn="r">
-              <a:spcBef>
-                <a:spcPts val="0"/>
-              </a:spcBef>
-              <a:buNone/>
-              <a:defRPr/>
+            <a:lvl5pPr indent="0" lvl="4" marL="0" marR="0" algn="r">
+              <a:lnSpc>
+                <a:spcPct val="100000"/>
+              </a:lnSpc>
+              <a:spcBef>
+                <a:spcPts val="0"/>
+              </a:spcBef>
+              <a:spcAft>
+                <a:spcPts val="0"/>
+              </a:spcAft>
+              <a:buClr>
+                <a:srgbClr val="000000"/>
+              </a:buClr>
+              <a:buSzPts val="1200"/>
+              <a:buFont typeface="Arial"/>
+              <a:buNone/>
+              <a:defRPr b="0" i="0" sz="1200" u="none" cap="none" strike="noStrike">
+                <a:solidFill>
+                  <a:srgbClr val="888888"/>
+                </a:solidFill>
+                <a:latin typeface="Calibri"/>
+                <a:ea typeface="Calibri"/>
+                <a:cs typeface="Calibri"/>
+                <a:sym typeface="Calibri"/>
+              </a:defRPr>
             </a:lvl5pPr>
-            <a:lvl6pPr indent="0" lvl="5" marL="0" algn="r">
-              <a:spcBef>
-                <a:spcPts val="0"/>
-              </a:spcBef>
-              <a:buNone/>
-              <a:defRPr/>
+            <a:lvl6pPr indent="0" lvl="5" marL="0" marR="0" algn="r">
+              <a:lnSpc>
+                <a:spcPct val="100000"/>
+              </a:lnSpc>
+              <a:spcBef>
+                <a:spcPts val="0"/>
+              </a:spcBef>
+              <a:spcAft>
+                <a:spcPts val="0"/>
+              </a:spcAft>
+              <a:buClr>
+                <a:srgbClr val="000000"/>
+              </a:buClr>
+              <a:buSzPts val="1200"/>
+              <a:buFont typeface="Arial"/>
+              <a:buNone/>
+              <a:defRPr b="0" i="0" sz="1200" u="none" cap="none" strike="noStrike">
+                <a:solidFill>
+                  <a:srgbClr val="888888"/>
+                </a:solidFill>
+                <a:latin typeface="Calibri"/>
+                <a:ea typeface="Calibri"/>
+                <a:cs typeface="Calibri"/>
+                <a:sym typeface="Calibri"/>
+              </a:defRPr>
             </a:lvl6pPr>
-            <a:lvl7pPr indent="0" lvl="6" marL="0" algn="r">
-              <a:spcBef>
-                <a:spcPts val="0"/>
-              </a:spcBef>
-              <a:buNone/>
-              <a:defRPr/>
+            <a:lvl7pPr indent="0" lvl="6" marL="0" marR="0" algn="r">
+              <a:lnSpc>
+                <a:spcPct val="100000"/>
+              </a:lnSpc>
+              <a:spcBef>
+                <a:spcPts val="0"/>
+              </a:spcBef>
+              <a:spcAft>
+                <a:spcPts val="0"/>
+              </a:spcAft>
+              <a:buClr>
+                <a:srgbClr val="000000"/>
+              </a:buClr>
+              <a:buSzPts val="1200"/>
+              <a:buFont typeface="Arial"/>
+              <a:buNone/>
+              <a:defRPr b="0" i="0" sz="1200" u="none" cap="none" strike="noStrike">
+                <a:solidFill>
+                  <a:srgbClr val="888888"/>
+                </a:solidFill>
+                <a:latin typeface="Calibri"/>
+                <a:ea typeface="Calibri"/>
+                <a:cs typeface="Calibri"/>
+                <a:sym typeface="Calibri"/>
+              </a:defRPr>
             </a:lvl7pPr>
-            <a:lvl8pPr indent="0" lvl="7" marL="0" algn="r">
-              <a:spcBef>
-                <a:spcPts val="0"/>
-              </a:spcBef>
-              <a:buNone/>
-              <a:defRPr/>
+            <a:lvl8pPr indent="0" lvl="7" marL="0" marR="0" algn="r">
+              <a:lnSpc>
+                <a:spcPct val="100000"/>
+              </a:lnSpc>
+              <a:spcBef>
+                <a:spcPts val="0"/>
+              </a:spcBef>
+              <a:spcAft>
+                <a:spcPts val="0"/>
+              </a:spcAft>
+              <a:buClr>
+                <a:srgbClr val="000000"/>
+              </a:buClr>
+              <a:buSzPts val="1200"/>
+              <a:buFont typeface="Arial"/>
+              <a:buNone/>
+              <a:defRPr b="0" i="0" sz="1200" u="none" cap="none" strike="noStrike">
+                <a:solidFill>
+                  <a:srgbClr val="888888"/>
+                </a:solidFill>
+                <a:latin typeface="Calibri"/>
+                <a:ea typeface="Calibri"/>
+                <a:cs typeface="Calibri"/>
+                <a:sym typeface="Calibri"/>
+              </a:defRPr>
             </a:lvl8pPr>
-            <a:lvl9pPr indent="0" lvl="8" marL="0" algn="r">
-              <a:spcBef>
-                <a:spcPts val="0"/>
-              </a:spcBef>
-              <a:buNone/>
-              <a:defRPr/>
+            <a:lvl9pPr indent="0" lvl="8" marL="0" marR="0" algn="r">
+              <a:lnSpc>
+                <a:spcPct val="100000"/>
+              </a:lnSpc>
+              <a:spcBef>
+                <a:spcPts val="0"/>
+              </a:spcBef>
+              <a:spcAft>
+                <a:spcPts val="0"/>
+              </a:spcAft>
+              <a:buClr>
+                <a:srgbClr val="000000"/>
+              </a:buClr>
+              <a:buSzPts val="1200"/>
+              <a:buFont typeface="Arial"/>
+              <a:buNone/>
+              <a:defRPr b="0" i="0" sz="1200" u="none" cap="none" strike="noStrike">
+                <a:solidFill>
+                  <a:srgbClr val="888888"/>
+                </a:solidFill>
+                <a:latin typeface="Calibri"/>
+                <a:ea typeface="Calibri"/>
+                <a:cs typeface="Calibri"/>
+                <a:sym typeface="Calibri"/>
+              </a:defRPr>
             </a:lvl9pPr>
           </a:lstStyle>
           <a:p>
@@ -5726,6 +7605,9 @@
           </a:bodyPr>
           <a:lstStyle>
             <a:lvl1pPr lvl="0" algn="ctr">
+              <a:lnSpc>
+                <a:spcPct val="100000"/>
+              </a:lnSpc>
               <a:spcBef>
                 <a:spcPts val="0"/>
               </a:spcBef>
@@ -5740,7 +7622,10 @@
               <a:buNone/>
               <a:defRPr/>
             </a:lvl1pPr>
-            <a:lvl2pPr lvl="1">
+            <a:lvl2pPr lvl="1" algn="l">
+              <a:lnSpc>
+                <a:spcPct val="100000"/>
+              </a:lnSpc>
               <a:spcBef>
                 <a:spcPts val="0"/>
               </a:spcBef>
@@ -5751,7 +7636,10 @@
               <a:buNone/>
               <a:defRPr/>
             </a:lvl2pPr>
-            <a:lvl3pPr lvl="2">
+            <a:lvl3pPr lvl="2" algn="l">
+              <a:lnSpc>
+                <a:spcPct val="100000"/>
+              </a:lnSpc>
               <a:spcBef>
                 <a:spcPts val="0"/>
               </a:spcBef>
@@ -5762,7 +7650,10 @@
               <a:buNone/>
               <a:defRPr/>
             </a:lvl3pPr>
-            <a:lvl4pPr lvl="3">
+            <a:lvl4pPr lvl="3" algn="l">
+              <a:lnSpc>
+                <a:spcPct val="100000"/>
+              </a:lnSpc>
               <a:spcBef>
                 <a:spcPts val="0"/>
               </a:spcBef>
@@ -5773,7 +7664,10 @@
               <a:buNone/>
               <a:defRPr/>
             </a:lvl4pPr>
-            <a:lvl5pPr lvl="4">
+            <a:lvl5pPr lvl="4" algn="l">
+              <a:lnSpc>
+                <a:spcPct val="100000"/>
+              </a:lnSpc>
               <a:spcBef>
                 <a:spcPts val="0"/>
               </a:spcBef>
@@ -5784,7 +7678,10 @@
               <a:buNone/>
               <a:defRPr/>
             </a:lvl5pPr>
-            <a:lvl6pPr lvl="5">
+            <a:lvl6pPr lvl="5" algn="l">
+              <a:lnSpc>
+                <a:spcPct val="100000"/>
+              </a:lnSpc>
               <a:spcBef>
                 <a:spcPts val="0"/>
               </a:spcBef>
@@ -5795,7 +7692,10 @@
               <a:buNone/>
               <a:defRPr/>
             </a:lvl6pPr>
-            <a:lvl7pPr lvl="6">
+            <a:lvl7pPr lvl="6" algn="l">
+              <a:lnSpc>
+                <a:spcPct val="100000"/>
+              </a:lnSpc>
               <a:spcBef>
                 <a:spcPts val="0"/>
               </a:spcBef>
@@ -5806,7 +7706,10 @@
               <a:buNone/>
               <a:defRPr/>
             </a:lvl7pPr>
-            <a:lvl8pPr lvl="7">
+            <a:lvl8pPr lvl="7" algn="l">
+              <a:lnSpc>
+                <a:spcPct val="100000"/>
+              </a:lnSpc>
               <a:spcBef>
                 <a:spcPts val="0"/>
               </a:spcBef>
@@ -5817,7 +7720,10 @@
               <a:buNone/>
               <a:defRPr/>
             </a:lvl8pPr>
-            <a:lvl9pPr lvl="8">
+            <a:lvl9pPr lvl="8" algn="l">
+              <a:lnSpc>
+                <a:spcPct val="100000"/>
+              </a:lnSpc>
               <a:spcBef>
                 <a:spcPts val="0"/>
               </a:spcBef>
@@ -5859,6 +7765,9 @@
           </a:bodyPr>
           <a:lstStyle>
             <a:lvl1pPr indent="-228600" lvl="0" marL="457200" algn="l">
+              <a:lnSpc>
+                <a:spcPct val="100000"/>
+              </a:lnSpc>
               <a:spcBef>
                 <a:spcPts val="480"/>
               </a:spcBef>
@@ -5873,6 +7782,9 @@
               <a:defRPr b="1" sz="2400"/>
             </a:lvl1pPr>
             <a:lvl2pPr indent="-228600" lvl="1" marL="914400" algn="l">
+              <a:lnSpc>
+                <a:spcPct val="100000"/>
+              </a:lnSpc>
               <a:spcBef>
                 <a:spcPts val="400"/>
               </a:spcBef>
@@ -5887,6 +7799,9 @@
               <a:defRPr b="1" sz="2000"/>
             </a:lvl2pPr>
             <a:lvl3pPr indent="-228600" lvl="2" marL="1371600" algn="l">
+              <a:lnSpc>
+                <a:spcPct val="100000"/>
+              </a:lnSpc>
               <a:spcBef>
                 <a:spcPts val="360"/>
               </a:spcBef>
@@ -5901,6 +7816,9 @@
               <a:defRPr b="1" sz="1800"/>
             </a:lvl3pPr>
             <a:lvl4pPr indent="-228600" lvl="3" marL="1828800" algn="l">
+              <a:lnSpc>
+                <a:spcPct val="100000"/>
+              </a:lnSpc>
               <a:spcBef>
                 <a:spcPts val="320"/>
               </a:spcBef>
@@ -5915,6 +7833,9 @@
               <a:defRPr b="1" sz="1600"/>
             </a:lvl4pPr>
             <a:lvl5pPr indent="-228600" lvl="4" marL="2286000" algn="l">
+              <a:lnSpc>
+                <a:spcPct val="100000"/>
+              </a:lnSpc>
               <a:spcBef>
                 <a:spcPts val="320"/>
               </a:spcBef>
@@ -5929,6 +7850,9 @@
               <a:defRPr b="1" sz="1600"/>
             </a:lvl5pPr>
             <a:lvl6pPr indent="-228600" lvl="5" marL="2743200" algn="l">
+              <a:lnSpc>
+                <a:spcPct val="100000"/>
+              </a:lnSpc>
               <a:spcBef>
                 <a:spcPts val="320"/>
               </a:spcBef>
@@ -5943,6 +7867,9 @@
               <a:defRPr b="1" sz="1600"/>
             </a:lvl6pPr>
             <a:lvl7pPr indent="-228600" lvl="6" marL="3200400" algn="l">
+              <a:lnSpc>
+                <a:spcPct val="100000"/>
+              </a:lnSpc>
               <a:spcBef>
                 <a:spcPts val="320"/>
               </a:spcBef>
@@ -5957,6 +7884,9 @@
               <a:defRPr b="1" sz="1600"/>
             </a:lvl7pPr>
             <a:lvl8pPr indent="-228600" lvl="7" marL="3657600" algn="l">
+              <a:lnSpc>
+                <a:spcPct val="100000"/>
+              </a:lnSpc>
               <a:spcBef>
                 <a:spcPts val="320"/>
               </a:spcBef>
@@ -5971,6 +7901,9 @@
               <a:defRPr b="1" sz="1600"/>
             </a:lvl8pPr>
             <a:lvl9pPr indent="-228600" lvl="8" marL="4114800" algn="l">
+              <a:lnSpc>
+                <a:spcPct val="100000"/>
+              </a:lnSpc>
               <a:spcBef>
                 <a:spcPts val="320"/>
               </a:spcBef>
@@ -6015,6 +7948,9 @@
           </a:bodyPr>
           <a:lstStyle>
             <a:lvl1pPr indent="-381000" lvl="0" marL="457200" algn="l">
+              <a:lnSpc>
+                <a:spcPct val="100000"/>
+              </a:lnSpc>
               <a:spcBef>
                 <a:spcPts val="480"/>
               </a:spcBef>
@@ -6029,6 +7965,9 @@
               <a:defRPr sz="2400"/>
             </a:lvl1pPr>
             <a:lvl2pPr indent="-355600" lvl="1" marL="914400" algn="l">
+              <a:lnSpc>
+                <a:spcPct val="100000"/>
+              </a:lnSpc>
               <a:spcBef>
                 <a:spcPts val="400"/>
               </a:spcBef>
@@ -6043,6 +7982,9 @@
               <a:defRPr sz="2000"/>
             </a:lvl2pPr>
             <a:lvl3pPr indent="-342900" lvl="2" marL="1371600" algn="l">
+              <a:lnSpc>
+                <a:spcPct val="100000"/>
+              </a:lnSpc>
               <a:spcBef>
                 <a:spcPts val="360"/>
               </a:spcBef>
@@ -6057,6 +7999,9 @@
               <a:defRPr sz="1800"/>
             </a:lvl3pPr>
             <a:lvl4pPr indent="-330200" lvl="3" marL="1828800" algn="l">
+              <a:lnSpc>
+                <a:spcPct val="100000"/>
+              </a:lnSpc>
               <a:spcBef>
                 <a:spcPts val="320"/>
               </a:spcBef>
@@ -6071,6 +8016,9 @@
               <a:defRPr sz="1600"/>
             </a:lvl4pPr>
             <a:lvl5pPr indent="-330200" lvl="4" marL="2286000" algn="l">
+              <a:lnSpc>
+                <a:spcPct val="100000"/>
+              </a:lnSpc>
               <a:spcBef>
                 <a:spcPts val="320"/>
               </a:spcBef>
@@ -6085,6 +8033,9 @@
               <a:defRPr sz="1600"/>
             </a:lvl5pPr>
             <a:lvl6pPr indent="-330200" lvl="5" marL="2743200" algn="l">
+              <a:lnSpc>
+                <a:spcPct val="100000"/>
+              </a:lnSpc>
               <a:spcBef>
                 <a:spcPts val="320"/>
               </a:spcBef>
@@ -6099,6 +8050,9 @@
               <a:defRPr sz="1600"/>
             </a:lvl6pPr>
             <a:lvl7pPr indent="-330200" lvl="6" marL="3200400" algn="l">
+              <a:lnSpc>
+                <a:spcPct val="100000"/>
+              </a:lnSpc>
               <a:spcBef>
                 <a:spcPts val="320"/>
               </a:spcBef>
@@ -6113,6 +8067,9 @@
               <a:defRPr sz="1600"/>
             </a:lvl7pPr>
             <a:lvl8pPr indent="-330200" lvl="7" marL="3657600" algn="l">
+              <a:lnSpc>
+                <a:spcPct val="100000"/>
+              </a:lnSpc>
               <a:spcBef>
                 <a:spcPts val="320"/>
               </a:spcBef>
@@ -6127,6 +8084,9 @@
               <a:defRPr sz="1600"/>
             </a:lvl8pPr>
             <a:lvl9pPr indent="-330200" lvl="8" marL="4114800" algn="l">
+              <a:lnSpc>
+                <a:spcPct val="100000"/>
+              </a:lnSpc>
               <a:spcBef>
                 <a:spcPts val="320"/>
               </a:spcBef>
@@ -6171,6 +8131,9 @@
           </a:bodyPr>
           <a:lstStyle>
             <a:lvl1pPr indent="-228600" lvl="0" marL="457200" algn="l">
+              <a:lnSpc>
+                <a:spcPct val="100000"/>
+              </a:lnSpc>
               <a:spcBef>
                 <a:spcPts val="480"/>
               </a:spcBef>
@@ -6185,6 +8148,9 @@
               <a:defRPr b="1" sz="2400"/>
             </a:lvl1pPr>
             <a:lvl2pPr indent="-228600" lvl="1" marL="914400" algn="l">
+              <a:lnSpc>
+                <a:spcPct val="100000"/>
+              </a:lnSpc>
               <a:spcBef>
                 <a:spcPts val="400"/>
               </a:spcBef>
@@ -6199,6 +8165,9 @@
               <a:defRPr b="1" sz="2000"/>
             </a:lvl2pPr>
             <a:lvl3pPr indent="-228600" lvl="2" marL="1371600" algn="l">
+              <a:lnSpc>
+                <a:spcPct val="100000"/>
+              </a:lnSpc>
               <a:spcBef>
                 <a:spcPts val="360"/>
               </a:spcBef>
@@ -6213,6 +8182,9 @@
               <a:defRPr b="1" sz="1800"/>
             </a:lvl3pPr>
             <a:lvl4pPr indent="-228600" lvl="3" marL="1828800" algn="l">
+              <a:lnSpc>
+                <a:spcPct val="100000"/>
+              </a:lnSpc>
               <a:spcBef>
                 <a:spcPts val="320"/>
               </a:spcBef>
@@ -6227,6 +8199,9 @@
               <a:defRPr b="1" sz="1600"/>
             </a:lvl4pPr>
             <a:lvl5pPr indent="-228600" lvl="4" marL="2286000" algn="l">
+              <a:lnSpc>
+                <a:spcPct val="100000"/>
+              </a:lnSpc>
               <a:spcBef>
                 <a:spcPts val="320"/>
               </a:spcBef>
@@ -6241,6 +8216,9 @@
               <a:defRPr b="1" sz="1600"/>
             </a:lvl5pPr>
             <a:lvl6pPr indent="-228600" lvl="5" marL="2743200" algn="l">
+              <a:lnSpc>
+                <a:spcPct val="100000"/>
+              </a:lnSpc>
               <a:spcBef>
                 <a:spcPts val="320"/>
               </a:spcBef>
@@ -6255,6 +8233,9 @@
               <a:defRPr b="1" sz="1600"/>
             </a:lvl6pPr>
             <a:lvl7pPr indent="-228600" lvl="6" marL="3200400" algn="l">
+              <a:lnSpc>
+                <a:spcPct val="100000"/>
+              </a:lnSpc>
               <a:spcBef>
                 <a:spcPts val="320"/>
               </a:spcBef>
@@ -6269,6 +8250,9 @@
               <a:defRPr b="1" sz="1600"/>
             </a:lvl7pPr>
             <a:lvl8pPr indent="-228600" lvl="7" marL="3657600" algn="l">
+              <a:lnSpc>
+                <a:spcPct val="100000"/>
+              </a:lnSpc>
               <a:spcBef>
                 <a:spcPts val="320"/>
               </a:spcBef>
@@ -6283,6 +8267,9 @@
               <a:defRPr b="1" sz="1600"/>
             </a:lvl8pPr>
             <a:lvl9pPr indent="-228600" lvl="8" marL="4114800" algn="l">
+              <a:lnSpc>
+                <a:spcPct val="100000"/>
+              </a:lnSpc>
               <a:spcBef>
                 <a:spcPts val="320"/>
               </a:spcBef>
@@ -6327,6 +8314,9 @@
           </a:bodyPr>
           <a:lstStyle>
             <a:lvl1pPr indent="-381000" lvl="0" marL="457200" algn="l">
+              <a:lnSpc>
+                <a:spcPct val="100000"/>
+              </a:lnSpc>
               <a:spcBef>
                 <a:spcPts val="480"/>
               </a:spcBef>
@@ -6341,6 +8331,9 @@
               <a:defRPr sz="2400"/>
             </a:lvl1pPr>
             <a:lvl2pPr indent="-355600" lvl="1" marL="914400" algn="l">
+              <a:lnSpc>
+                <a:spcPct val="100000"/>
+              </a:lnSpc>
               <a:spcBef>
                 <a:spcPts val="400"/>
               </a:spcBef>
@@ -6355,6 +8348,9 @@
               <a:defRPr sz="2000"/>
             </a:lvl2pPr>
             <a:lvl3pPr indent="-342900" lvl="2" marL="1371600" algn="l">
+              <a:lnSpc>
+                <a:spcPct val="100000"/>
+              </a:lnSpc>
               <a:spcBef>
                 <a:spcPts val="360"/>
               </a:spcBef>
@@ -6369,6 +8365,9 @@
               <a:defRPr sz="1800"/>
             </a:lvl3pPr>
             <a:lvl4pPr indent="-330200" lvl="3" marL="1828800" algn="l">
+              <a:lnSpc>
+                <a:spcPct val="100000"/>
+              </a:lnSpc>
               <a:spcBef>
                 <a:spcPts val="320"/>
               </a:spcBef>
@@ -6383,6 +8382,9 @@
               <a:defRPr sz="1600"/>
             </a:lvl4pPr>
             <a:lvl5pPr indent="-330200" lvl="4" marL="2286000" algn="l">
+              <a:lnSpc>
+                <a:spcPct val="100000"/>
+              </a:lnSpc>
               <a:spcBef>
                 <a:spcPts val="320"/>
               </a:spcBef>
@@ -6397,6 +8399,9 @@
               <a:defRPr sz="1600"/>
             </a:lvl5pPr>
             <a:lvl6pPr indent="-330200" lvl="5" marL="2743200" algn="l">
+              <a:lnSpc>
+                <a:spcPct val="100000"/>
+              </a:lnSpc>
               <a:spcBef>
                 <a:spcPts val="320"/>
               </a:spcBef>
@@ -6411,6 +8416,9 @@
               <a:defRPr sz="1600"/>
             </a:lvl6pPr>
             <a:lvl7pPr indent="-330200" lvl="6" marL="3200400" algn="l">
+              <a:lnSpc>
+                <a:spcPct val="100000"/>
+              </a:lnSpc>
               <a:spcBef>
                 <a:spcPts val="320"/>
               </a:spcBef>
@@ -6425,6 +8433,9 @@
               <a:defRPr sz="1600"/>
             </a:lvl7pPr>
             <a:lvl8pPr indent="-330200" lvl="7" marL="3657600" algn="l">
+              <a:lnSpc>
+                <a:spcPct val="100000"/>
+              </a:lnSpc>
               <a:spcBef>
                 <a:spcPts val="320"/>
               </a:spcBef>
@@ -6439,6 +8450,9 @@
               <a:defRPr sz="1600"/>
             </a:lvl8pPr>
             <a:lvl9pPr indent="-330200" lvl="8" marL="4114800" algn="l">
+              <a:lnSpc>
+                <a:spcPct val="100000"/>
+              </a:lnSpc>
               <a:spcBef>
                 <a:spcPts val="320"/>
               </a:spcBef>
@@ -6483,6 +8497,9 @@
           </a:bodyPr>
           <a:lstStyle>
             <a:lvl1pPr lvl="0" algn="l">
+              <a:lnSpc>
+                <a:spcPct val="100000"/>
+              </a:lnSpc>
               <a:spcBef>
                 <a:spcPts val="0"/>
               </a:spcBef>
@@ -6494,6 +8511,9 @@
               <a:defRPr/>
             </a:lvl1pPr>
             <a:lvl2pPr lvl="1" algn="l">
+              <a:lnSpc>
+                <a:spcPct val="100000"/>
+              </a:lnSpc>
               <a:spcBef>
                 <a:spcPts val="0"/>
               </a:spcBef>
@@ -6505,6 +8525,9 @@
               <a:defRPr/>
             </a:lvl2pPr>
             <a:lvl3pPr lvl="2" algn="l">
+              <a:lnSpc>
+                <a:spcPct val="100000"/>
+              </a:lnSpc>
               <a:spcBef>
                 <a:spcPts val="0"/>
               </a:spcBef>
@@ -6516,6 +8539,9 @@
               <a:defRPr/>
             </a:lvl3pPr>
             <a:lvl4pPr lvl="3" algn="l">
+              <a:lnSpc>
+                <a:spcPct val="100000"/>
+              </a:lnSpc>
               <a:spcBef>
                 <a:spcPts val="0"/>
               </a:spcBef>
@@ -6527,6 +8553,9 @@
               <a:defRPr/>
             </a:lvl4pPr>
             <a:lvl5pPr lvl="4" algn="l">
+              <a:lnSpc>
+                <a:spcPct val="100000"/>
+              </a:lnSpc>
               <a:spcBef>
                 <a:spcPts val="0"/>
               </a:spcBef>
@@ -6538,6 +8567,9 @@
               <a:defRPr/>
             </a:lvl5pPr>
             <a:lvl6pPr lvl="5" algn="l">
+              <a:lnSpc>
+                <a:spcPct val="100000"/>
+              </a:lnSpc>
               <a:spcBef>
                 <a:spcPts val="0"/>
               </a:spcBef>
@@ -6549,6 +8581,9 @@
               <a:defRPr/>
             </a:lvl6pPr>
             <a:lvl7pPr lvl="6" algn="l">
+              <a:lnSpc>
+                <a:spcPct val="100000"/>
+              </a:lnSpc>
               <a:spcBef>
                 <a:spcPts val="0"/>
               </a:spcBef>
@@ -6560,6 +8595,9 @@
               <a:defRPr/>
             </a:lvl7pPr>
             <a:lvl8pPr lvl="7" algn="l">
+              <a:lnSpc>
+                <a:spcPct val="100000"/>
+              </a:lnSpc>
               <a:spcBef>
                 <a:spcPts val="0"/>
               </a:spcBef>
@@ -6571,6 +8609,9 @@
               <a:defRPr/>
             </a:lvl8pPr>
             <a:lvl9pPr lvl="8" algn="l">
+              <a:lnSpc>
+                <a:spcPct val="100000"/>
+              </a:lnSpc>
               <a:spcBef>
                 <a:spcPts val="0"/>
               </a:spcBef>
@@ -6612,6 +8653,9 @@
           </a:bodyPr>
           <a:lstStyle>
             <a:lvl1pPr lvl="0" algn="ctr">
+              <a:lnSpc>
+                <a:spcPct val="100000"/>
+              </a:lnSpc>
               <a:spcBef>
                 <a:spcPts val="0"/>
               </a:spcBef>
@@ -6623,6 +8667,9 @@
               <a:defRPr/>
             </a:lvl1pPr>
             <a:lvl2pPr lvl="1" algn="l">
+              <a:lnSpc>
+                <a:spcPct val="100000"/>
+              </a:lnSpc>
               <a:spcBef>
                 <a:spcPts val="0"/>
               </a:spcBef>
@@ -6634,6 +8681,9 @@
               <a:defRPr/>
             </a:lvl2pPr>
             <a:lvl3pPr lvl="2" algn="l">
+              <a:lnSpc>
+                <a:spcPct val="100000"/>
+              </a:lnSpc>
               <a:spcBef>
                 <a:spcPts val="0"/>
               </a:spcBef>
@@ -6645,6 +8695,9 @@
               <a:defRPr/>
             </a:lvl3pPr>
             <a:lvl4pPr lvl="3" algn="l">
+              <a:lnSpc>
+                <a:spcPct val="100000"/>
+              </a:lnSpc>
               <a:spcBef>
                 <a:spcPts val="0"/>
               </a:spcBef>
@@ -6656,6 +8709,9 @@
               <a:defRPr/>
             </a:lvl4pPr>
             <a:lvl5pPr lvl="4" algn="l">
+              <a:lnSpc>
+                <a:spcPct val="100000"/>
+              </a:lnSpc>
               <a:spcBef>
                 <a:spcPts val="0"/>
               </a:spcBef>
@@ -6667,6 +8723,9 @@
               <a:defRPr/>
             </a:lvl5pPr>
             <a:lvl6pPr lvl="5" algn="l">
+              <a:lnSpc>
+                <a:spcPct val="100000"/>
+              </a:lnSpc>
               <a:spcBef>
                 <a:spcPts val="0"/>
               </a:spcBef>
@@ -6678,6 +8737,9 @@
               <a:defRPr/>
             </a:lvl6pPr>
             <a:lvl7pPr lvl="6" algn="l">
+              <a:lnSpc>
+                <a:spcPct val="100000"/>
+              </a:lnSpc>
               <a:spcBef>
                 <a:spcPts val="0"/>
               </a:spcBef>
@@ -6689,6 +8751,9 @@
               <a:defRPr/>
             </a:lvl7pPr>
             <a:lvl8pPr lvl="7" algn="l">
+              <a:lnSpc>
+                <a:spcPct val="100000"/>
+              </a:lnSpc>
               <a:spcBef>
                 <a:spcPts val="0"/>
               </a:spcBef>
@@ -6700,6 +8765,9 @@
               <a:defRPr/>
             </a:lvl8pPr>
             <a:lvl9pPr lvl="8" algn="l">
+              <a:lnSpc>
+                <a:spcPct val="100000"/>
+              </a:lnSpc>
               <a:spcBef>
                 <a:spcPts val="0"/>
               </a:spcBef>
@@ -6740,68 +8808,239 @@
             <a:noAutofit/>
           </a:bodyPr>
           <a:lstStyle>
-            <a:lvl1pPr indent="0" lvl="0" marL="0" algn="r">
-              <a:spcBef>
-                <a:spcPts val="0"/>
-              </a:spcBef>
-              <a:buNone/>
-              <a:defRPr/>
+            <a:lvl1pPr indent="0" lvl="0" marL="0" marR="0" algn="r">
+              <a:lnSpc>
+                <a:spcPct val="100000"/>
+              </a:lnSpc>
+              <a:spcBef>
+                <a:spcPts val="0"/>
+              </a:spcBef>
+              <a:spcAft>
+                <a:spcPts val="0"/>
+              </a:spcAft>
+              <a:buClr>
+                <a:srgbClr val="000000"/>
+              </a:buClr>
+              <a:buSzPts val="1200"/>
+              <a:buFont typeface="Arial"/>
+              <a:buNone/>
+              <a:defRPr b="0" i="0" sz="1200" u="none" cap="none" strike="noStrike">
+                <a:solidFill>
+                  <a:srgbClr val="888888"/>
+                </a:solidFill>
+                <a:latin typeface="Calibri"/>
+                <a:ea typeface="Calibri"/>
+                <a:cs typeface="Calibri"/>
+                <a:sym typeface="Calibri"/>
+              </a:defRPr>
             </a:lvl1pPr>
-            <a:lvl2pPr indent="0" lvl="1" marL="0" algn="r">
-              <a:spcBef>
-                <a:spcPts val="0"/>
-              </a:spcBef>
-              <a:buNone/>
-              <a:defRPr/>
+            <a:lvl2pPr indent="0" lvl="1" marL="0" marR="0" algn="r">
+              <a:lnSpc>
+                <a:spcPct val="100000"/>
+              </a:lnSpc>
+              <a:spcBef>
+                <a:spcPts val="0"/>
+              </a:spcBef>
+              <a:spcAft>
+                <a:spcPts val="0"/>
+              </a:spcAft>
+              <a:buClr>
+                <a:srgbClr val="000000"/>
+              </a:buClr>
+              <a:buSzPts val="1200"/>
+              <a:buFont typeface="Arial"/>
+              <a:buNone/>
+              <a:defRPr b="0" i="0" sz="1200" u="none" cap="none" strike="noStrike">
+                <a:solidFill>
+                  <a:srgbClr val="888888"/>
+                </a:solidFill>
+                <a:latin typeface="Calibri"/>
+                <a:ea typeface="Calibri"/>
+                <a:cs typeface="Calibri"/>
+                <a:sym typeface="Calibri"/>
+              </a:defRPr>
             </a:lvl2pPr>
-            <a:lvl3pPr indent="0" lvl="2" marL="0" algn="r">
-              <a:spcBef>
-                <a:spcPts val="0"/>
-              </a:spcBef>
-              <a:buNone/>
-              <a:defRPr/>
+            <a:lvl3pPr indent="0" lvl="2" marL="0" marR="0" algn="r">
+              <a:lnSpc>
+                <a:spcPct val="100000"/>
+              </a:lnSpc>
+              <a:spcBef>
+                <a:spcPts val="0"/>
+              </a:spcBef>
+              <a:spcAft>
+                <a:spcPts val="0"/>
+              </a:spcAft>
+              <a:buClr>
+                <a:srgbClr val="000000"/>
+              </a:buClr>
+              <a:buSzPts val="1200"/>
+              <a:buFont typeface="Arial"/>
+              <a:buNone/>
+              <a:defRPr b="0" i="0" sz="1200" u="none" cap="none" strike="noStrike">
+                <a:solidFill>
+                  <a:srgbClr val="888888"/>
+                </a:solidFill>
+                <a:latin typeface="Calibri"/>
+                <a:ea typeface="Calibri"/>
+                <a:cs typeface="Calibri"/>
+                <a:sym typeface="Calibri"/>
+              </a:defRPr>
             </a:lvl3pPr>
-            <a:lvl4pPr indent="0" lvl="3" marL="0" algn="r">
-              <a:spcBef>
-                <a:spcPts val="0"/>
-              </a:spcBef>
-              <a:buNone/>
-              <a:defRPr/>
+            <a:lvl4pPr indent="0" lvl="3" marL="0" marR="0" algn="r">
+              <a:lnSpc>
+                <a:spcPct val="100000"/>
+              </a:lnSpc>
+              <a:spcBef>
+                <a:spcPts val="0"/>
+              </a:spcBef>
+              <a:spcAft>
+                <a:spcPts val="0"/>
+              </a:spcAft>
+              <a:buClr>
+                <a:srgbClr val="000000"/>
+              </a:buClr>
+              <a:buSzPts val="1200"/>
+              <a:buFont typeface="Arial"/>
+              <a:buNone/>
+              <a:defRPr b="0" i="0" sz="1200" u="none" cap="none" strike="noStrike">
+                <a:solidFill>
+                  <a:srgbClr val="888888"/>
+                </a:solidFill>
+                <a:latin typeface="Calibri"/>
+                <a:ea typeface="Calibri"/>
+                <a:cs typeface="Calibri"/>
+                <a:sym typeface="Calibri"/>
+              </a:defRPr>
             </a:lvl4pPr>
-            <a:lvl5pPr indent="0" lvl="4" marL="0" algn="r">
-              <a:spcBef>
-                <a:spcPts val="0"/>
-              </a:spcBef>
-              <a:buNone/>
-              <a:defRPr/>
+            <a:lvl5pPr indent="0" lvl="4" marL="0" marR="0" algn="r">
+              <a:lnSpc>
+                <a:spcPct val="100000"/>
+              </a:lnSpc>
+              <a:spcBef>
+                <a:spcPts val="0"/>
+              </a:spcBef>
+              <a:spcAft>
+                <a:spcPts val="0"/>
+              </a:spcAft>
+              <a:buClr>
+                <a:srgbClr val="000000"/>
+              </a:buClr>
+              <a:buSzPts val="1200"/>
+              <a:buFont typeface="Arial"/>
+              <a:buNone/>
+              <a:defRPr b="0" i="0" sz="1200" u="none" cap="none" strike="noStrike">
+                <a:solidFill>
+                  <a:srgbClr val="888888"/>
+                </a:solidFill>
+                <a:latin typeface="Calibri"/>
+                <a:ea typeface="Calibri"/>
+                <a:cs typeface="Calibri"/>
+                <a:sym typeface="Calibri"/>
+              </a:defRPr>
             </a:lvl5pPr>
-            <a:lvl6pPr indent="0" lvl="5" marL="0" algn="r">
-              <a:spcBef>
-                <a:spcPts val="0"/>
-              </a:spcBef>
-              <a:buNone/>
-              <a:defRPr/>
+            <a:lvl6pPr indent="0" lvl="5" marL="0" marR="0" algn="r">
+              <a:lnSpc>
+                <a:spcPct val="100000"/>
+              </a:lnSpc>
+              <a:spcBef>
+                <a:spcPts val="0"/>
+              </a:spcBef>
+              <a:spcAft>
+                <a:spcPts val="0"/>
+              </a:spcAft>
+              <a:buClr>
+                <a:srgbClr val="000000"/>
+              </a:buClr>
+              <a:buSzPts val="1200"/>
+              <a:buFont typeface="Arial"/>
+              <a:buNone/>
+              <a:defRPr b="0" i="0" sz="1200" u="none" cap="none" strike="noStrike">
+                <a:solidFill>
+                  <a:srgbClr val="888888"/>
+                </a:solidFill>
+                <a:latin typeface="Calibri"/>
+                <a:ea typeface="Calibri"/>
+                <a:cs typeface="Calibri"/>
+                <a:sym typeface="Calibri"/>
+              </a:defRPr>
             </a:lvl6pPr>
-            <a:lvl7pPr indent="0" lvl="6" marL="0" algn="r">
-              <a:spcBef>
-                <a:spcPts val="0"/>
-              </a:spcBef>
-              <a:buNone/>
-              <a:defRPr/>
+            <a:lvl7pPr indent="0" lvl="6" marL="0" marR="0" algn="r">
+              <a:lnSpc>
+                <a:spcPct val="100000"/>
+              </a:lnSpc>
+              <a:spcBef>
+                <a:spcPts val="0"/>
+              </a:spcBef>
+              <a:spcAft>
+                <a:spcPts val="0"/>
+              </a:spcAft>
+              <a:buClr>
+                <a:srgbClr val="000000"/>
+              </a:buClr>
+              <a:buSzPts val="1200"/>
+              <a:buFont typeface="Arial"/>
+              <a:buNone/>
+              <a:defRPr b="0" i="0" sz="1200" u="none" cap="none" strike="noStrike">
+                <a:solidFill>
+                  <a:srgbClr val="888888"/>
+                </a:solidFill>
+                <a:latin typeface="Calibri"/>
+                <a:ea typeface="Calibri"/>
+                <a:cs typeface="Calibri"/>
+                <a:sym typeface="Calibri"/>
+              </a:defRPr>
             </a:lvl7pPr>
-            <a:lvl8pPr indent="0" lvl="7" marL="0" algn="r">
-              <a:spcBef>
-                <a:spcPts val="0"/>
-              </a:spcBef>
-              <a:buNone/>
-              <a:defRPr/>
+            <a:lvl8pPr indent="0" lvl="7" marL="0" marR="0" algn="r">
+              <a:lnSpc>
+                <a:spcPct val="100000"/>
+              </a:lnSpc>
+              <a:spcBef>
+                <a:spcPts val="0"/>
+              </a:spcBef>
+              <a:spcAft>
+                <a:spcPts val="0"/>
+              </a:spcAft>
+              <a:buClr>
+                <a:srgbClr val="000000"/>
+              </a:buClr>
+              <a:buSzPts val="1200"/>
+              <a:buFont typeface="Arial"/>
+              <a:buNone/>
+              <a:defRPr b="0" i="0" sz="1200" u="none" cap="none" strike="noStrike">
+                <a:solidFill>
+                  <a:srgbClr val="888888"/>
+                </a:solidFill>
+                <a:latin typeface="Calibri"/>
+                <a:ea typeface="Calibri"/>
+                <a:cs typeface="Calibri"/>
+                <a:sym typeface="Calibri"/>
+              </a:defRPr>
             </a:lvl8pPr>
-            <a:lvl9pPr indent="0" lvl="8" marL="0" algn="r">
-              <a:spcBef>
-                <a:spcPts val="0"/>
-              </a:spcBef>
-              <a:buNone/>
-              <a:defRPr/>
+            <a:lvl9pPr indent="0" lvl="8" marL="0" marR="0" algn="r">
+              <a:lnSpc>
+                <a:spcPct val="100000"/>
+              </a:lnSpc>
+              <a:spcBef>
+                <a:spcPts val="0"/>
+              </a:spcBef>
+              <a:spcAft>
+                <a:spcPts val="0"/>
+              </a:spcAft>
+              <a:buClr>
+                <a:srgbClr val="000000"/>
+              </a:buClr>
+              <a:buSzPts val="1200"/>
+              <a:buFont typeface="Arial"/>
+              <a:buNone/>
+              <a:defRPr b="0" i="0" sz="1200" u="none" cap="none" strike="noStrike">
+                <a:solidFill>
+                  <a:srgbClr val="888888"/>
+                </a:solidFill>
+                <a:latin typeface="Calibri"/>
+                <a:ea typeface="Calibri"/>
+                <a:cs typeface="Calibri"/>
+                <a:sym typeface="Calibri"/>
+              </a:defRPr>
             </a:lvl9pPr>
           </a:lstStyle>
           <a:p>
@@ -6874,6 +9113,9 @@
           </a:bodyPr>
           <a:lstStyle>
             <a:lvl1pPr lvl="0" algn="ctr">
+              <a:lnSpc>
+                <a:spcPct val="100000"/>
+              </a:lnSpc>
               <a:spcBef>
                 <a:spcPts val="0"/>
               </a:spcBef>
@@ -6887,7 +9129,10 @@
               <a:buNone/>
               <a:defRPr/>
             </a:lvl1pPr>
-            <a:lvl2pPr lvl="1">
+            <a:lvl2pPr lvl="1" algn="l">
+              <a:lnSpc>
+                <a:spcPct val="100000"/>
+              </a:lnSpc>
               <a:spcBef>
                 <a:spcPts val="0"/>
               </a:spcBef>
@@ -6898,7 +9143,10 @@
               <a:buNone/>
               <a:defRPr/>
             </a:lvl2pPr>
-            <a:lvl3pPr lvl="2">
+            <a:lvl3pPr lvl="2" algn="l">
+              <a:lnSpc>
+                <a:spcPct val="100000"/>
+              </a:lnSpc>
               <a:spcBef>
                 <a:spcPts val="0"/>
               </a:spcBef>
@@ -6909,7 +9157,10 @@
               <a:buNone/>
               <a:defRPr/>
             </a:lvl3pPr>
-            <a:lvl4pPr lvl="3">
+            <a:lvl4pPr lvl="3" algn="l">
+              <a:lnSpc>
+                <a:spcPct val="100000"/>
+              </a:lnSpc>
               <a:spcBef>
                 <a:spcPts val="0"/>
               </a:spcBef>
@@ -6920,7 +9171,10 @@
               <a:buNone/>
               <a:defRPr/>
             </a:lvl4pPr>
-            <a:lvl5pPr lvl="4">
+            <a:lvl5pPr lvl="4" algn="l">
+              <a:lnSpc>
+                <a:spcPct val="100000"/>
+              </a:lnSpc>
               <a:spcBef>
                 <a:spcPts val="0"/>
               </a:spcBef>
@@ -6931,7 +9185,10 @@
               <a:buNone/>
               <a:defRPr/>
             </a:lvl5pPr>
-            <a:lvl6pPr lvl="5">
+            <a:lvl6pPr lvl="5" algn="l">
+              <a:lnSpc>
+                <a:spcPct val="100000"/>
+              </a:lnSpc>
               <a:spcBef>
                 <a:spcPts val="0"/>
               </a:spcBef>
@@ -6942,7 +9199,10 @@
               <a:buNone/>
               <a:defRPr/>
             </a:lvl6pPr>
-            <a:lvl7pPr lvl="6">
+            <a:lvl7pPr lvl="6" algn="l">
+              <a:lnSpc>
+                <a:spcPct val="100000"/>
+              </a:lnSpc>
               <a:spcBef>
                 <a:spcPts val="0"/>
               </a:spcBef>
@@ -6953,7 +9213,10 @@
               <a:buNone/>
               <a:defRPr/>
             </a:lvl7pPr>
-            <a:lvl8pPr lvl="7">
+            <a:lvl8pPr lvl="7" algn="l">
+              <a:lnSpc>
+                <a:spcPct val="100000"/>
+              </a:lnSpc>
               <a:spcBef>
                 <a:spcPts val="0"/>
               </a:spcBef>
@@ -6964,7 +9227,10 @@
               <a:buNone/>
               <a:defRPr/>
             </a:lvl8pPr>
-            <a:lvl9pPr lvl="8">
+            <a:lvl9pPr lvl="8" algn="l">
+              <a:lnSpc>
+                <a:spcPct val="100000"/>
+              </a:lnSpc>
               <a:spcBef>
                 <a:spcPts val="0"/>
               </a:spcBef>
@@ -7006,6 +9272,9 @@
           </a:bodyPr>
           <a:lstStyle>
             <a:lvl1pPr lvl="0" algn="l">
+              <a:lnSpc>
+                <a:spcPct val="100000"/>
+              </a:lnSpc>
               <a:spcBef>
                 <a:spcPts val="0"/>
               </a:spcBef>
@@ -7017,6 +9286,9 @@
               <a:defRPr/>
             </a:lvl1pPr>
             <a:lvl2pPr lvl="1" algn="l">
+              <a:lnSpc>
+                <a:spcPct val="100000"/>
+              </a:lnSpc>
               <a:spcBef>
                 <a:spcPts val="0"/>
               </a:spcBef>
@@ -7028,6 +9300,9 @@
               <a:defRPr/>
             </a:lvl2pPr>
             <a:lvl3pPr lvl="2" algn="l">
+              <a:lnSpc>
+                <a:spcPct val="100000"/>
+              </a:lnSpc>
               <a:spcBef>
                 <a:spcPts val="0"/>
               </a:spcBef>
@@ -7039,6 +9314,9 @@
               <a:defRPr/>
             </a:lvl3pPr>
             <a:lvl4pPr lvl="3" algn="l">
+              <a:lnSpc>
+                <a:spcPct val="100000"/>
+              </a:lnSpc>
               <a:spcBef>
                 <a:spcPts val="0"/>
               </a:spcBef>
@@ -7050,6 +9328,9 @@
               <a:defRPr/>
             </a:lvl4pPr>
             <a:lvl5pPr lvl="4" algn="l">
+              <a:lnSpc>
+                <a:spcPct val="100000"/>
+              </a:lnSpc>
               <a:spcBef>
                 <a:spcPts val="0"/>
               </a:spcBef>
@@ -7061,6 +9342,9 @@
               <a:defRPr/>
             </a:lvl5pPr>
             <a:lvl6pPr lvl="5" algn="l">
+              <a:lnSpc>
+                <a:spcPct val="100000"/>
+              </a:lnSpc>
               <a:spcBef>
                 <a:spcPts val="0"/>
               </a:spcBef>
@@ -7072,6 +9356,9 @@
               <a:defRPr/>
             </a:lvl6pPr>
             <a:lvl7pPr lvl="6" algn="l">
+              <a:lnSpc>
+                <a:spcPct val="100000"/>
+              </a:lnSpc>
               <a:spcBef>
                 <a:spcPts val="0"/>
               </a:spcBef>
@@ -7083,6 +9370,9 @@
               <a:defRPr/>
             </a:lvl7pPr>
             <a:lvl8pPr lvl="7" algn="l">
+              <a:lnSpc>
+                <a:spcPct val="100000"/>
+              </a:lnSpc>
               <a:spcBef>
                 <a:spcPts val="0"/>
               </a:spcBef>
@@ -7094,6 +9384,9 @@
               <a:defRPr/>
             </a:lvl8pPr>
             <a:lvl9pPr lvl="8" algn="l">
+              <a:lnSpc>
+                <a:spcPct val="100000"/>
+              </a:lnSpc>
               <a:spcBef>
                 <a:spcPts val="0"/>
               </a:spcBef>
@@ -7135,6 +9428,9 @@
           </a:bodyPr>
           <a:lstStyle>
             <a:lvl1pPr lvl="0" algn="ctr">
+              <a:lnSpc>
+                <a:spcPct val="100000"/>
+              </a:lnSpc>
               <a:spcBef>
                 <a:spcPts val="0"/>
               </a:spcBef>
@@ -7146,6 +9442,9 @@
               <a:defRPr/>
             </a:lvl1pPr>
             <a:lvl2pPr lvl="1" algn="l">
+              <a:lnSpc>
+                <a:spcPct val="100000"/>
+              </a:lnSpc>
               <a:spcBef>
                 <a:spcPts val="0"/>
               </a:spcBef>
@@ -7157,6 +9456,9 @@
               <a:defRPr/>
             </a:lvl2pPr>
             <a:lvl3pPr lvl="2" algn="l">
+              <a:lnSpc>
+                <a:spcPct val="100000"/>
+              </a:lnSpc>
               <a:spcBef>
                 <a:spcPts val="0"/>
               </a:spcBef>
@@ -7168,6 +9470,9 @@
               <a:defRPr/>
             </a:lvl3pPr>
             <a:lvl4pPr lvl="3" algn="l">
+              <a:lnSpc>
+                <a:spcPct val="100000"/>
+              </a:lnSpc>
               <a:spcBef>
                 <a:spcPts val="0"/>
               </a:spcBef>
@@ -7179,6 +9484,9 @@
               <a:defRPr/>
             </a:lvl4pPr>
             <a:lvl5pPr lvl="4" algn="l">
+              <a:lnSpc>
+                <a:spcPct val="100000"/>
+              </a:lnSpc>
               <a:spcBef>
                 <a:spcPts val="0"/>
               </a:spcBef>
@@ -7190,6 +9498,9 @@
               <a:defRPr/>
             </a:lvl5pPr>
             <a:lvl6pPr lvl="5" algn="l">
+              <a:lnSpc>
+                <a:spcPct val="100000"/>
+              </a:lnSpc>
               <a:spcBef>
                 <a:spcPts val="0"/>
               </a:spcBef>
@@ -7201,6 +9512,9 @@
               <a:defRPr/>
             </a:lvl6pPr>
             <a:lvl7pPr lvl="6" algn="l">
+              <a:lnSpc>
+                <a:spcPct val="100000"/>
+              </a:lnSpc>
               <a:spcBef>
                 <a:spcPts val="0"/>
               </a:spcBef>
@@ -7212,6 +9526,9 @@
               <a:defRPr/>
             </a:lvl7pPr>
             <a:lvl8pPr lvl="7" algn="l">
+              <a:lnSpc>
+                <a:spcPct val="100000"/>
+              </a:lnSpc>
               <a:spcBef>
                 <a:spcPts val="0"/>
               </a:spcBef>
@@ -7223,6 +9540,9 @@
               <a:defRPr/>
             </a:lvl8pPr>
             <a:lvl9pPr lvl="8" algn="l">
+              <a:lnSpc>
+                <a:spcPct val="100000"/>
+              </a:lnSpc>
               <a:spcBef>
                 <a:spcPts val="0"/>
               </a:spcBef>
@@ -7263,68 +9583,239 @@
             <a:noAutofit/>
           </a:bodyPr>
           <a:lstStyle>
-            <a:lvl1pPr indent="0" lvl="0" marL="0" algn="r">
-              <a:spcBef>
-                <a:spcPts val="0"/>
-              </a:spcBef>
-              <a:buNone/>
-              <a:defRPr/>
+            <a:lvl1pPr indent="0" lvl="0" marL="0" marR="0" algn="r">
+              <a:lnSpc>
+                <a:spcPct val="100000"/>
+              </a:lnSpc>
+              <a:spcBef>
+                <a:spcPts val="0"/>
+              </a:spcBef>
+              <a:spcAft>
+                <a:spcPts val="0"/>
+              </a:spcAft>
+              <a:buClr>
+                <a:srgbClr val="000000"/>
+              </a:buClr>
+              <a:buSzPts val="1200"/>
+              <a:buFont typeface="Arial"/>
+              <a:buNone/>
+              <a:defRPr b="0" i="0" sz="1200" u="none" cap="none" strike="noStrike">
+                <a:solidFill>
+                  <a:srgbClr val="888888"/>
+                </a:solidFill>
+                <a:latin typeface="Calibri"/>
+                <a:ea typeface="Calibri"/>
+                <a:cs typeface="Calibri"/>
+                <a:sym typeface="Calibri"/>
+              </a:defRPr>
             </a:lvl1pPr>
-            <a:lvl2pPr indent="0" lvl="1" marL="0" algn="r">
-              <a:spcBef>
-                <a:spcPts val="0"/>
-              </a:spcBef>
-              <a:buNone/>
-              <a:defRPr/>
+            <a:lvl2pPr indent="0" lvl="1" marL="0" marR="0" algn="r">
+              <a:lnSpc>
+                <a:spcPct val="100000"/>
+              </a:lnSpc>
+              <a:spcBef>
+                <a:spcPts val="0"/>
+              </a:spcBef>
+              <a:spcAft>
+                <a:spcPts val="0"/>
+              </a:spcAft>
+              <a:buClr>
+                <a:srgbClr val="000000"/>
+              </a:buClr>
+              <a:buSzPts val="1200"/>
+              <a:buFont typeface="Arial"/>
+              <a:buNone/>
+              <a:defRPr b="0" i="0" sz="1200" u="none" cap="none" strike="noStrike">
+                <a:solidFill>
+                  <a:srgbClr val="888888"/>
+                </a:solidFill>
+                <a:latin typeface="Calibri"/>
+                <a:ea typeface="Calibri"/>
+                <a:cs typeface="Calibri"/>
+                <a:sym typeface="Calibri"/>
+              </a:defRPr>
             </a:lvl2pPr>
-            <a:lvl3pPr indent="0" lvl="2" marL="0" algn="r">
-              <a:spcBef>
-                <a:spcPts val="0"/>
-              </a:spcBef>
-              <a:buNone/>
-              <a:defRPr/>
+            <a:lvl3pPr indent="0" lvl="2" marL="0" marR="0" algn="r">
+              <a:lnSpc>
+                <a:spcPct val="100000"/>
+              </a:lnSpc>
+              <a:spcBef>
+                <a:spcPts val="0"/>
+              </a:spcBef>
+              <a:spcAft>
+                <a:spcPts val="0"/>
+              </a:spcAft>
+              <a:buClr>
+                <a:srgbClr val="000000"/>
+              </a:buClr>
+              <a:buSzPts val="1200"/>
+              <a:buFont typeface="Arial"/>
+              <a:buNone/>
+              <a:defRPr b="0" i="0" sz="1200" u="none" cap="none" strike="noStrike">
+                <a:solidFill>
+                  <a:srgbClr val="888888"/>
+                </a:solidFill>
+                <a:latin typeface="Calibri"/>
+                <a:ea typeface="Calibri"/>
+                <a:cs typeface="Calibri"/>
+                <a:sym typeface="Calibri"/>
+              </a:defRPr>
             </a:lvl3pPr>
-            <a:lvl4pPr indent="0" lvl="3" marL="0" algn="r">
-              <a:spcBef>
-                <a:spcPts val="0"/>
-              </a:spcBef>
-              <a:buNone/>
-              <a:defRPr/>
+            <a:lvl4pPr indent="0" lvl="3" marL="0" marR="0" algn="r">
+              <a:lnSpc>
+                <a:spcPct val="100000"/>
+              </a:lnSpc>
+              <a:spcBef>
+                <a:spcPts val="0"/>
+              </a:spcBef>
+              <a:spcAft>
+                <a:spcPts val="0"/>
+              </a:spcAft>
+              <a:buClr>
+                <a:srgbClr val="000000"/>
+              </a:buClr>
+              <a:buSzPts val="1200"/>
+              <a:buFont typeface="Arial"/>
+              <a:buNone/>
+              <a:defRPr b="0" i="0" sz="1200" u="none" cap="none" strike="noStrike">
+                <a:solidFill>
+                  <a:srgbClr val="888888"/>
+                </a:solidFill>
+                <a:latin typeface="Calibri"/>
+                <a:ea typeface="Calibri"/>
+                <a:cs typeface="Calibri"/>
+                <a:sym typeface="Calibri"/>
+              </a:defRPr>
             </a:lvl4pPr>
-            <a:lvl5pPr indent="0" lvl="4" marL="0" algn="r">
-              <a:spcBef>
-                <a:spcPts val="0"/>
-              </a:spcBef>
-              <a:buNone/>
-              <a:defRPr/>
+            <a:lvl5pPr indent="0" lvl="4" marL="0" marR="0" algn="r">
+              <a:lnSpc>
+                <a:spcPct val="100000"/>
+              </a:lnSpc>
+              <a:spcBef>
+                <a:spcPts val="0"/>
+              </a:spcBef>
+              <a:spcAft>
+                <a:spcPts val="0"/>
+              </a:spcAft>
+              <a:buClr>
+                <a:srgbClr val="000000"/>
+              </a:buClr>
+              <a:buSzPts val="1200"/>
+              <a:buFont typeface="Arial"/>
+              <a:buNone/>
+              <a:defRPr b="0" i="0" sz="1200" u="none" cap="none" strike="noStrike">
+                <a:solidFill>
+                  <a:srgbClr val="888888"/>
+                </a:solidFill>
+                <a:latin typeface="Calibri"/>
+                <a:ea typeface="Calibri"/>
+                <a:cs typeface="Calibri"/>
+                <a:sym typeface="Calibri"/>
+              </a:defRPr>
             </a:lvl5pPr>
-            <a:lvl6pPr indent="0" lvl="5" marL="0" algn="r">
-              <a:spcBef>
-                <a:spcPts val="0"/>
-              </a:spcBef>
-              <a:buNone/>
-              <a:defRPr/>
+            <a:lvl6pPr indent="0" lvl="5" marL="0" marR="0" algn="r">
+              <a:lnSpc>
+                <a:spcPct val="100000"/>
+              </a:lnSpc>
+              <a:spcBef>
+                <a:spcPts val="0"/>
+              </a:spcBef>
+              <a:spcAft>
+                <a:spcPts val="0"/>
+              </a:spcAft>
+              <a:buClr>
+                <a:srgbClr val="000000"/>
+              </a:buClr>
+              <a:buSzPts val="1200"/>
+              <a:buFont typeface="Arial"/>
+              <a:buNone/>
+              <a:defRPr b="0" i="0" sz="1200" u="none" cap="none" strike="noStrike">
+                <a:solidFill>
+                  <a:srgbClr val="888888"/>
+                </a:solidFill>
+                <a:latin typeface="Calibri"/>
+                <a:ea typeface="Calibri"/>
+                <a:cs typeface="Calibri"/>
+                <a:sym typeface="Calibri"/>
+              </a:defRPr>
             </a:lvl6pPr>
-            <a:lvl7pPr indent="0" lvl="6" marL="0" algn="r">
-              <a:spcBef>
-                <a:spcPts val="0"/>
-              </a:spcBef>
-              <a:buNone/>
-              <a:defRPr/>
+            <a:lvl7pPr indent="0" lvl="6" marL="0" marR="0" algn="r">
+              <a:lnSpc>
+                <a:spcPct val="100000"/>
+              </a:lnSpc>
+              <a:spcBef>
+                <a:spcPts val="0"/>
+              </a:spcBef>
+              <a:spcAft>
+                <a:spcPts val="0"/>
+              </a:spcAft>
+              <a:buClr>
+                <a:srgbClr val="000000"/>
+              </a:buClr>
+              <a:buSzPts val="1200"/>
+              <a:buFont typeface="Arial"/>
+              <a:buNone/>
+              <a:defRPr b="0" i="0" sz="1200" u="none" cap="none" strike="noStrike">
+                <a:solidFill>
+                  <a:srgbClr val="888888"/>
+                </a:solidFill>
+                <a:latin typeface="Calibri"/>
+                <a:ea typeface="Calibri"/>
+                <a:cs typeface="Calibri"/>
+                <a:sym typeface="Calibri"/>
+              </a:defRPr>
             </a:lvl7pPr>
-            <a:lvl8pPr indent="0" lvl="7" marL="0" algn="r">
-              <a:spcBef>
-                <a:spcPts val="0"/>
-              </a:spcBef>
-              <a:buNone/>
-              <a:defRPr/>
+            <a:lvl8pPr indent="0" lvl="7" marL="0" marR="0" algn="r">
+              <a:lnSpc>
+                <a:spcPct val="100000"/>
+              </a:lnSpc>
+              <a:spcBef>
+                <a:spcPts val="0"/>
+              </a:spcBef>
+              <a:spcAft>
+                <a:spcPts val="0"/>
+              </a:spcAft>
+              <a:buClr>
+                <a:srgbClr val="000000"/>
+              </a:buClr>
+              <a:buSzPts val="1200"/>
+              <a:buFont typeface="Arial"/>
+              <a:buNone/>
+              <a:defRPr b="0" i="0" sz="1200" u="none" cap="none" strike="noStrike">
+                <a:solidFill>
+                  <a:srgbClr val="888888"/>
+                </a:solidFill>
+                <a:latin typeface="Calibri"/>
+                <a:ea typeface="Calibri"/>
+                <a:cs typeface="Calibri"/>
+                <a:sym typeface="Calibri"/>
+              </a:defRPr>
             </a:lvl8pPr>
-            <a:lvl9pPr indent="0" lvl="8" marL="0" algn="r">
-              <a:spcBef>
-                <a:spcPts val="0"/>
-              </a:spcBef>
-              <a:buNone/>
-              <a:defRPr/>
+            <a:lvl9pPr indent="0" lvl="8" marL="0" marR="0" algn="r">
+              <a:lnSpc>
+                <a:spcPct val="100000"/>
+              </a:lnSpc>
+              <a:spcBef>
+                <a:spcPts val="0"/>
+              </a:spcBef>
+              <a:spcAft>
+                <a:spcPts val="0"/>
+              </a:spcAft>
+              <a:buClr>
+                <a:srgbClr val="000000"/>
+              </a:buClr>
+              <a:buSzPts val="1200"/>
+              <a:buFont typeface="Arial"/>
+              <a:buNone/>
+              <a:defRPr b="0" i="0" sz="1200" u="none" cap="none" strike="noStrike">
+                <a:solidFill>
+                  <a:srgbClr val="888888"/>
+                </a:solidFill>
+                <a:latin typeface="Calibri"/>
+                <a:ea typeface="Calibri"/>
+                <a:cs typeface="Calibri"/>
+                <a:sym typeface="Calibri"/>
+              </a:defRPr>
             </a:lvl9pPr>
           </a:lstStyle>
           <a:p>
@@ -7397,6 +9888,9 @@
           </a:bodyPr>
           <a:lstStyle>
             <a:lvl1pPr lvl="0" algn="l">
+              <a:lnSpc>
+                <a:spcPct val="100000"/>
+              </a:lnSpc>
               <a:spcBef>
                 <a:spcPts val="0"/>
               </a:spcBef>
@@ -7411,7 +9905,10 @@
               <a:buNone/>
               <a:defRPr b="1" sz="2000"/>
             </a:lvl1pPr>
-            <a:lvl2pPr lvl="1">
+            <a:lvl2pPr lvl="1" algn="l">
+              <a:lnSpc>
+                <a:spcPct val="100000"/>
+              </a:lnSpc>
               <a:spcBef>
                 <a:spcPts val="0"/>
               </a:spcBef>
@@ -7422,7 +9919,10 @@
               <a:buNone/>
               <a:defRPr/>
             </a:lvl2pPr>
-            <a:lvl3pPr lvl="2">
+            <a:lvl3pPr lvl="2" algn="l">
+              <a:lnSpc>
+                <a:spcPct val="100000"/>
+              </a:lnSpc>
               <a:spcBef>
                 <a:spcPts val="0"/>
               </a:spcBef>
@@ -7433,7 +9933,10 @@
               <a:buNone/>
               <a:defRPr/>
             </a:lvl3pPr>
-            <a:lvl4pPr lvl="3">
+            <a:lvl4pPr lvl="3" algn="l">
+              <a:lnSpc>
+                <a:spcPct val="100000"/>
+              </a:lnSpc>
               <a:spcBef>
                 <a:spcPts val="0"/>
               </a:spcBef>
@@ -7444,7 +9947,10 @@
               <a:buNone/>
               <a:defRPr/>
             </a:lvl4pPr>
-            <a:lvl5pPr lvl="4">
+            <a:lvl5pPr lvl="4" algn="l">
+              <a:lnSpc>
+                <a:spcPct val="100000"/>
+              </a:lnSpc>
               <a:spcBef>
                 <a:spcPts val="0"/>
               </a:spcBef>
@@ -7455,7 +9961,10 @@
               <a:buNone/>
               <a:defRPr/>
             </a:lvl5pPr>
-            <a:lvl6pPr lvl="5">
+            <a:lvl6pPr lvl="5" algn="l">
+              <a:lnSpc>
+                <a:spcPct val="100000"/>
+              </a:lnSpc>
               <a:spcBef>
                 <a:spcPts val="0"/>
               </a:spcBef>
@@ -7466,7 +9975,10 @@
               <a:buNone/>
               <a:defRPr/>
             </a:lvl6pPr>
-            <a:lvl7pPr lvl="6">
+            <a:lvl7pPr lvl="6" algn="l">
+              <a:lnSpc>
+                <a:spcPct val="100000"/>
+              </a:lnSpc>
               <a:spcBef>
                 <a:spcPts val="0"/>
               </a:spcBef>
@@ -7477,7 +9989,10 @@
               <a:buNone/>
               <a:defRPr/>
             </a:lvl7pPr>
-            <a:lvl8pPr lvl="7">
+            <a:lvl8pPr lvl="7" algn="l">
+              <a:lnSpc>
+                <a:spcPct val="100000"/>
+              </a:lnSpc>
               <a:spcBef>
                 <a:spcPts val="0"/>
               </a:spcBef>
@@ -7488,7 +10003,10 @@
               <a:buNone/>
               <a:defRPr/>
             </a:lvl8pPr>
-            <a:lvl9pPr lvl="8">
+            <a:lvl9pPr lvl="8" algn="l">
+              <a:lnSpc>
+                <a:spcPct val="100000"/>
+              </a:lnSpc>
               <a:spcBef>
                 <a:spcPts val="0"/>
               </a:spcBef>
@@ -7530,6 +10048,9 @@
           </a:bodyPr>
           <a:lstStyle>
             <a:lvl1pPr indent="-431800" lvl="0" marL="457200" algn="l">
+              <a:lnSpc>
+                <a:spcPct val="100000"/>
+              </a:lnSpc>
               <a:spcBef>
                 <a:spcPts val="640"/>
               </a:spcBef>
@@ -7544,6 +10065,9 @@
               <a:defRPr sz="3200"/>
             </a:lvl1pPr>
             <a:lvl2pPr indent="-406400" lvl="1" marL="914400" algn="l">
+              <a:lnSpc>
+                <a:spcPct val="100000"/>
+              </a:lnSpc>
               <a:spcBef>
                 <a:spcPts val="560"/>
               </a:spcBef>
@@ -7558,6 +10082,9 @@
               <a:defRPr sz="2800"/>
             </a:lvl2pPr>
             <a:lvl3pPr indent="-381000" lvl="2" marL="1371600" algn="l">
+              <a:lnSpc>
+                <a:spcPct val="100000"/>
+              </a:lnSpc>
               <a:spcBef>
                 <a:spcPts val="480"/>
               </a:spcBef>
@@ -7572,6 +10099,9 @@
               <a:defRPr sz="2400"/>
             </a:lvl3pPr>
             <a:lvl4pPr indent="-355600" lvl="3" marL="1828800" algn="l">
+              <a:lnSpc>
+                <a:spcPct val="100000"/>
+              </a:lnSpc>
               <a:spcBef>
                 <a:spcPts val="400"/>
               </a:spcBef>
@@ -7586,6 +10116,9 @@
               <a:defRPr sz="2000"/>
             </a:lvl4pPr>
             <a:lvl5pPr indent="-355600" lvl="4" marL="2286000" algn="l">
+              <a:lnSpc>
+                <a:spcPct val="100000"/>
+              </a:lnSpc>
               <a:spcBef>
                 <a:spcPts val="400"/>
               </a:spcBef>
@@ -7600,6 +10133,9 @@
               <a:defRPr sz="2000"/>
             </a:lvl5pPr>
             <a:lvl6pPr indent="-355600" lvl="5" marL="2743200" algn="l">
+              <a:lnSpc>
+                <a:spcPct val="100000"/>
+              </a:lnSpc>
               <a:spcBef>
                 <a:spcPts val="400"/>
               </a:spcBef>
@@ -7614,6 +10150,9 @@
               <a:defRPr sz="2000"/>
             </a:lvl6pPr>
             <a:lvl7pPr indent="-355600" lvl="6" marL="3200400" algn="l">
+              <a:lnSpc>
+                <a:spcPct val="100000"/>
+              </a:lnSpc>
               <a:spcBef>
                 <a:spcPts val="400"/>
               </a:spcBef>
@@ -7628,6 +10167,9 @@
               <a:defRPr sz="2000"/>
             </a:lvl7pPr>
             <a:lvl8pPr indent="-355600" lvl="7" marL="3657600" algn="l">
+              <a:lnSpc>
+                <a:spcPct val="100000"/>
+              </a:lnSpc>
               <a:spcBef>
                 <a:spcPts val="400"/>
               </a:spcBef>
@@ -7642,6 +10184,9 @@
               <a:defRPr sz="2000"/>
             </a:lvl8pPr>
             <a:lvl9pPr indent="-355600" lvl="8" marL="4114800" algn="l">
+              <a:lnSpc>
+                <a:spcPct val="100000"/>
+              </a:lnSpc>
               <a:spcBef>
                 <a:spcPts val="400"/>
               </a:spcBef>
@@ -7686,6 +10231,9 @@
           </a:bodyPr>
           <a:lstStyle>
             <a:lvl1pPr indent="-228600" lvl="0" marL="457200" algn="l">
+              <a:lnSpc>
+                <a:spcPct val="100000"/>
+              </a:lnSpc>
               <a:spcBef>
                 <a:spcPts val="280"/>
               </a:spcBef>
@@ -7700,6 +10248,9 @@
               <a:defRPr sz="1400"/>
             </a:lvl1pPr>
             <a:lvl2pPr indent="-228600" lvl="1" marL="914400" algn="l">
+              <a:lnSpc>
+                <a:spcPct val="100000"/>
+              </a:lnSpc>
               <a:spcBef>
                 <a:spcPts val="240"/>
               </a:spcBef>
@@ -7714,6 +10265,9 @@
               <a:defRPr sz="1200"/>
             </a:lvl2pPr>
             <a:lvl3pPr indent="-228600" lvl="2" marL="1371600" algn="l">
+              <a:lnSpc>
+                <a:spcPct val="100000"/>
+              </a:lnSpc>
               <a:spcBef>
                 <a:spcPts val="200"/>
               </a:spcBef>
@@ -7728,6 +10282,9 @@
               <a:defRPr sz="1000"/>
             </a:lvl3pPr>
             <a:lvl4pPr indent="-228600" lvl="3" marL="1828800" algn="l">
+              <a:lnSpc>
+                <a:spcPct val="100000"/>
+              </a:lnSpc>
               <a:spcBef>
                 <a:spcPts val="180"/>
               </a:spcBef>
@@ -7742,6 +10299,9 @@
               <a:defRPr sz="900"/>
             </a:lvl4pPr>
             <a:lvl5pPr indent="-228600" lvl="4" marL="2286000" algn="l">
+              <a:lnSpc>
+                <a:spcPct val="100000"/>
+              </a:lnSpc>
               <a:spcBef>
                 <a:spcPts val="180"/>
               </a:spcBef>
@@ -7756,6 +10316,9 @@
               <a:defRPr sz="900"/>
             </a:lvl5pPr>
             <a:lvl6pPr indent="-228600" lvl="5" marL="2743200" algn="l">
+              <a:lnSpc>
+                <a:spcPct val="100000"/>
+              </a:lnSpc>
               <a:spcBef>
                 <a:spcPts val="180"/>
               </a:spcBef>
@@ -7770,6 +10333,9 @@
               <a:defRPr sz="900"/>
             </a:lvl6pPr>
             <a:lvl7pPr indent="-228600" lvl="6" marL="3200400" algn="l">
+              <a:lnSpc>
+                <a:spcPct val="100000"/>
+              </a:lnSpc>
               <a:spcBef>
                 <a:spcPts val="180"/>
               </a:spcBef>
@@ -7784,6 +10350,9 @@
               <a:defRPr sz="900"/>
             </a:lvl7pPr>
             <a:lvl8pPr indent="-228600" lvl="7" marL="3657600" algn="l">
+              <a:lnSpc>
+                <a:spcPct val="100000"/>
+              </a:lnSpc>
               <a:spcBef>
                 <a:spcPts val="180"/>
               </a:spcBef>
@@ -7798,6 +10367,9 @@
               <a:defRPr sz="900"/>
             </a:lvl8pPr>
             <a:lvl9pPr indent="-228600" lvl="8" marL="4114800" algn="l">
+              <a:lnSpc>
+                <a:spcPct val="100000"/>
+              </a:lnSpc>
               <a:spcBef>
                 <a:spcPts val="180"/>
               </a:spcBef>
@@ -7842,6 +10414,9 @@
           </a:bodyPr>
           <a:lstStyle>
             <a:lvl1pPr lvl="0" algn="l">
+              <a:lnSpc>
+                <a:spcPct val="100000"/>
+              </a:lnSpc>
               <a:spcBef>
                 <a:spcPts val="0"/>
               </a:spcBef>
@@ -7853,6 +10428,9 @@
               <a:defRPr/>
             </a:lvl1pPr>
             <a:lvl2pPr lvl="1" algn="l">
+              <a:lnSpc>
+                <a:spcPct val="100000"/>
+              </a:lnSpc>
               <a:spcBef>
                 <a:spcPts val="0"/>
               </a:spcBef>
@@ -7864,6 +10442,9 @@
               <a:defRPr/>
             </a:lvl2pPr>
             <a:lvl3pPr lvl="2" algn="l">
+              <a:lnSpc>
+                <a:spcPct val="100000"/>
+              </a:lnSpc>
               <a:spcBef>
                 <a:spcPts val="0"/>
               </a:spcBef>
@@ -7875,6 +10456,9 @@
               <a:defRPr/>
             </a:lvl3pPr>
             <a:lvl4pPr lvl="3" algn="l">
+              <a:lnSpc>
+                <a:spcPct val="100000"/>
+              </a:lnSpc>
               <a:spcBef>
                 <a:spcPts val="0"/>
               </a:spcBef>
@@ -7886,6 +10470,9 @@
               <a:defRPr/>
             </a:lvl4pPr>
             <a:lvl5pPr lvl="4" algn="l">
+              <a:lnSpc>
+                <a:spcPct val="100000"/>
+              </a:lnSpc>
               <a:spcBef>
                 <a:spcPts val="0"/>
               </a:spcBef>
@@ -7897,6 +10484,9 @@
               <a:defRPr/>
             </a:lvl5pPr>
             <a:lvl6pPr lvl="5" algn="l">
+              <a:lnSpc>
+                <a:spcPct val="100000"/>
+              </a:lnSpc>
               <a:spcBef>
                 <a:spcPts val="0"/>
               </a:spcBef>
@@ -7908,6 +10498,9 @@
               <a:defRPr/>
             </a:lvl6pPr>
             <a:lvl7pPr lvl="6" algn="l">
+              <a:lnSpc>
+                <a:spcPct val="100000"/>
+              </a:lnSpc>
               <a:spcBef>
                 <a:spcPts val="0"/>
               </a:spcBef>
@@ -7919,6 +10512,9 @@
               <a:defRPr/>
             </a:lvl7pPr>
             <a:lvl8pPr lvl="7" algn="l">
+              <a:lnSpc>
+                <a:spcPct val="100000"/>
+              </a:lnSpc>
               <a:spcBef>
                 <a:spcPts val="0"/>
               </a:spcBef>
@@ -7930,6 +10526,9 @@
               <a:defRPr/>
             </a:lvl8pPr>
             <a:lvl9pPr lvl="8" algn="l">
+              <a:lnSpc>
+                <a:spcPct val="100000"/>
+              </a:lnSpc>
               <a:spcBef>
                 <a:spcPts val="0"/>
               </a:spcBef>
@@ -7971,6 +10570,9 @@
           </a:bodyPr>
           <a:lstStyle>
             <a:lvl1pPr lvl="0" algn="ctr">
+              <a:lnSpc>
+                <a:spcPct val="100000"/>
+              </a:lnSpc>
               <a:spcBef>
                 <a:spcPts val="0"/>
               </a:spcBef>
@@ -7982,6 +10584,9 @@
               <a:defRPr/>
             </a:lvl1pPr>
             <a:lvl2pPr lvl="1" algn="l">
+              <a:lnSpc>
+                <a:spcPct val="100000"/>
+              </a:lnSpc>
               <a:spcBef>
                 <a:spcPts val="0"/>
               </a:spcBef>
@@ -7993,6 +10598,9 @@
               <a:defRPr/>
             </a:lvl2pPr>
             <a:lvl3pPr lvl="2" algn="l">
+              <a:lnSpc>
+                <a:spcPct val="100000"/>
+              </a:lnSpc>
               <a:spcBef>
                 <a:spcPts val="0"/>
               </a:spcBef>
@@ -8004,6 +10612,9 @@
               <a:defRPr/>
             </a:lvl3pPr>
             <a:lvl4pPr lvl="3" algn="l">
+              <a:lnSpc>
+                <a:spcPct val="100000"/>
+              </a:lnSpc>
               <a:spcBef>
                 <a:spcPts val="0"/>
               </a:spcBef>
@@ -8015,6 +10626,9 @@
               <a:defRPr/>
             </a:lvl4pPr>
             <a:lvl5pPr lvl="4" algn="l">
+              <a:lnSpc>
+                <a:spcPct val="100000"/>
+              </a:lnSpc>
               <a:spcBef>
                 <a:spcPts val="0"/>
               </a:spcBef>
@@ -8026,6 +10640,9 @@
               <a:defRPr/>
             </a:lvl5pPr>
             <a:lvl6pPr lvl="5" algn="l">
+              <a:lnSpc>
+                <a:spcPct val="100000"/>
+              </a:lnSpc>
               <a:spcBef>
                 <a:spcPts val="0"/>
               </a:spcBef>
@@ -8037,6 +10654,9 @@
               <a:defRPr/>
             </a:lvl6pPr>
             <a:lvl7pPr lvl="6" algn="l">
+              <a:lnSpc>
+                <a:spcPct val="100000"/>
+              </a:lnSpc>
               <a:spcBef>
                 <a:spcPts val="0"/>
               </a:spcBef>
@@ -8048,6 +10668,9 @@
               <a:defRPr/>
             </a:lvl7pPr>
             <a:lvl8pPr lvl="7" algn="l">
+              <a:lnSpc>
+                <a:spcPct val="100000"/>
+              </a:lnSpc>
               <a:spcBef>
                 <a:spcPts val="0"/>
               </a:spcBef>
@@ -8059,6 +10682,9 @@
               <a:defRPr/>
             </a:lvl8pPr>
             <a:lvl9pPr lvl="8" algn="l">
+              <a:lnSpc>
+                <a:spcPct val="100000"/>
+              </a:lnSpc>
               <a:spcBef>
                 <a:spcPts val="0"/>
               </a:spcBef>
@@ -8099,68 +10725,239 @@
             <a:noAutofit/>
           </a:bodyPr>
           <a:lstStyle>
-            <a:lvl1pPr indent="0" lvl="0" marL="0" algn="r">
-              <a:spcBef>
-                <a:spcPts val="0"/>
-              </a:spcBef>
-              <a:buNone/>
-              <a:defRPr/>
+            <a:lvl1pPr indent="0" lvl="0" marL="0" marR="0" algn="r">
+              <a:lnSpc>
+                <a:spcPct val="100000"/>
+              </a:lnSpc>
+              <a:spcBef>
+                <a:spcPts val="0"/>
+              </a:spcBef>
+              <a:spcAft>
+                <a:spcPts val="0"/>
+              </a:spcAft>
+              <a:buClr>
+                <a:srgbClr val="000000"/>
+              </a:buClr>
+              <a:buSzPts val="1200"/>
+              <a:buFont typeface="Arial"/>
+              <a:buNone/>
+              <a:defRPr b="0" i="0" sz="1200" u="none" cap="none" strike="noStrike">
+                <a:solidFill>
+                  <a:srgbClr val="888888"/>
+                </a:solidFill>
+                <a:latin typeface="Calibri"/>
+                <a:ea typeface="Calibri"/>
+                <a:cs typeface="Calibri"/>
+                <a:sym typeface="Calibri"/>
+              </a:defRPr>
             </a:lvl1pPr>
-            <a:lvl2pPr indent="0" lvl="1" marL="0" algn="r">
-              <a:spcBef>
-                <a:spcPts val="0"/>
-              </a:spcBef>
-              <a:buNone/>
-              <a:defRPr/>
+            <a:lvl2pPr indent="0" lvl="1" marL="0" marR="0" algn="r">
+              <a:lnSpc>
+                <a:spcPct val="100000"/>
+              </a:lnSpc>
+              <a:spcBef>
+                <a:spcPts val="0"/>
+              </a:spcBef>
+              <a:spcAft>
+                <a:spcPts val="0"/>
+              </a:spcAft>
+              <a:buClr>
+                <a:srgbClr val="000000"/>
+              </a:buClr>
+              <a:buSzPts val="1200"/>
+              <a:buFont typeface="Arial"/>
+              <a:buNone/>
+              <a:defRPr b="0" i="0" sz="1200" u="none" cap="none" strike="noStrike">
+                <a:solidFill>
+                  <a:srgbClr val="888888"/>
+                </a:solidFill>
+                <a:latin typeface="Calibri"/>
+                <a:ea typeface="Calibri"/>
+                <a:cs typeface="Calibri"/>
+                <a:sym typeface="Calibri"/>
+              </a:defRPr>
             </a:lvl2pPr>
-            <a:lvl3pPr indent="0" lvl="2" marL="0" algn="r">
-              <a:spcBef>
-                <a:spcPts val="0"/>
-              </a:spcBef>
-              <a:buNone/>
-              <a:defRPr/>
+            <a:lvl3pPr indent="0" lvl="2" marL="0" marR="0" algn="r">
+              <a:lnSpc>
+                <a:spcPct val="100000"/>
+              </a:lnSpc>
+              <a:spcBef>
+                <a:spcPts val="0"/>
+              </a:spcBef>
+              <a:spcAft>
+                <a:spcPts val="0"/>
+              </a:spcAft>
+              <a:buClr>
+                <a:srgbClr val="000000"/>
+              </a:buClr>
+              <a:buSzPts val="1200"/>
+              <a:buFont typeface="Arial"/>
+              <a:buNone/>
+              <a:defRPr b="0" i="0" sz="1200" u="none" cap="none" strike="noStrike">
+                <a:solidFill>
+                  <a:srgbClr val="888888"/>
+                </a:solidFill>
+                <a:latin typeface="Calibri"/>
+                <a:ea typeface="Calibri"/>
+                <a:cs typeface="Calibri"/>
+                <a:sym typeface="Calibri"/>
+              </a:defRPr>
             </a:lvl3pPr>
-            <a:lvl4pPr indent="0" lvl="3" marL="0" algn="r">
-              <a:spcBef>
-                <a:spcPts val="0"/>
-              </a:spcBef>
-              <a:buNone/>
-              <a:defRPr/>
+            <a:lvl4pPr indent="0" lvl="3" marL="0" marR="0" algn="r">
+              <a:lnSpc>
+                <a:spcPct val="100000"/>
+              </a:lnSpc>
+              <a:spcBef>
+                <a:spcPts val="0"/>
+              </a:spcBef>
+              <a:spcAft>
+                <a:spcPts val="0"/>
+              </a:spcAft>
+              <a:buClr>
+                <a:srgbClr val="000000"/>
+              </a:buClr>
+              <a:buSzPts val="1200"/>
+              <a:buFont typeface="Arial"/>
+              <a:buNone/>
+              <a:defRPr b="0" i="0" sz="1200" u="none" cap="none" strike="noStrike">
+                <a:solidFill>
+                  <a:srgbClr val="888888"/>
+                </a:solidFill>
+                <a:latin typeface="Calibri"/>
+                <a:ea typeface="Calibri"/>
+                <a:cs typeface="Calibri"/>
+                <a:sym typeface="Calibri"/>
+              </a:defRPr>
             </a:lvl4pPr>
-            <a:lvl5pPr indent="0" lvl="4" marL="0" algn="r">
-              <a:spcBef>
-                <a:spcPts val="0"/>
-              </a:spcBef>
-              <a:buNone/>
-              <a:defRPr/>
+            <a:lvl5pPr indent="0" lvl="4" marL="0" marR="0" algn="r">
+              <a:lnSpc>
+                <a:spcPct val="100000"/>
+              </a:lnSpc>
+              <a:spcBef>
+                <a:spcPts val="0"/>
+              </a:spcBef>
+              <a:spcAft>
+                <a:spcPts val="0"/>
+              </a:spcAft>
+              <a:buClr>
+                <a:srgbClr val="000000"/>
+              </a:buClr>
+              <a:buSzPts val="1200"/>
+              <a:buFont typeface="Arial"/>
+              <a:buNone/>
+              <a:defRPr b="0" i="0" sz="1200" u="none" cap="none" strike="noStrike">
+                <a:solidFill>
+                  <a:srgbClr val="888888"/>
+                </a:solidFill>
+                <a:latin typeface="Calibri"/>
+                <a:ea typeface="Calibri"/>
+                <a:cs typeface="Calibri"/>
+                <a:sym typeface="Calibri"/>
+              </a:defRPr>
             </a:lvl5pPr>
-            <a:lvl6pPr indent="0" lvl="5" marL="0" algn="r">
-              <a:spcBef>
-                <a:spcPts val="0"/>
-              </a:spcBef>
-              <a:buNone/>
-              <a:defRPr/>
+            <a:lvl6pPr indent="0" lvl="5" marL="0" marR="0" algn="r">
+              <a:lnSpc>
+                <a:spcPct val="100000"/>
+              </a:lnSpc>
+              <a:spcBef>
+                <a:spcPts val="0"/>
+              </a:spcBef>
+              <a:spcAft>
+                <a:spcPts val="0"/>
+              </a:spcAft>
+              <a:buClr>
+                <a:srgbClr val="000000"/>
+              </a:buClr>
+              <a:buSzPts val="1200"/>
+              <a:buFont typeface="Arial"/>
+              <a:buNone/>
+              <a:defRPr b="0" i="0" sz="1200" u="none" cap="none" strike="noStrike">
+                <a:solidFill>
+                  <a:srgbClr val="888888"/>
+                </a:solidFill>
+                <a:latin typeface="Calibri"/>
+                <a:ea typeface="Calibri"/>
+                <a:cs typeface="Calibri"/>
+                <a:sym typeface="Calibri"/>
+              </a:defRPr>
             </a:lvl6pPr>
-            <a:lvl7pPr indent="0" lvl="6" marL="0" algn="r">
-              <a:spcBef>
-                <a:spcPts val="0"/>
-              </a:spcBef>
-              <a:buNone/>
-              <a:defRPr/>
+            <a:lvl7pPr indent="0" lvl="6" marL="0" marR="0" algn="r">
+              <a:lnSpc>
+                <a:spcPct val="100000"/>
+              </a:lnSpc>
+              <a:spcBef>
+                <a:spcPts val="0"/>
+              </a:spcBef>
+              <a:spcAft>
+                <a:spcPts val="0"/>
+              </a:spcAft>
+              <a:buClr>
+                <a:srgbClr val="000000"/>
+              </a:buClr>
+              <a:buSzPts val="1200"/>
+              <a:buFont typeface="Arial"/>
+              <a:buNone/>
+              <a:defRPr b="0" i="0" sz="1200" u="none" cap="none" strike="noStrike">
+                <a:solidFill>
+                  <a:srgbClr val="888888"/>
+                </a:solidFill>
+                <a:latin typeface="Calibri"/>
+                <a:ea typeface="Calibri"/>
+                <a:cs typeface="Calibri"/>
+                <a:sym typeface="Calibri"/>
+              </a:defRPr>
             </a:lvl7pPr>
-            <a:lvl8pPr indent="0" lvl="7" marL="0" algn="r">
-              <a:spcBef>
-                <a:spcPts val="0"/>
-              </a:spcBef>
-              <a:buNone/>
-              <a:defRPr/>
+            <a:lvl8pPr indent="0" lvl="7" marL="0" marR="0" algn="r">
+              <a:lnSpc>
+                <a:spcPct val="100000"/>
+              </a:lnSpc>
+              <a:spcBef>
+                <a:spcPts val="0"/>
+              </a:spcBef>
+              <a:spcAft>
+                <a:spcPts val="0"/>
+              </a:spcAft>
+              <a:buClr>
+                <a:srgbClr val="000000"/>
+              </a:buClr>
+              <a:buSzPts val="1200"/>
+              <a:buFont typeface="Arial"/>
+              <a:buNone/>
+              <a:defRPr b="0" i="0" sz="1200" u="none" cap="none" strike="noStrike">
+                <a:solidFill>
+                  <a:srgbClr val="888888"/>
+                </a:solidFill>
+                <a:latin typeface="Calibri"/>
+                <a:ea typeface="Calibri"/>
+                <a:cs typeface="Calibri"/>
+                <a:sym typeface="Calibri"/>
+              </a:defRPr>
             </a:lvl8pPr>
-            <a:lvl9pPr indent="0" lvl="8" marL="0" algn="r">
-              <a:spcBef>
-                <a:spcPts val="0"/>
-              </a:spcBef>
-              <a:buNone/>
-              <a:defRPr/>
+            <a:lvl9pPr indent="0" lvl="8" marL="0" marR="0" algn="r">
+              <a:lnSpc>
+                <a:spcPct val="100000"/>
+              </a:lnSpc>
+              <a:spcBef>
+                <a:spcPts val="0"/>
+              </a:spcBef>
+              <a:spcAft>
+                <a:spcPts val="0"/>
+              </a:spcAft>
+              <a:buClr>
+                <a:srgbClr val="000000"/>
+              </a:buClr>
+              <a:buSzPts val="1200"/>
+              <a:buFont typeface="Arial"/>
+              <a:buNone/>
+              <a:defRPr b="0" i="0" sz="1200" u="none" cap="none" strike="noStrike">
+                <a:solidFill>
+                  <a:srgbClr val="888888"/>
+                </a:solidFill>
+                <a:latin typeface="Calibri"/>
+                <a:ea typeface="Calibri"/>
+                <a:cs typeface="Calibri"/>
+                <a:sym typeface="Calibri"/>
+              </a:defRPr>
             </a:lvl9pPr>
           </a:lstStyle>
           <a:p>
@@ -8233,6 +11030,9 @@
           </a:bodyPr>
           <a:lstStyle>
             <a:lvl1pPr lvl="0" algn="l">
+              <a:lnSpc>
+                <a:spcPct val="100000"/>
+              </a:lnSpc>
               <a:spcBef>
                 <a:spcPts val="0"/>
               </a:spcBef>
@@ -8247,7 +11047,10 @@
               <a:buNone/>
               <a:defRPr b="1" sz="2000"/>
             </a:lvl1pPr>
-            <a:lvl2pPr lvl="1">
+            <a:lvl2pPr lvl="1" algn="l">
+              <a:lnSpc>
+                <a:spcPct val="100000"/>
+              </a:lnSpc>
               <a:spcBef>
                 <a:spcPts val="0"/>
               </a:spcBef>
@@ -8258,7 +11061,10 @@
               <a:buNone/>
               <a:defRPr/>
             </a:lvl2pPr>
-            <a:lvl3pPr lvl="2">
+            <a:lvl3pPr lvl="2" algn="l">
+              <a:lnSpc>
+                <a:spcPct val="100000"/>
+              </a:lnSpc>
               <a:spcBef>
                 <a:spcPts val="0"/>
               </a:spcBef>
@@ -8269,7 +11075,10 @@
               <a:buNone/>
               <a:defRPr/>
             </a:lvl3pPr>
-            <a:lvl4pPr lvl="3">
+            <a:lvl4pPr lvl="3" algn="l">
+              <a:lnSpc>
+                <a:spcPct val="100000"/>
+              </a:lnSpc>
               <a:spcBef>
                 <a:spcPts val="0"/>
               </a:spcBef>
@@ -8280,7 +11089,10 @@
               <a:buNone/>
               <a:defRPr/>
             </a:lvl4pPr>
-            <a:lvl5pPr lvl="4">
+            <a:lvl5pPr lvl="4" algn="l">
+              <a:lnSpc>
+                <a:spcPct val="100000"/>
+              </a:lnSpc>
               <a:spcBef>
                 <a:spcPts val="0"/>
               </a:spcBef>
@@ -8291,7 +11103,10 @@
               <a:buNone/>
               <a:defRPr/>
             </a:lvl5pPr>
-            <a:lvl6pPr lvl="5">
+            <a:lvl6pPr lvl="5" algn="l">
+              <a:lnSpc>
+                <a:spcPct val="100000"/>
+              </a:lnSpc>
               <a:spcBef>
                 <a:spcPts val="0"/>
               </a:spcBef>
@@ -8302,7 +11117,10 @@
               <a:buNone/>
               <a:defRPr/>
             </a:lvl6pPr>
-            <a:lvl7pPr lvl="6">
+            <a:lvl7pPr lvl="6" algn="l">
+              <a:lnSpc>
+                <a:spcPct val="100000"/>
+              </a:lnSpc>
               <a:spcBef>
                 <a:spcPts val="0"/>
               </a:spcBef>
@@ -8313,7 +11131,10 @@
               <a:buNone/>
               <a:defRPr/>
             </a:lvl7pPr>
-            <a:lvl8pPr lvl="7">
+            <a:lvl8pPr lvl="7" algn="l">
+              <a:lnSpc>
+                <a:spcPct val="100000"/>
+              </a:lnSpc>
               <a:spcBef>
                 <a:spcPts val="0"/>
               </a:spcBef>
@@ -8324,7 +11145,10 @@
               <a:buNone/>
               <a:defRPr/>
             </a:lvl8pPr>
-            <a:lvl9pPr lvl="8">
+            <a:lvl9pPr lvl="8" algn="l">
+              <a:lnSpc>
+                <a:spcPct val="100000"/>
+              </a:lnSpc>
               <a:spcBef>
                 <a:spcPts val="0"/>
               </a:spcBef>
@@ -8388,6 +11212,9 @@
           </a:bodyPr>
           <a:lstStyle>
             <a:lvl1pPr indent="-228600" lvl="0" marL="457200" algn="l">
+              <a:lnSpc>
+                <a:spcPct val="100000"/>
+              </a:lnSpc>
               <a:spcBef>
                 <a:spcPts val="280"/>
               </a:spcBef>
@@ -8402,6 +11229,9 @@
               <a:defRPr sz="1400"/>
             </a:lvl1pPr>
             <a:lvl2pPr indent="-228600" lvl="1" marL="914400" algn="l">
+              <a:lnSpc>
+                <a:spcPct val="100000"/>
+              </a:lnSpc>
               <a:spcBef>
                 <a:spcPts val="240"/>
               </a:spcBef>
@@ -8416,6 +11246,9 @@
               <a:defRPr sz="1200"/>
             </a:lvl2pPr>
             <a:lvl3pPr indent="-228600" lvl="2" marL="1371600" algn="l">
+              <a:lnSpc>
+                <a:spcPct val="100000"/>
+              </a:lnSpc>
               <a:spcBef>
                 <a:spcPts val="200"/>
               </a:spcBef>
@@ -8430,6 +11263,9 @@
               <a:defRPr sz="1000"/>
             </a:lvl3pPr>
             <a:lvl4pPr indent="-228600" lvl="3" marL="1828800" algn="l">
+              <a:lnSpc>
+                <a:spcPct val="100000"/>
+              </a:lnSpc>
               <a:spcBef>
                 <a:spcPts val="180"/>
               </a:spcBef>
@@ -8444,6 +11280,9 @@
               <a:defRPr sz="900"/>
             </a:lvl4pPr>
             <a:lvl5pPr indent="-228600" lvl="4" marL="2286000" algn="l">
+              <a:lnSpc>
+                <a:spcPct val="100000"/>
+              </a:lnSpc>
               <a:spcBef>
                 <a:spcPts val="180"/>
               </a:spcBef>
@@ -8458,6 +11297,9 @@
               <a:defRPr sz="900"/>
             </a:lvl5pPr>
             <a:lvl6pPr indent="-228600" lvl="5" marL="2743200" algn="l">
+              <a:lnSpc>
+                <a:spcPct val="100000"/>
+              </a:lnSpc>
               <a:spcBef>
                 <a:spcPts val="180"/>
               </a:spcBef>
@@ -8472,6 +11314,9 @@
               <a:defRPr sz="900"/>
             </a:lvl6pPr>
             <a:lvl7pPr indent="-228600" lvl="6" marL="3200400" algn="l">
+              <a:lnSpc>
+                <a:spcPct val="100000"/>
+              </a:lnSpc>
               <a:spcBef>
                 <a:spcPts val="180"/>
               </a:spcBef>
@@ -8486,6 +11331,9 @@
               <a:defRPr sz="900"/>
             </a:lvl7pPr>
             <a:lvl8pPr indent="-228600" lvl="7" marL="3657600" algn="l">
+              <a:lnSpc>
+                <a:spcPct val="100000"/>
+              </a:lnSpc>
               <a:spcBef>
                 <a:spcPts val="180"/>
               </a:spcBef>
@@ -8500,6 +11348,9 @@
               <a:defRPr sz="900"/>
             </a:lvl8pPr>
             <a:lvl9pPr indent="-228600" lvl="8" marL="4114800" algn="l">
+              <a:lnSpc>
+                <a:spcPct val="100000"/>
+              </a:lnSpc>
               <a:spcBef>
                 <a:spcPts val="180"/>
               </a:spcBef>
@@ -8544,6 +11395,9 @@
           </a:bodyPr>
           <a:lstStyle>
             <a:lvl1pPr lvl="0" algn="l">
+              <a:lnSpc>
+                <a:spcPct val="100000"/>
+              </a:lnSpc>
               <a:spcBef>
                 <a:spcPts val="0"/>
               </a:spcBef>
@@ -8555,6 +11409,9 @@
               <a:defRPr/>
             </a:lvl1pPr>
             <a:lvl2pPr lvl="1" algn="l">
+              <a:lnSpc>
+                <a:spcPct val="100000"/>
+              </a:lnSpc>
               <a:spcBef>
                 <a:spcPts val="0"/>
               </a:spcBef>
@@ -8566,6 +11423,9 @@
               <a:defRPr/>
             </a:lvl2pPr>
             <a:lvl3pPr lvl="2" algn="l">
+              <a:lnSpc>
+                <a:spcPct val="100000"/>
+              </a:lnSpc>
               <a:spcBef>
                 <a:spcPts val="0"/>
               </a:spcBef>
@@ -8577,6 +11437,9 @@
               <a:defRPr/>
             </a:lvl3pPr>
             <a:lvl4pPr lvl="3" algn="l">
+              <a:lnSpc>
+                <a:spcPct val="100000"/>
+              </a:lnSpc>
               <a:spcBef>
                 <a:spcPts val="0"/>
               </a:spcBef>
@@ -8588,6 +11451,9 @@
               <a:defRPr/>
             </a:lvl4pPr>
             <a:lvl5pPr lvl="4" algn="l">
+              <a:lnSpc>
+                <a:spcPct val="100000"/>
+              </a:lnSpc>
               <a:spcBef>
                 <a:spcPts val="0"/>
               </a:spcBef>
@@ -8599,6 +11465,9 @@
               <a:defRPr/>
             </a:lvl5pPr>
             <a:lvl6pPr lvl="5" algn="l">
+              <a:lnSpc>
+                <a:spcPct val="100000"/>
+              </a:lnSpc>
               <a:spcBef>
                 <a:spcPts val="0"/>
               </a:spcBef>
@@ -8610,6 +11479,9 @@
               <a:defRPr/>
             </a:lvl6pPr>
             <a:lvl7pPr lvl="6" algn="l">
+              <a:lnSpc>
+                <a:spcPct val="100000"/>
+              </a:lnSpc>
               <a:spcBef>
                 <a:spcPts val="0"/>
               </a:spcBef>
@@ -8621,6 +11493,9 @@
               <a:defRPr/>
             </a:lvl7pPr>
             <a:lvl8pPr lvl="7" algn="l">
+              <a:lnSpc>
+                <a:spcPct val="100000"/>
+              </a:lnSpc>
               <a:spcBef>
                 <a:spcPts val="0"/>
               </a:spcBef>
@@ -8632,6 +11507,9 @@
               <a:defRPr/>
             </a:lvl8pPr>
             <a:lvl9pPr lvl="8" algn="l">
+              <a:lnSpc>
+                <a:spcPct val="100000"/>
+              </a:lnSpc>
               <a:spcBef>
                 <a:spcPts val="0"/>
               </a:spcBef>
@@ -8673,6 +11551,9 @@
           </a:bodyPr>
           <a:lstStyle>
             <a:lvl1pPr lvl="0" algn="ctr">
+              <a:lnSpc>
+                <a:spcPct val="100000"/>
+              </a:lnSpc>
               <a:spcBef>
                 <a:spcPts val="0"/>
               </a:spcBef>
@@ -8684,6 +11565,9 @@
               <a:defRPr/>
             </a:lvl1pPr>
             <a:lvl2pPr lvl="1" algn="l">
+              <a:lnSpc>
+                <a:spcPct val="100000"/>
+              </a:lnSpc>
               <a:spcBef>
                 <a:spcPts val="0"/>
               </a:spcBef>
@@ -8695,6 +11579,9 @@
               <a:defRPr/>
             </a:lvl2pPr>
             <a:lvl3pPr lvl="2" algn="l">
+              <a:lnSpc>
+                <a:spcPct val="100000"/>
+              </a:lnSpc>
               <a:spcBef>
                 <a:spcPts val="0"/>
               </a:spcBef>
@@ -8706,6 +11593,9 @@
               <a:defRPr/>
             </a:lvl3pPr>
             <a:lvl4pPr lvl="3" algn="l">
+              <a:lnSpc>
+                <a:spcPct val="100000"/>
+              </a:lnSpc>
               <a:spcBef>
                 <a:spcPts val="0"/>
               </a:spcBef>
@@ -8717,6 +11607,9 @@
               <a:defRPr/>
             </a:lvl4pPr>
             <a:lvl5pPr lvl="4" algn="l">
+              <a:lnSpc>
+                <a:spcPct val="100000"/>
+              </a:lnSpc>
               <a:spcBef>
                 <a:spcPts val="0"/>
               </a:spcBef>
@@ -8728,6 +11621,9 @@
               <a:defRPr/>
             </a:lvl5pPr>
             <a:lvl6pPr lvl="5" algn="l">
+              <a:lnSpc>
+                <a:spcPct val="100000"/>
+              </a:lnSpc>
               <a:spcBef>
                 <a:spcPts val="0"/>
               </a:spcBef>
@@ -8739,6 +11635,9 @@
               <a:defRPr/>
             </a:lvl6pPr>
             <a:lvl7pPr lvl="6" algn="l">
+              <a:lnSpc>
+                <a:spcPct val="100000"/>
+              </a:lnSpc>
               <a:spcBef>
                 <a:spcPts val="0"/>
               </a:spcBef>
@@ -8750,6 +11649,9 @@
               <a:defRPr/>
             </a:lvl7pPr>
             <a:lvl8pPr lvl="7" algn="l">
+              <a:lnSpc>
+                <a:spcPct val="100000"/>
+              </a:lnSpc>
               <a:spcBef>
                 <a:spcPts val="0"/>
               </a:spcBef>
@@ -8761,6 +11663,9 @@
               <a:defRPr/>
             </a:lvl8pPr>
             <a:lvl9pPr lvl="8" algn="l">
+              <a:lnSpc>
+                <a:spcPct val="100000"/>
+              </a:lnSpc>
               <a:spcBef>
                 <a:spcPts val="0"/>
               </a:spcBef>
@@ -8801,68 +11706,239 @@
             <a:noAutofit/>
           </a:bodyPr>
           <a:lstStyle>
-            <a:lvl1pPr indent="0" lvl="0" marL="0" algn="r">
-              <a:spcBef>
-                <a:spcPts val="0"/>
-              </a:spcBef>
-              <a:buNone/>
-              <a:defRPr/>
+            <a:lvl1pPr indent="0" lvl="0" marL="0" marR="0" algn="r">
+              <a:lnSpc>
+                <a:spcPct val="100000"/>
+              </a:lnSpc>
+              <a:spcBef>
+                <a:spcPts val="0"/>
+              </a:spcBef>
+              <a:spcAft>
+                <a:spcPts val="0"/>
+              </a:spcAft>
+              <a:buClr>
+                <a:srgbClr val="000000"/>
+              </a:buClr>
+              <a:buSzPts val="1200"/>
+              <a:buFont typeface="Arial"/>
+              <a:buNone/>
+              <a:defRPr b="0" i="0" sz="1200" u="none" cap="none" strike="noStrike">
+                <a:solidFill>
+                  <a:srgbClr val="888888"/>
+                </a:solidFill>
+                <a:latin typeface="Calibri"/>
+                <a:ea typeface="Calibri"/>
+                <a:cs typeface="Calibri"/>
+                <a:sym typeface="Calibri"/>
+              </a:defRPr>
             </a:lvl1pPr>
-            <a:lvl2pPr indent="0" lvl="1" marL="0" algn="r">
-              <a:spcBef>
-                <a:spcPts val="0"/>
-              </a:spcBef>
-              <a:buNone/>
-              <a:defRPr/>
+            <a:lvl2pPr indent="0" lvl="1" marL="0" marR="0" algn="r">
+              <a:lnSpc>
+                <a:spcPct val="100000"/>
+              </a:lnSpc>
+              <a:spcBef>
+                <a:spcPts val="0"/>
+              </a:spcBef>
+              <a:spcAft>
+                <a:spcPts val="0"/>
+              </a:spcAft>
+              <a:buClr>
+                <a:srgbClr val="000000"/>
+              </a:buClr>
+              <a:buSzPts val="1200"/>
+              <a:buFont typeface="Arial"/>
+              <a:buNone/>
+              <a:defRPr b="0" i="0" sz="1200" u="none" cap="none" strike="noStrike">
+                <a:solidFill>
+                  <a:srgbClr val="888888"/>
+                </a:solidFill>
+                <a:latin typeface="Calibri"/>
+                <a:ea typeface="Calibri"/>
+                <a:cs typeface="Calibri"/>
+                <a:sym typeface="Calibri"/>
+              </a:defRPr>
             </a:lvl2pPr>
-            <a:lvl3pPr indent="0" lvl="2" marL="0" algn="r">
-              <a:spcBef>
-                <a:spcPts val="0"/>
-              </a:spcBef>
-              <a:buNone/>
-              <a:defRPr/>
+            <a:lvl3pPr indent="0" lvl="2" marL="0" marR="0" algn="r">
+              <a:lnSpc>
+                <a:spcPct val="100000"/>
+              </a:lnSpc>
+              <a:spcBef>
+                <a:spcPts val="0"/>
+              </a:spcBef>
+              <a:spcAft>
+                <a:spcPts val="0"/>
+              </a:spcAft>
+              <a:buClr>
+                <a:srgbClr val="000000"/>
+              </a:buClr>
+              <a:buSzPts val="1200"/>
+              <a:buFont typeface="Arial"/>
+              <a:buNone/>
+              <a:defRPr b="0" i="0" sz="1200" u="none" cap="none" strike="noStrike">
+                <a:solidFill>
+                  <a:srgbClr val="888888"/>
+                </a:solidFill>
+                <a:latin typeface="Calibri"/>
+                <a:ea typeface="Calibri"/>
+                <a:cs typeface="Calibri"/>
+                <a:sym typeface="Calibri"/>
+              </a:defRPr>
             </a:lvl3pPr>
-            <a:lvl4pPr indent="0" lvl="3" marL="0" algn="r">
-              <a:spcBef>
-                <a:spcPts val="0"/>
-              </a:spcBef>
-              <a:buNone/>
-              <a:defRPr/>
+            <a:lvl4pPr indent="0" lvl="3" marL="0" marR="0" algn="r">
+              <a:lnSpc>
+                <a:spcPct val="100000"/>
+              </a:lnSpc>
+              <a:spcBef>
+                <a:spcPts val="0"/>
+              </a:spcBef>
+              <a:spcAft>
+                <a:spcPts val="0"/>
+              </a:spcAft>
+              <a:buClr>
+                <a:srgbClr val="000000"/>
+              </a:buClr>
+              <a:buSzPts val="1200"/>
+              <a:buFont typeface="Arial"/>
+              <a:buNone/>
+              <a:defRPr b="0" i="0" sz="1200" u="none" cap="none" strike="noStrike">
+                <a:solidFill>
+                  <a:srgbClr val="888888"/>
+                </a:solidFill>
+                <a:latin typeface="Calibri"/>
+                <a:ea typeface="Calibri"/>
+                <a:cs typeface="Calibri"/>
+                <a:sym typeface="Calibri"/>
+              </a:defRPr>
             </a:lvl4pPr>
-            <a:lvl5pPr indent="0" lvl="4" marL="0" algn="r">
-              <a:spcBef>
-                <a:spcPts val="0"/>
-              </a:spcBef>
-              <a:buNone/>
-              <a:defRPr/>
+            <a:lvl5pPr indent="0" lvl="4" marL="0" marR="0" algn="r">
+              <a:lnSpc>
+                <a:spcPct val="100000"/>
+              </a:lnSpc>
+              <a:spcBef>
+                <a:spcPts val="0"/>
+              </a:spcBef>
+              <a:spcAft>
+                <a:spcPts val="0"/>
+              </a:spcAft>
+              <a:buClr>
+                <a:srgbClr val="000000"/>
+              </a:buClr>
+              <a:buSzPts val="1200"/>
+              <a:buFont typeface="Arial"/>
+              <a:buNone/>
+              <a:defRPr b="0" i="0" sz="1200" u="none" cap="none" strike="noStrike">
+                <a:solidFill>
+                  <a:srgbClr val="888888"/>
+                </a:solidFill>
+                <a:latin typeface="Calibri"/>
+                <a:ea typeface="Calibri"/>
+                <a:cs typeface="Calibri"/>
+                <a:sym typeface="Calibri"/>
+              </a:defRPr>
             </a:lvl5pPr>
-            <a:lvl6pPr indent="0" lvl="5" marL="0" algn="r">
-              <a:spcBef>
-                <a:spcPts val="0"/>
-              </a:spcBef>
-              <a:buNone/>
-              <a:defRPr/>
+            <a:lvl6pPr indent="0" lvl="5" marL="0" marR="0" algn="r">
+              <a:lnSpc>
+                <a:spcPct val="100000"/>
+              </a:lnSpc>
+              <a:spcBef>
+                <a:spcPts val="0"/>
+              </a:spcBef>
+              <a:spcAft>
+                <a:spcPts val="0"/>
+              </a:spcAft>
+              <a:buClr>
+                <a:srgbClr val="000000"/>
+              </a:buClr>
+              <a:buSzPts val="1200"/>
+              <a:buFont typeface="Arial"/>
+              <a:buNone/>
+              <a:defRPr b="0" i="0" sz="1200" u="none" cap="none" strike="noStrike">
+                <a:solidFill>
+                  <a:srgbClr val="888888"/>
+                </a:solidFill>
+                <a:latin typeface="Calibri"/>
+                <a:ea typeface="Calibri"/>
+                <a:cs typeface="Calibri"/>
+                <a:sym typeface="Calibri"/>
+              </a:defRPr>
             </a:lvl6pPr>
-            <a:lvl7pPr indent="0" lvl="6" marL="0" algn="r">
-              <a:spcBef>
-                <a:spcPts val="0"/>
-              </a:spcBef>
-              <a:buNone/>
-              <a:defRPr/>
+            <a:lvl7pPr indent="0" lvl="6" marL="0" marR="0" algn="r">
+              <a:lnSpc>
+                <a:spcPct val="100000"/>
+              </a:lnSpc>
+              <a:spcBef>
+                <a:spcPts val="0"/>
+              </a:spcBef>
+              <a:spcAft>
+                <a:spcPts val="0"/>
+              </a:spcAft>
+              <a:buClr>
+                <a:srgbClr val="000000"/>
+              </a:buClr>
+              <a:buSzPts val="1200"/>
+              <a:buFont typeface="Arial"/>
+              <a:buNone/>
+              <a:defRPr b="0" i="0" sz="1200" u="none" cap="none" strike="noStrike">
+                <a:solidFill>
+                  <a:srgbClr val="888888"/>
+                </a:solidFill>
+                <a:latin typeface="Calibri"/>
+                <a:ea typeface="Calibri"/>
+                <a:cs typeface="Calibri"/>
+                <a:sym typeface="Calibri"/>
+              </a:defRPr>
             </a:lvl7pPr>
-            <a:lvl8pPr indent="0" lvl="7" marL="0" algn="r">
-              <a:spcBef>
-                <a:spcPts val="0"/>
-              </a:spcBef>
-              <a:buNone/>
-              <a:defRPr/>
+            <a:lvl8pPr indent="0" lvl="7" marL="0" marR="0" algn="r">
+              <a:lnSpc>
+                <a:spcPct val="100000"/>
+              </a:lnSpc>
+              <a:spcBef>
+                <a:spcPts val="0"/>
+              </a:spcBef>
+              <a:spcAft>
+                <a:spcPts val="0"/>
+              </a:spcAft>
+              <a:buClr>
+                <a:srgbClr val="000000"/>
+              </a:buClr>
+              <a:buSzPts val="1200"/>
+              <a:buFont typeface="Arial"/>
+              <a:buNone/>
+              <a:defRPr b="0" i="0" sz="1200" u="none" cap="none" strike="noStrike">
+                <a:solidFill>
+                  <a:srgbClr val="888888"/>
+                </a:solidFill>
+                <a:latin typeface="Calibri"/>
+                <a:ea typeface="Calibri"/>
+                <a:cs typeface="Calibri"/>
+                <a:sym typeface="Calibri"/>
+              </a:defRPr>
             </a:lvl8pPr>
-            <a:lvl9pPr indent="0" lvl="8" marL="0" algn="r">
-              <a:spcBef>
-                <a:spcPts val="0"/>
-              </a:spcBef>
-              <a:buNone/>
-              <a:defRPr/>
+            <a:lvl9pPr indent="0" lvl="8" marL="0" marR="0" algn="r">
+              <a:lnSpc>
+                <a:spcPct val="100000"/>
+              </a:lnSpc>
+              <a:spcBef>
+                <a:spcPts val="0"/>
+              </a:spcBef>
+              <a:spcAft>
+                <a:spcPts val="0"/>
+              </a:spcAft>
+              <a:buClr>
+                <a:srgbClr val="000000"/>
+              </a:buClr>
+              <a:buSzPts val="1200"/>
+              <a:buFont typeface="Arial"/>
+              <a:buNone/>
+              <a:defRPr b="0" i="0" sz="1200" u="none" cap="none" strike="noStrike">
+                <a:solidFill>
+                  <a:srgbClr val="888888"/>
+                </a:solidFill>
+                <a:latin typeface="Calibri"/>
+                <a:ea typeface="Calibri"/>
+                <a:cs typeface="Calibri"/>
+                <a:sym typeface="Calibri"/>
+              </a:defRPr>
             </a:lvl9pPr>
           </a:lstStyle>
           <a:p>
@@ -8942,6 +12018,9 @@
           </a:bodyPr>
           <a:lstStyle>
             <a:lvl1pPr lvl="0" marR="0" rtl="0" algn="ctr">
+              <a:lnSpc>
+                <a:spcPct val="100000"/>
+              </a:lnSpc>
               <a:spcBef>
                 <a:spcPts val="0"/>
               </a:spcBef>
@@ -8964,93 +12043,213 @@
                 <a:sym typeface="Calibri"/>
               </a:defRPr>
             </a:lvl1pPr>
-            <a:lvl2pPr lvl="1">
-              <a:spcBef>
-                <a:spcPts val="0"/>
-              </a:spcBef>
-              <a:spcAft>
-                <a:spcPts val="0"/>
-              </a:spcAft>
-              <a:buSzPts val="1400"/>
-              <a:buNone/>
-              <a:defRPr sz="1800"/>
+            <a:lvl2pPr lvl="1" marR="0" rtl="0" algn="l">
+              <a:lnSpc>
+                <a:spcPct val="100000"/>
+              </a:lnSpc>
+              <a:spcBef>
+                <a:spcPts val="0"/>
+              </a:spcBef>
+              <a:spcAft>
+                <a:spcPts val="0"/>
+              </a:spcAft>
+              <a:buClr>
+                <a:srgbClr val="000000"/>
+              </a:buClr>
+              <a:buSzPts val="1400"/>
+              <a:buFont typeface="Arial"/>
+              <a:buNone/>
+              <a:defRPr b="0" i="0" sz="1800" u="none" cap="none" strike="noStrike">
+                <a:solidFill>
+                  <a:srgbClr val="000000"/>
+                </a:solidFill>
+                <a:latin typeface="Arial"/>
+                <a:ea typeface="Arial"/>
+                <a:cs typeface="Arial"/>
+                <a:sym typeface="Arial"/>
+              </a:defRPr>
             </a:lvl2pPr>
-            <a:lvl3pPr lvl="2">
-              <a:spcBef>
-                <a:spcPts val="0"/>
-              </a:spcBef>
-              <a:spcAft>
-                <a:spcPts val="0"/>
-              </a:spcAft>
-              <a:buSzPts val="1400"/>
-              <a:buNone/>
-              <a:defRPr sz="1800"/>
+            <a:lvl3pPr lvl="2" marR="0" rtl="0" algn="l">
+              <a:lnSpc>
+                <a:spcPct val="100000"/>
+              </a:lnSpc>
+              <a:spcBef>
+                <a:spcPts val="0"/>
+              </a:spcBef>
+              <a:spcAft>
+                <a:spcPts val="0"/>
+              </a:spcAft>
+              <a:buClr>
+                <a:srgbClr val="000000"/>
+              </a:buClr>
+              <a:buSzPts val="1400"/>
+              <a:buFont typeface="Arial"/>
+              <a:buNone/>
+              <a:defRPr b="0" i="0" sz="1800" u="none" cap="none" strike="noStrike">
+                <a:solidFill>
+                  <a:srgbClr val="000000"/>
+                </a:solidFill>
+                <a:latin typeface="Arial"/>
+                <a:ea typeface="Arial"/>
+                <a:cs typeface="Arial"/>
+                <a:sym typeface="Arial"/>
+              </a:defRPr>
             </a:lvl3pPr>
-            <a:lvl4pPr lvl="3">
-              <a:spcBef>
-                <a:spcPts val="0"/>
-              </a:spcBef>
-              <a:spcAft>
-                <a:spcPts val="0"/>
-              </a:spcAft>
-              <a:buSzPts val="1400"/>
-              <a:buNone/>
-              <a:defRPr sz="1800"/>
+            <a:lvl4pPr lvl="3" marR="0" rtl="0" algn="l">
+              <a:lnSpc>
+                <a:spcPct val="100000"/>
+              </a:lnSpc>
+              <a:spcBef>
+                <a:spcPts val="0"/>
+              </a:spcBef>
+              <a:spcAft>
+                <a:spcPts val="0"/>
+              </a:spcAft>
+              <a:buClr>
+                <a:srgbClr val="000000"/>
+              </a:buClr>
+              <a:buSzPts val="1400"/>
+              <a:buFont typeface="Arial"/>
+              <a:buNone/>
+              <a:defRPr b="0" i="0" sz="1800" u="none" cap="none" strike="noStrike">
+                <a:solidFill>
+                  <a:srgbClr val="000000"/>
+                </a:solidFill>
+                <a:latin typeface="Arial"/>
+                <a:ea typeface="Arial"/>
+                <a:cs typeface="Arial"/>
+                <a:sym typeface="Arial"/>
+              </a:defRPr>
             </a:lvl4pPr>
-            <a:lvl5pPr lvl="4">
-              <a:spcBef>
-                <a:spcPts val="0"/>
-              </a:spcBef>
-              <a:spcAft>
-                <a:spcPts val="0"/>
-              </a:spcAft>
-              <a:buSzPts val="1400"/>
-              <a:buNone/>
-              <a:defRPr sz="1800"/>
+            <a:lvl5pPr lvl="4" marR="0" rtl="0" algn="l">
+              <a:lnSpc>
+                <a:spcPct val="100000"/>
+              </a:lnSpc>
+              <a:spcBef>
+                <a:spcPts val="0"/>
+              </a:spcBef>
+              <a:spcAft>
+                <a:spcPts val="0"/>
+              </a:spcAft>
+              <a:buClr>
+                <a:srgbClr val="000000"/>
+              </a:buClr>
+              <a:buSzPts val="1400"/>
+              <a:buFont typeface="Arial"/>
+              <a:buNone/>
+              <a:defRPr b="0" i="0" sz="1800" u="none" cap="none" strike="noStrike">
+                <a:solidFill>
+                  <a:srgbClr val="000000"/>
+                </a:solidFill>
+                <a:latin typeface="Arial"/>
+                <a:ea typeface="Arial"/>
+                <a:cs typeface="Arial"/>
+                <a:sym typeface="Arial"/>
+              </a:defRPr>
             </a:lvl5pPr>
-            <a:lvl6pPr lvl="5">
-              <a:spcBef>
-                <a:spcPts val="0"/>
-              </a:spcBef>
-              <a:spcAft>
-                <a:spcPts val="0"/>
-              </a:spcAft>
-              <a:buSzPts val="1400"/>
-              <a:buNone/>
-              <a:defRPr sz="1800"/>
+            <a:lvl6pPr lvl="5" marR="0" rtl="0" algn="l">
+              <a:lnSpc>
+                <a:spcPct val="100000"/>
+              </a:lnSpc>
+              <a:spcBef>
+                <a:spcPts val="0"/>
+              </a:spcBef>
+              <a:spcAft>
+                <a:spcPts val="0"/>
+              </a:spcAft>
+              <a:buClr>
+                <a:srgbClr val="000000"/>
+              </a:buClr>
+              <a:buSzPts val="1400"/>
+              <a:buFont typeface="Arial"/>
+              <a:buNone/>
+              <a:defRPr b="0" i="0" sz="1800" u="none" cap="none" strike="noStrike">
+                <a:solidFill>
+                  <a:srgbClr val="000000"/>
+                </a:solidFill>
+                <a:latin typeface="Arial"/>
+                <a:ea typeface="Arial"/>
+                <a:cs typeface="Arial"/>
+                <a:sym typeface="Arial"/>
+              </a:defRPr>
             </a:lvl6pPr>
-            <a:lvl7pPr lvl="6">
-              <a:spcBef>
-                <a:spcPts val="0"/>
-              </a:spcBef>
-              <a:spcAft>
-                <a:spcPts val="0"/>
-              </a:spcAft>
-              <a:buSzPts val="1400"/>
-              <a:buNone/>
-              <a:defRPr sz="1800"/>
+            <a:lvl7pPr lvl="6" marR="0" rtl="0" algn="l">
+              <a:lnSpc>
+                <a:spcPct val="100000"/>
+              </a:lnSpc>
+              <a:spcBef>
+                <a:spcPts val="0"/>
+              </a:spcBef>
+              <a:spcAft>
+                <a:spcPts val="0"/>
+              </a:spcAft>
+              <a:buClr>
+                <a:srgbClr val="000000"/>
+              </a:buClr>
+              <a:buSzPts val="1400"/>
+              <a:buFont typeface="Arial"/>
+              <a:buNone/>
+              <a:defRPr b="0" i="0" sz="1800" u="none" cap="none" strike="noStrike">
+                <a:solidFill>
+                  <a:srgbClr val="000000"/>
+                </a:solidFill>
+                <a:latin typeface="Arial"/>
+                <a:ea typeface="Arial"/>
+                <a:cs typeface="Arial"/>
+                <a:sym typeface="Arial"/>
+              </a:defRPr>
             </a:lvl7pPr>
-            <a:lvl8pPr lvl="7">
-              <a:spcBef>
-                <a:spcPts val="0"/>
-              </a:spcBef>
-              <a:spcAft>
-                <a:spcPts val="0"/>
-              </a:spcAft>
-              <a:buSzPts val="1400"/>
-              <a:buNone/>
-              <a:defRPr sz="1800"/>
+            <a:lvl8pPr lvl="7" marR="0" rtl="0" algn="l">
+              <a:lnSpc>
+                <a:spcPct val="100000"/>
+              </a:lnSpc>
+              <a:spcBef>
+                <a:spcPts val="0"/>
+              </a:spcBef>
+              <a:spcAft>
+                <a:spcPts val="0"/>
+              </a:spcAft>
+              <a:buClr>
+                <a:srgbClr val="000000"/>
+              </a:buClr>
+              <a:buSzPts val="1400"/>
+              <a:buFont typeface="Arial"/>
+              <a:buNone/>
+              <a:defRPr b="0" i="0" sz="1800" u="none" cap="none" strike="noStrike">
+                <a:solidFill>
+                  <a:srgbClr val="000000"/>
+                </a:solidFill>
+                <a:latin typeface="Arial"/>
+                <a:ea typeface="Arial"/>
+                <a:cs typeface="Arial"/>
+                <a:sym typeface="Arial"/>
+              </a:defRPr>
             </a:lvl8pPr>
-            <a:lvl9pPr lvl="8">
-              <a:spcBef>
-                <a:spcPts val="0"/>
-              </a:spcBef>
-              <a:spcAft>
-                <a:spcPts val="0"/>
-              </a:spcAft>
-              <a:buSzPts val="1400"/>
-              <a:buNone/>
-              <a:defRPr sz="1800"/>
+            <a:lvl9pPr lvl="8" marR="0" rtl="0" algn="l">
+              <a:lnSpc>
+                <a:spcPct val="100000"/>
+              </a:lnSpc>
+              <a:spcBef>
+                <a:spcPts val="0"/>
+              </a:spcBef>
+              <a:spcAft>
+                <a:spcPts val="0"/>
+              </a:spcAft>
+              <a:buClr>
+                <a:srgbClr val="000000"/>
+              </a:buClr>
+              <a:buSzPts val="1400"/>
+              <a:buFont typeface="Arial"/>
+              <a:buNone/>
+              <a:defRPr b="0" i="0" sz="1800" u="none" cap="none" strike="noStrike">
+                <a:solidFill>
+                  <a:srgbClr val="000000"/>
+                </a:solidFill>
+                <a:latin typeface="Arial"/>
+                <a:ea typeface="Arial"/>
+                <a:cs typeface="Arial"/>
+                <a:sym typeface="Arial"/>
+              </a:defRPr>
             </a:lvl9pPr>
           </a:lstStyle>
           <a:p/>
@@ -9083,6 +12282,9 @@
           </a:bodyPr>
           <a:lstStyle>
             <a:lvl1pPr indent="-431800" lvl="0" marL="457200" marR="0" rtl="0" algn="l">
+              <a:lnSpc>
+                <a:spcPct val="100000"/>
+              </a:lnSpc>
               <a:spcBef>
                 <a:spcPts val="640"/>
               </a:spcBef>
@@ -9106,6 +12308,9 @@
               </a:defRPr>
             </a:lvl1pPr>
             <a:lvl2pPr indent="-406400" lvl="1" marL="914400" marR="0" rtl="0" algn="l">
+              <a:lnSpc>
+                <a:spcPct val="100000"/>
+              </a:lnSpc>
               <a:spcBef>
                 <a:spcPts val="560"/>
               </a:spcBef>
@@ -9129,6 +12334,9 @@
               </a:defRPr>
             </a:lvl2pPr>
             <a:lvl3pPr indent="-381000" lvl="2" marL="1371600" marR="0" rtl="0" algn="l">
+              <a:lnSpc>
+                <a:spcPct val="100000"/>
+              </a:lnSpc>
               <a:spcBef>
                 <a:spcPts val="480"/>
               </a:spcBef>
@@ -9152,6 +12360,9 @@
               </a:defRPr>
             </a:lvl3pPr>
             <a:lvl4pPr indent="-355600" lvl="3" marL="1828800" marR="0" rtl="0" algn="l">
+              <a:lnSpc>
+                <a:spcPct val="100000"/>
+              </a:lnSpc>
               <a:spcBef>
                 <a:spcPts val="400"/>
               </a:spcBef>
@@ -9175,6 +12386,9 @@
               </a:defRPr>
             </a:lvl4pPr>
             <a:lvl5pPr indent="-355600" lvl="4" marL="2286000" marR="0" rtl="0" algn="l">
+              <a:lnSpc>
+                <a:spcPct val="100000"/>
+              </a:lnSpc>
               <a:spcBef>
                 <a:spcPts val="400"/>
               </a:spcBef>
@@ -9198,6 +12412,9 @@
               </a:defRPr>
             </a:lvl5pPr>
             <a:lvl6pPr indent="-355600" lvl="5" marL="2743200" marR="0" rtl="0" algn="l">
+              <a:lnSpc>
+                <a:spcPct val="100000"/>
+              </a:lnSpc>
               <a:spcBef>
                 <a:spcPts val="400"/>
               </a:spcBef>
@@ -9221,6 +12438,9 @@
               </a:defRPr>
             </a:lvl6pPr>
             <a:lvl7pPr indent="-355600" lvl="6" marL="3200400" marR="0" rtl="0" algn="l">
+              <a:lnSpc>
+                <a:spcPct val="100000"/>
+              </a:lnSpc>
               <a:spcBef>
                 <a:spcPts val="400"/>
               </a:spcBef>
@@ -9244,6 +12464,9 @@
               </a:defRPr>
             </a:lvl7pPr>
             <a:lvl8pPr indent="-355600" lvl="7" marL="3657600" marR="0" rtl="0" algn="l">
+              <a:lnSpc>
+                <a:spcPct val="100000"/>
+              </a:lnSpc>
               <a:spcBef>
                 <a:spcPts val="400"/>
               </a:spcBef>
@@ -9267,6 +12490,9 @@
               </a:defRPr>
             </a:lvl8pPr>
             <a:lvl9pPr indent="-355600" lvl="8" marL="4114800" marR="0" rtl="0" algn="l">
+              <a:lnSpc>
+                <a:spcPct val="100000"/>
+              </a:lnSpc>
               <a:spcBef>
                 <a:spcPts val="400"/>
               </a:spcBef>
@@ -9320,13 +12546,20 @@
           </a:bodyPr>
           <a:lstStyle>
             <a:lvl1pPr lvl="0" marR="0" rtl="0" algn="l">
-              <a:spcBef>
-                <a:spcPts val="0"/>
-              </a:spcBef>
-              <a:spcAft>
-                <a:spcPts val="0"/>
-              </a:spcAft>
-              <a:buSzPts val="1400"/>
+              <a:lnSpc>
+                <a:spcPct val="100000"/>
+              </a:lnSpc>
+              <a:spcBef>
+                <a:spcPts val="0"/>
+              </a:spcBef>
+              <a:spcAft>
+                <a:spcPts val="0"/>
+              </a:spcAft>
+              <a:buClr>
+                <a:srgbClr val="000000"/>
+              </a:buClr>
+              <a:buSzPts val="1400"/>
+              <a:buFont typeface="Arial"/>
               <a:buNone/>
               <a:defRPr b="0" i="0" sz="1200" u="none" cap="none" strike="noStrike">
                 <a:solidFill>
@@ -9339,13 +12572,20 @@
               </a:defRPr>
             </a:lvl1pPr>
             <a:lvl2pPr lvl="1" marR="0" rtl="0" algn="l">
-              <a:spcBef>
-                <a:spcPts val="0"/>
-              </a:spcBef>
-              <a:spcAft>
-                <a:spcPts val="0"/>
-              </a:spcAft>
-              <a:buSzPts val="1400"/>
+              <a:lnSpc>
+                <a:spcPct val="100000"/>
+              </a:lnSpc>
+              <a:spcBef>
+                <a:spcPts val="0"/>
+              </a:spcBef>
+              <a:spcAft>
+                <a:spcPts val="0"/>
+              </a:spcAft>
+              <a:buClr>
+                <a:srgbClr val="000000"/>
+              </a:buClr>
+              <a:buSzPts val="1400"/>
+              <a:buFont typeface="Arial"/>
               <a:buNone/>
               <a:defRPr b="0" i="0" sz="1800" u="none" cap="none" strike="noStrike">
                 <a:solidFill>
@@ -9358,13 +12598,20 @@
               </a:defRPr>
             </a:lvl2pPr>
             <a:lvl3pPr lvl="2" marR="0" rtl="0" algn="l">
-              <a:spcBef>
-                <a:spcPts val="0"/>
-              </a:spcBef>
-              <a:spcAft>
-                <a:spcPts val="0"/>
-              </a:spcAft>
-              <a:buSzPts val="1400"/>
+              <a:lnSpc>
+                <a:spcPct val="100000"/>
+              </a:lnSpc>
+              <a:spcBef>
+                <a:spcPts val="0"/>
+              </a:spcBef>
+              <a:spcAft>
+                <a:spcPts val="0"/>
+              </a:spcAft>
+              <a:buClr>
+                <a:srgbClr val="000000"/>
+              </a:buClr>
+              <a:buSzPts val="1400"/>
+              <a:buFont typeface="Arial"/>
               <a:buNone/>
               <a:defRPr b="0" i="0" sz="1800" u="none" cap="none" strike="noStrike">
                 <a:solidFill>
@@ -9377,13 +12624,20 @@
               </a:defRPr>
             </a:lvl3pPr>
             <a:lvl4pPr lvl="3" marR="0" rtl="0" algn="l">
-              <a:spcBef>
-                <a:spcPts val="0"/>
-              </a:spcBef>
-              <a:spcAft>
-                <a:spcPts val="0"/>
-              </a:spcAft>
-              <a:buSzPts val="1400"/>
+              <a:lnSpc>
+                <a:spcPct val="100000"/>
+              </a:lnSpc>
+              <a:spcBef>
+                <a:spcPts val="0"/>
+              </a:spcBef>
+              <a:spcAft>
+                <a:spcPts val="0"/>
+              </a:spcAft>
+              <a:buClr>
+                <a:srgbClr val="000000"/>
+              </a:buClr>
+              <a:buSzPts val="1400"/>
+              <a:buFont typeface="Arial"/>
               <a:buNone/>
               <a:defRPr b="0" i="0" sz="1800" u="none" cap="none" strike="noStrike">
                 <a:solidFill>
@@ -9396,13 +12650,20 @@
               </a:defRPr>
             </a:lvl4pPr>
             <a:lvl5pPr lvl="4" marR="0" rtl="0" algn="l">
-              <a:spcBef>
-                <a:spcPts val="0"/>
-              </a:spcBef>
-              <a:spcAft>
-                <a:spcPts val="0"/>
-              </a:spcAft>
-              <a:buSzPts val="1400"/>
+              <a:lnSpc>
+                <a:spcPct val="100000"/>
+              </a:lnSpc>
+              <a:spcBef>
+                <a:spcPts val="0"/>
+              </a:spcBef>
+              <a:spcAft>
+                <a:spcPts val="0"/>
+              </a:spcAft>
+              <a:buClr>
+                <a:srgbClr val="000000"/>
+              </a:buClr>
+              <a:buSzPts val="1400"/>
+              <a:buFont typeface="Arial"/>
               <a:buNone/>
               <a:defRPr b="0" i="0" sz="1800" u="none" cap="none" strike="noStrike">
                 <a:solidFill>
@@ -9415,13 +12676,20 @@
               </a:defRPr>
             </a:lvl5pPr>
             <a:lvl6pPr lvl="5" marR="0" rtl="0" algn="l">
-              <a:spcBef>
-                <a:spcPts val="0"/>
-              </a:spcBef>
-              <a:spcAft>
-                <a:spcPts val="0"/>
-              </a:spcAft>
-              <a:buSzPts val="1400"/>
+              <a:lnSpc>
+                <a:spcPct val="100000"/>
+              </a:lnSpc>
+              <a:spcBef>
+                <a:spcPts val="0"/>
+              </a:spcBef>
+              <a:spcAft>
+                <a:spcPts val="0"/>
+              </a:spcAft>
+              <a:buClr>
+                <a:srgbClr val="000000"/>
+              </a:buClr>
+              <a:buSzPts val="1400"/>
+              <a:buFont typeface="Arial"/>
               <a:buNone/>
               <a:defRPr b="0" i="0" sz="1800" u="none" cap="none" strike="noStrike">
                 <a:solidFill>
@@ -9434,13 +12702,20 @@
               </a:defRPr>
             </a:lvl6pPr>
             <a:lvl7pPr lvl="6" marR="0" rtl="0" algn="l">
-              <a:spcBef>
-                <a:spcPts val="0"/>
-              </a:spcBef>
-              <a:spcAft>
-                <a:spcPts val="0"/>
-              </a:spcAft>
-              <a:buSzPts val="1400"/>
+              <a:lnSpc>
+                <a:spcPct val="100000"/>
+              </a:lnSpc>
+              <a:spcBef>
+                <a:spcPts val="0"/>
+              </a:spcBef>
+              <a:spcAft>
+                <a:spcPts val="0"/>
+              </a:spcAft>
+              <a:buClr>
+                <a:srgbClr val="000000"/>
+              </a:buClr>
+              <a:buSzPts val="1400"/>
+              <a:buFont typeface="Arial"/>
               <a:buNone/>
               <a:defRPr b="0" i="0" sz="1800" u="none" cap="none" strike="noStrike">
                 <a:solidFill>
@@ -9453,13 +12728,20 @@
               </a:defRPr>
             </a:lvl7pPr>
             <a:lvl8pPr lvl="7" marR="0" rtl="0" algn="l">
-              <a:spcBef>
-                <a:spcPts val="0"/>
-              </a:spcBef>
-              <a:spcAft>
-                <a:spcPts val="0"/>
-              </a:spcAft>
-              <a:buSzPts val="1400"/>
+              <a:lnSpc>
+                <a:spcPct val="100000"/>
+              </a:lnSpc>
+              <a:spcBef>
+                <a:spcPts val="0"/>
+              </a:spcBef>
+              <a:spcAft>
+                <a:spcPts val="0"/>
+              </a:spcAft>
+              <a:buClr>
+                <a:srgbClr val="000000"/>
+              </a:buClr>
+              <a:buSzPts val="1400"/>
+              <a:buFont typeface="Arial"/>
               <a:buNone/>
               <a:defRPr b="0" i="0" sz="1800" u="none" cap="none" strike="noStrike">
                 <a:solidFill>
@@ -9472,13 +12754,20 @@
               </a:defRPr>
             </a:lvl8pPr>
             <a:lvl9pPr lvl="8" marR="0" rtl="0" algn="l">
-              <a:spcBef>
-                <a:spcPts val="0"/>
-              </a:spcBef>
-              <a:spcAft>
-                <a:spcPts val="0"/>
-              </a:spcAft>
-              <a:buSzPts val="1400"/>
+              <a:lnSpc>
+                <a:spcPct val="100000"/>
+              </a:lnSpc>
+              <a:spcBef>
+                <a:spcPts val="0"/>
+              </a:spcBef>
+              <a:spcAft>
+                <a:spcPts val="0"/>
+              </a:spcAft>
+              <a:buClr>
+                <a:srgbClr val="000000"/>
+              </a:buClr>
+              <a:buSzPts val="1400"/>
+              <a:buFont typeface="Arial"/>
               <a:buNone/>
               <a:defRPr b="0" i="0" sz="1800" u="none" cap="none" strike="noStrike">
                 <a:solidFill>
@@ -9521,13 +12810,20 @@
           </a:bodyPr>
           <a:lstStyle>
             <a:lvl1pPr lvl="0" marR="0" rtl="0" algn="ctr">
-              <a:spcBef>
-                <a:spcPts val="0"/>
-              </a:spcBef>
-              <a:spcAft>
-                <a:spcPts val="0"/>
-              </a:spcAft>
-              <a:buSzPts val="1400"/>
+              <a:lnSpc>
+                <a:spcPct val="100000"/>
+              </a:lnSpc>
+              <a:spcBef>
+                <a:spcPts val="0"/>
+              </a:spcBef>
+              <a:spcAft>
+                <a:spcPts val="0"/>
+              </a:spcAft>
+              <a:buClr>
+                <a:srgbClr val="000000"/>
+              </a:buClr>
+              <a:buSzPts val="1400"/>
+              <a:buFont typeface="Arial"/>
               <a:buNone/>
               <a:defRPr b="0" i="0" sz="1200" u="none" cap="none" strike="noStrike">
                 <a:solidFill>
@@ -9540,13 +12836,20 @@
               </a:defRPr>
             </a:lvl1pPr>
             <a:lvl2pPr lvl="1" marR="0" rtl="0" algn="l">
-              <a:spcBef>
-                <a:spcPts val="0"/>
-              </a:spcBef>
-              <a:spcAft>
-                <a:spcPts val="0"/>
-              </a:spcAft>
-              <a:buSzPts val="1400"/>
+              <a:lnSpc>
+                <a:spcPct val="100000"/>
+              </a:lnSpc>
+              <a:spcBef>
+                <a:spcPts val="0"/>
+              </a:spcBef>
+              <a:spcAft>
+                <a:spcPts val="0"/>
+              </a:spcAft>
+              <a:buClr>
+                <a:srgbClr val="000000"/>
+              </a:buClr>
+              <a:buSzPts val="1400"/>
+              <a:buFont typeface="Arial"/>
               <a:buNone/>
               <a:defRPr b="0" i="0" sz="1800" u="none" cap="none" strike="noStrike">
                 <a:solidFill>
@@ -9559,13 +12862,20 @@
               </a:defRPr>
             </a:lvl2pPr>
             <a:lvl3pPr lvl="2" marR="0" rtl="0" algn="l">
-              <a:spcBef>
-                <a:spcPts val="0"/>
-              </a:spcBef>
-              <a:spcAft>
-                <a:spcPts val="0"/>
-              </a:spcAft>
-              <a:buSzPts val="1400"/>
+              <a:lnSpc>
+                <a:spcPct val="100000"/>
+              </a:lnSpc>
+              <a:spcBef>
+                <a:spcPts val="0"/>
+              </a:spcBef>
+              <a:spcAft>
+                <a:spcPts val="0"/>
+              </a:spcAft>
+              <a:buClr>
+                <a:srgbClr val="000000"/>
+              </a:buClr>
+              <a:buSzPts val="1400"/>
+              <a:buFont typeface="Arial"/>
               <a:buNone/>
               <a:defRPr b="0" i="0" sz="1800" u="none" cap="none" strike="noStrike">
                 <a:solidFill>
@@ -9578,13 +12888,20 @@
               </a:defRPr>
             </a:lvl3pPr>
             <a:lvl4pPr lvl="3" marR="0" rtl="0" algn="l">
-              <a:spcBef>
-                <a:spcPts val="0"/>
-              </a:spcBef>
-              <a:spcAft>
-                <a:spcPts val="0"/>
-              </a:spcAft>
-              <a:buSzPts val="1400"/>
+              <a:lnSpc>
+                <a:spcPct val="100000"/>
+              </a:lnSpc>
+              <a:spcBef>
+                <a:spcPts val="0"/>
+              </a:spcBef>
+              <a:spcAft>
+                <a:spcPts val="0"/>
+              </a:spcAft>
+              <a:buClr>
+                <a:srgbClr val="000000"/>
+              </a:buClr>
+              <a:buSzPts val="1400"/>
+              <a:buFont typeface="Arial"/>
               <a:buNone/>
               <a:defRPr b="0" i="0" sz="1800" u="none" cap="none" strike="noStrike">
                 <a:solidFill>
@@ -9597,13 +12914,20 @@
               </a:defRPr>
             </a:lvl4pPr>
             <a:lvl5pPr lvl="4" marR="0" rtl="0" algn="l">
-              <a:spcBef>
-                <a:spcPts val="0"/>
-              </a:spcBef>
-              <a:spcAft>
-                <a:spcPts val="0"/>
-              </a:spcAft>
-              <a:buSzPts val="1400"/>
+              <a:lnSpc>
+                <a:spcPct val="100000"/>
+              </a:lnSpc>
+              <a:spcBef>
+                <a:spcPts val="0"/>
+              </a:spcBef>
+              <a:spcAft>
+                <a:spcPts val="0"/>
+              </a:spcAft>
+              <a:buClr>
+                <a:srgbClr val="000000"/>
+              </a:buClr>
+              <a:buSzPts val="1400"/>
+              <a:buFont typeface="Arial"/>
               <a:buNone/>
               <a:defRPr b="0" i="0" sz="1800" u="none" cap="none" strike="noStrike">
                 <a:solidFill>
@@ -9616,13 +12940,20 @@
               </a:defRPr>
             </a:lvl5pPr>
             <a:lvl6pPr lvl="5" marR="0" rtl="0" algn="l">
-              <a:spcBef>
-                <a:spcPts val="0"/>
-              </a:spcBef>
-              <a:spcAft>
-                <a:spcPts val="0"/>
-              </a:spcAft>
-              <a:buSzPts val="1400"/>
+              <a:lnSpc>
+                <a:spcPct val="100000"/>
+              </a:lnSpc>
+              <a:spcBef>
+                <a:spcPts val="0"/>
+              </a:spcBef>
+              <a:spcAft>
+                <a:spcPts val="0"/>
+              </a:spcAft>
+              <a:buClr>
+                <a:srgbClr val="000000"/>
+              </a:buClr>
+              <a:buSzPts val="1400"/>
+              <a:buFont typeface="Arial"/>
               <a:buNone/>
               <a:defRPr b="0" i="0" sz="1800" u="none" cap="none" strike="noStrike">
                 <a:solidFill>
@@ -9635,13 +12966,20 @@
               </a:defRPr>
             </a:lvl6pPr>
             <a:lvl7pPr lvl="6" marR="0" rtl="0" algn="l">
-              <a:spcBef>
-                <a:spcPts val="0"/>
-              </a:spcBef>
-              <a:spcAft>
-                <a:spcPts val="0"/>
-              </a:spcAft>
-              <a:buSzPts val="1400"/>
+              <a:lnSpc>
+                <a:spcPct val="100000"/>
+              </a:lnSpc>
+              <a:spcBef>
+                <a:spcPts val="0"/>
+              </a:spcBef>
+              <a:spcAft>
+                <a:spcPts val="0"/>
+              </a:spcAft>
+              <a:buClr>
+                <a:srgbClr val="000000"/>
+              </a:buClr>
+              <a:buSzPts val="1400"/>
+              <a:buFont typeface="Arial"/>
               <a:buNone/>
               <a:defRPr b="0" i="0" sz="1800" u="none" cap="none" strike="noStrike">
                 <a:solidFill>
@@ -9654,13 +12992,20 @@
               </a:defRPr>
             </a:lvl7pPr>
             <a:lvl8pPr lvl="7" marR="0" rtl="0" algn="l">
-              <a:spcBef>
-                <a:spcPts val="0"/>
-              </a:spcBef>
-              <a:spcAft>
-                <a:spcPts val="0"/>
-              </a:spcAft>
-              <a:buSzPts val="1400"/>
+              <a:lnSpc>
+                <a:spcPct val="100000"/>
+              </a:lnSpc>
+              <a:spcBef>
+                <a:spcPts val="0"/>
+              </a:spcBef>
+              <a:spcAft>
+                <a:spcPts val="0"/>
+              </a:spcAft>
+              <a:buClr>
+                <a:srgbClr val="000000"/>
+              </a:buClr>
+              <a:buSzPts val="1400"/>
+              <a:buFont typeface="Arial"/>
               <a:buNone/>
               <a:defRPr b="0" i="0" sz="1800" u="none" cap="none" strike="noStrike">
                 <a:solidFill>
@@ -9673,13 +13018,20 @@
               </a:defRPr>
             </a:lvl8pPr>
             <a:lvl9pPr lvl="8" marR="0" rtl="0" algn="l">
-              <a:spcBef>
-                <a:spcPts val="0"/>
-              </a:spcBef>
-              <a:spcAft>
-                <a:spcPts val="0"/>
-              </a:spcAft>
-              <a:buSzPts val="1400"/>
+              <a:lnSpc>
+                <a:spcPct val="100000"/>
+              </a:lnSpc>
+              <a:spcBef>
+                <a:spcPts val="0"/>
+              </a:spcBef>
+              <a:spcAft>
+                <a:spcPts val="0"/>
+              </a:spcAft>
+              <a:buClr>
+                <a:srgbClr val="000000"/>
+              </a:buClr>
+              <a:buSzPts val="1400"/>
+              <a:buFont typeface="Arial"/>
               <a:buNone/>
               <a:defRPr b="0" i="0" sz="1800" u="none" cap="none" strike="noStrike">
                 <a:solidFill>
@@ -9722,9 +13074,20 @@
           </a:bodyPr>
           <a:lstStyle>
             <a:lvl1pPr indent="0" lvl="0" marL="0" marR="0" rtl="0" algn="r">
-              <a:spcBef>
-                <a:spcPts val="0"/>
-              </a:spcBef>
+              <a:lnSpc>
+                <a:spcPct val="100000"/>
+              </a:lnSpc>
+              <a:spcBef>
+                <a:spcPts val="0"/>
+              </a:spcBef>
+              <a:spcAft>
+                <a:spcPts val="0"/>
+              </a:spcAft>
+              <a:buClr>
+                <a:srgbClr val="000000"/>
+              </a:buClr>
+              <a:buSzPts val="1200"/>
+              <a:buFont typeface="Arial"/>
               <a:buNone/>
               <a:defRPr b="0" i="0" sz="1200" u="none" cap="none" strike="noStrike">
                 <a:solidFill>
@@ -9737,9 +13100,20 @@
               </a:defRPr>
             </a:lvl1pPr>
             <a:lvl2pPr indent="0" lvl="1" marL="0" marR="0" rtl="0" algn="r">
-              <a:spcBef>
-                <a:spcPts val="0"/>
-              </a:spcBef>
+              <a:lnSpc>
+                <a:spcPct val="100000"/>
+              </a:lnSpc>
+              <a:spcBef>
+                <a:spcPts val="0"/>
+              </a:spcBef>
+              <a:spcAft>
+                <a:spcPts val="0"/>
+              </a:spcAft>
+              <a:buClr>
+                <a:srgbClr val="000000"/>
+              </a:buClr>
+              <a:buSzPts val="1200"/>
+              <a:buFont typeface="Arial"/>
               <a:buNone/>
               <a:defRPr b="0" i="0" sz="1200" u="none" cap="none" strike="noStrike">
                 <a:solidFill>
@@ -9752,9 +13126,20 @@
               </a:defRPr>
             </a:lvl2pPr>
             <a:lvl3pPr indent="0" lvl="2" marL="0" marR="0" rtl="0" algn="r">
-              <a:spcBef>
-                <a:spcPts val="0"/>
-              </a:spcBef>
+              <a:lnSpc>
+                <a:spcPct val="100000"/>
+              </a:lnSpc>
+              <a:spcBef>
+                <a:spcPts val="0"/>
+              </a:spcBef>
+              <a:spcAft>
+                <a:spcPts val="0"/>
+              </a:spcAft>
+              <a:buClr>
+                <a:srgbClr val="000000"/>
+              </a:buClr>
+              <a:buSzPts val="1200"/>
+              <a:buFont typeface="Arial"/>
               <a:buNone/>
               <a:defRPr b="0" i="0" sz="1200" u="none" cap="none" strike="noStrike">
                 <a:solidFill>
@@ -9767,9 +13152,20 @@
               </a:defRPr>
             </a:lvl3pPr>
             <a:lvl4pPr indent="0" lvl="3" marL="0" marR="0" rtl="0" algn="r">
-              <a:spcBef>
-                <a:spcPts val="0"/>
-              </a:spcBef>
+              <a:lnSpc>
+                <a:spcPct val="100000"/>
+              </a:lnSpc>
+              <a:spcBef>
+                <a:spcPts val="0"/>
+              </a:spcBef>
+              <a:spcAft>
+                <a:spcPts val="0"/>
+              </a:spcAft>
+              <a:buClr>
+                <a:srgbClr val="000000"/>
+              </a:buClr>
+              <a:buSzPts val="1200"/>
+              <a:buFont typeface="Arial"/>
               <a:buNone/>
               <a:defRPr b="0" i="0" sz="1200" u="none" cap="none" strike="noStrike">
                 <a:solidFill>
@@ -9782,9 +13178,20 @@
               </a:defRPr>
             </a:lvl4pPr>
             <a:lvl5pPr indent="0" lvl="4" marL="0" marR="0" rtl="0" algn="r">
-              <a:spcBef>
-                <a:spcPts val="0"/>
-              </a:spcBef>
+              <a:lnSpc>
+                <a:spcPct val="100000"/>
+              </a:lnSpc>
+              <a:spcBef>
+                <a:spcPts val="0"/>
+              </a:spcBef>
+              <a:spcAft>
+                <a:spcPts val="0"/>
+              </a:spcAft>
+              <a:buClr>
+                <a:srgbClr val="000000"/>
+              </a:buClr>
+              <a:buSzPts val="1200"/>
+              <a:buFont typeface="Arial"/>
               <a:buNone/>
               <a:defRPr b="0" i="0" sz="1200" u="none" cap="none" strike="noStrike">
                 <a:solidFill>
@@ -9797,9 +13204,20 @@
               </a:defRPr>
             </a:lvl5pPr>
             <a:lvl6pPr indent="0" lvl="5" marL="0" marR="0" rtl="0" algn="r">
-              <a:spcBef>
-                <a:spcPts val="0"/>
-              </a:spcBef>
+              <a:lnSpc>
+                <a:spcPct val="100000"/>
+              </a:lnSpc>
+              <a:spcBef>
+                <a:spcPts val="0"/>
+              </a:spcBef>
+              <a:spcAft>
+                <a:spcPts val="0"/>
+              </a:spcAft>
+              <a:buClr>
+                <a:srgbClr val="000000"/>
+              </a:buClr>
+              <a:buSzPts val="1200"/>
+              <a:buFont typeface="Arial"/>
               <a:buNone/>
               <a:defRPr b="0" i="0" sz="1200" u="none" cap="none" strike="noStrike">
                 <a:solidFill>
@@ -9812,9 +13230,20 @@
               </a:defRPr>
             </a:lvl6pPr>
             <a:lvl7pPr indent="0" lvl="6" marL="0" marR="0" rtl="0" algn="r">
-              <a:spcBef>
-                <a:spcPts val="0"/>
-              </a:spcBef>
+              <a:lnSpc>
+                <a:spcPct val="100000"/>
+              </a:lnSpc>
+              <a:spcBef>
+                <a:spcPts val="0"/>
+              </a:spcBef>
+              <a:spcAft>
+                <a:spcPts val="0"/>
+              </a:spcAft>
+              <a:buClr>
+                <a:srgbClr val="000000"/>
+              </a:buClr>
+              <a:buSzPts val="1200"/>
+              <a:buFont typeface="Arial"/>
               <a:buNone/>
               <a:defRPr b="0" i="0" sz="1200" u="none" cap="none" strike="noStrike">
                 <a:solidFill>
@@ -9827,9 +13256,20 @@
               </a:defRPr>
             </a:lvl7pPr>
             <a:lvl8pPr indent="0" lvl="7" marL="0" marR="0" rtl="0" algn="r">
-              <a:spcBef>
-                <a:spcPts val="0"/>
-              </a:spcBef>
+              <a:lnSpc>
+                <a:spcPct val="100000"/>
+              </a:lnSpc>
+              <a:spcBef>
+                <a:spcPts val="0"/>
+              </a:spcBef>
+              <a:spcAft>
+                <a:spcPts val="0"/>
+              </a:spcAft>
+              <a:buClr>
+                <a:srgbClr val="000000"/>
+              </a:buClr>
+              <a:buSzPts val="1200"/>
+              <a:buFont typeface="Arial"/>
               <a:buNone/>
               <a:defRPr b="0" i="0" sz="1200" u="none" cap="none" strike="noStrike">
                 <a:solidFill>
@@ -9842,9 +13282,20 @@
               </a:defRPr>
             </a:lvl8pPr>
             <a:lvl9pPr indent="0" lvl="8" marL="0" marR="0" rtl="0" algn="r">
-              <a:spcBef>
-                <a:spcPts val="0"/>
-              </a:spcBef>
+              <a:lnSpc>
+                <a:spcPct val="100000"/>
+              </a:lnSpc>
+              <a:spcBef>
+                <a:spcPts val="0"/>
+              </a:spcBef>
+              <a:spcAft>
+                <a:spcPts val="0"/>
+              </a:spcAft>
+              <a:buClr>
+                <a:srgbClr val="000000"/>
+              </a:buClr>
+              <a:buSzPts val="1200"/>
+              <a:buFont typeface="Arial"/>
               <a:buNone/>
               <a:defRPr b="0" i="0" sz="1200" u="none" cap="none" strike="noStrike">
                 <a:solidFill>
@@ -10609,8 +14060,8 @@
         </p:nvSpPr>
         <p:spPr>
           <a:xfrm>
-            <a:off x="457200" y="457200"/>
-            <a:ext cx="8229600" cy="369300"/>
+            <a:off x="0" y="0"/>
+            <a:ext cx="4613700" cy="3403500"/>
           </a:xfrm>
           <a:prstGeom prst="rect">
             <a:avLst/>
@@ -10621,12 +14072,12 @@
           </a:ln>
         </p:spPr>
         <p:txBody>
-          <a:bodyPr anchorCtr="0" anchor="t" bIns="45700" lIns="91425" spcFirstLastPara="1" rIns="91425" wrap="square" tIns="45700">
-            <a:spAutoFit/>
+          <a:bodyPr anchorCtr="0" anchor="t" bIns="91425" lIns="91425" spcFirstLastPara="1" rIns="91425" wrap="square" tIns="91425">
+            <a:noAutofit/>
           </a:bodyPr>
           <a:lstStyle/>
           <a:p>
-            <a:pPr indent="0" lvl="0" marL="0" marR="0" rtl="0" algn="l">
+            <a:pPr indent="0" lvl="0" marL="0" rtl="0" algn="l">
               <a:spcBef>
                 <a:spcPts val="0"/>
               </a:spcBef>
@@ -10636,7 +14087,7 @@
               <a:buNone/>
             </a:pPr>
             <a:r>
-              <a:rPr lang="en-US" sz="1800">
+              <a:rPr lang="en-US" sz="3200">
                 <a:solidFill>
                   <a:schemeClr val="dk1"/>
                 </a:solidFill>
@@ -10645,98 +14096,30 @@
                 <a:cs typeface="Calibri"/>
                 <a:sym typeface="Calibri"/>
               </a:rPr>
-              <a:t>{{coordinate}} :</a:t>
+              <a:t>{{ paris_map }}</a:t>
             </a:r>
-            <a:r>
-              <a:rPr b="0" i="0" lang="en-US" sz="1800" u="none" cap="none" strike="noStrike">
-                <a:solidFill>
-                  <a:schemeClr val="dk1"/>
-                </a:solidFill>
-                <a:latin typeface="Calibri"/>
-                <a:ea typeface="Calibri"/>
-                <a:cs typeface="Calibri"/>
-                <a:sym typeface="Calibri"/>
-              </a:rPr>
-              <a:t> </a:t>
-            </a:r>
-            <a:r>
-              <a:rPr lang="en-US" sz="1800">
-                <a:solidFill>
-                  <a:schemeClr val="dk1"/>
-                </a:solidFill>
-                <a:latin typeface="Calibri"/>
-                <a:ea typeface="Calibri"/>
-                <a:cs typeface="Calibri"/>
-                <a:sym typeface="Calibri"/>
-              </a:rPr>
-              <a:t>{{מזהה תמונה}}</a:t>
-            </a:r>
-            <a:endParaRPr/>
+            <a:endParaRPr sz="3200">
+              <a:solidFill>
+                <a:schemeClr val="dk1"/>
+              </a:solidFill>
+              <a:latin typeface="Calibri"/>
+              <a:ea typeface="Calibri"/>
+              <a:cs typeface="Calibri"/>
+              <a:sym typeface="Calibri"/>
+            </a:endParaRPr>
           </a:p>
         </p:txBody>
       </p:sp>
-      <p:pic>
-        <p:nvPicPr>
-          <p:cNvPr descr="original_image.png" id="85" name="Google Shape;85;p1"/>
-          <p:cNvPicPr preferRelativeResize="0"/>
-          <p:nvPr/>
-        </p:nvPicPr>
-        <p:blipFill rotWithShape="1">
-          <a:blip r:embed="rId3">
-            <a:alphaModFix/>
-          </a:blip>
-          <a:srcRect b="0" l="0" r="0" t="0"/>
-          <a:stretch/>
-        </p:blipFill>
-        <p:spPr>
-          <a:xfrm>
-            <a:off x="2286000" y="1828800"/>
-            <a:ext cx="4572000" cy="3429000"/>
-          </a:xfrm>
-          <a:prstGeom prst="rect">
-            <a:avLst/>
-          </a:prstGeom>
-          <a:noFill/>
-          <a:ln>
-            <a:noFill/>
-          </a:ln>
-        </p:spPr>
-      </p:pic>
-    </p:spTree>
-  </p:cSld>
-  <p:clrMapOvr>
-    <a:masterClrMapping/>
-  </p:clrMapOvr>
-</p:sld>
-</file>
-
-<file path=ppt/slides/slide2.xml><?xml version="1.0" encoding="utf-8"?>
-<p:sld xmlns:a="http://schemas.openxmlformats.org/drawingml/2006/main" xmlns:r="http://schemas.openxmlformats.org/officeDocument/2006/relationships" xmlns:mc="http://schemas.openxmlformats.org/markup-compatibility/2006" xmlns:mv="urn:schemas-microsoft-com:mac:vml" xmlns:p="http://schemas.openxmlformats.org/presentationml/2006/main" xmlns:c="http://schemas.openxmlformats.org/drawingml/2006/chart" xmlns:dgm="http://schemas.openxmlformats.org/drawingml/2006/diagram" xmlns:o="urn:schemas-microsoft-com:office:office" xmlns:v="urn:schemas-microsoft-com:vml" xmlns:pvml="urn:schemas-microsoft-com:office:powerpoint" xmlns:com="http://schemas.openxmlformats.org/drawingml/2006/compatibility" xmlns:p14="http://schemas.microsoft.com/office/powerpoint/2010/main" xmlns:p15="http://schemas.microsoft.com/office/powerpoint/2012/main" xmlns:ahyp="http://schemas.microsoft.com/office/drawing/2018/hyperlinkcolor">
-  <p:cSld>
-    <p:spTree>
-      <p:nvGrpSpPr>
-        <p:cNvPr id="89" name="Shape 89"/>
-        <p:cNvGrpSpPr/>
-        <p:nvPr/>
-      </p:nvGrpSpPr>
-      <p:grpSpPr>
-        <a:xfrm>
-          <a:off x="0" y="0"/>
-          <a:ext cx="0" cy="0"/>
-          <a:chOff x="0" y="0"/>
-          <a:chExt cx="0" cy="0"/>
-        </a:xfrm>
-      </p:grpSpPr>
       <p:sp>
         <p:nvSpPr>
-          <p:cNvPr id="90" name="Google Shape;90;p2"/>
+          <p:cNvPr id="85" name="Google Shape;85;p1"/>
           <p:cNvSpPr txBox="1"/>
           <p:nvPr/>
         </p:nvSpPr>
         <p:spPr>
           <a:xfrm>
-            <a:off x="457200" y="457200"/>
-            <a:ext cx="8229600" cy="914400"/>
+            <a:off x="-41800" y="3429000"/>
+            <a:ext cx="4613700" cy="3403500"/>
           </a:xfrm>
           <a:prstGeom prst="rect">
             <a:avLst/>
@@ -10747,12 +14130,12 @@
           </a:ln>
         </p:spPr>
         <p:txBody>
-          <a:bodyPr anchorCtr="0" anchor="t" bIns="45700" lIns="91425" spcFirstLastPara="1" rIns="91425" wrap="square" tIns="45700">
-            <a:spAutoFit/>
+          <a:bodyPr anchorCtr="0" anchor="t" bIns="91425" lIns="91425" spcFirstLastPara="1" rIns="91425" wrap="square" tIns="91425">
+            <a:noAutofit/>
           </a:bodyPr>
           <a:lstStyle/>
           <a:p>
-            <a:pPr indent="0" lvl="0" marL="0" marR="0" rtl="0" algn="l">
+            <a:pPr indent="0" lvl="0" marL="0" rtl="0" algn="l">
               <a:spcBef>
                 <a:spcPts val="0"/>
               </a:spcBef>
@@ -10762,7 +14145,7 @@
               <a:buNone/>
             </a:pPr>
             <a:r>
-              <a:rPr lang="en-US" sz="1800">
+              <a:rPr lang="en-US" sz="3200">
                 <a:solidFill>
                   <a:schemeClr val="dk1"/>
                 </a:solidFill>
@@ -10771,101 +14154,54 @@
                 <a:cs typeface="Calibri"/>
                 <a:sym typeface="Calibri"/>
               </a:rPr>
-              <a:t>Slide 2: Multiple Images</a:t>
+              <a:t>{{ </a:t>
             </a:r>
-            <a:endParaRPr/>
+            <a:r>
+              <a:rPr lang="en-US" sz="3200">
+                <a:solidFill>
+                  <a:schemeClr val="dk1"/>
+                </a:solidFill>
+                <a:latin typeface="Calibri"/>
+                <a:ea typeface="Calibri"/>
+                <a:cs typeface="Calibri"/>
+                <a:sym typeface="Calibri"/>
+              </a:rPr>
+              <a:t>london_map</a:t>
+            </a:r>
+            <a:r>
+              <a:rPr lang="en-US" sz="3200">
+                <a:solidFill>
+                  <a:schemeClr val="dk1"/>
+                </a:solidFill>
+                <a:latin typeface="Calibri"/>
+                <a:ea typeface="Calibri"/>
+                <a:cs typeface="Calibri"/>
+                <a:sym typeface="Calibri"/>
+              </a:rPr>
+              <a:t> }}</a:t>
+            </a:r>
+            <a:endParaRPr sz="3200">
+              <a:solidFill>
+                <a:schemeClr val="dk1"/>
+              </a:solidFill>
+              <a:latin typeface="Calibri"/>
+              <a:ea typeface="Calibri"/>
+              <a:cs typeface="Calibri"/>
+              <a:sym typeface="Calibri"/>
+            </a:endParaRPr>
           </a:p>
         </p:txBody>
       </p:sp>
-      <p:pic>
-        <p:nvPicPr>
-          <p:cNvPr descr="original_image.png" id="91" name="Google Shape;91;p2"/>
-          <p:cNvPicPr preferRelativeResize="0"/>
-          <p:nvPr/>
-        </p:nvPicPr>
-        <p:blipFill rotWithShape="1">
-          <a:blip r:embed="rId3">
-            <a:alphaModFix/>
-          </a:blip>
-          <a:srcRect b="0" l="0" r="0" t="0"/>
-          <a:stretch/>
-        </p:blipFill>
-        <p:spPr>
-          <a:xfrm>
-            <a:off x="457200" y="1828800"/>
-            <a:ext cx="3657600" cy="2743200"/>
-          </a:xfrm>
-          <a:prstGeom prst="rect">
-            <a:avLst/>
-          </a:prstGeom>
-          <a:noFill/>
-          <a:ln>
-            <a:noFill/>
-          </a:ln>
-        </p:spPr>
-      </p:pic>
-      <p:pic>
-        <p:nvPicPr>
-          <p:cNvPr descr="original_image.png" id="92" name="Google Shape;92;p2"/>
-          <p:cNvPicPr preferRelativeResize="0"/>
-          <p:nvPr/>
-        </p:nvPicPr>
-        <p:blipFill rotWithShape="1">
-          <a:blip r:embed="rId3">
-            <a:alphaModFix/>
-          </a:blip>
-          <a:srcRect b="0" l="0" r="0" t="0"/>
-          <a:stretch/>
-        </p:blipFill>
-        <p:spPr>
-          <a:xfrm>
-            <a:off x="5029200" y="1828800"/>
-            <a:ext cx="3657600" cy="2743200"/>
-          </a:xfrm>
-          <a:prstGeom prst="rect">
-            <a:avLst/>
-          </a:prstGeom>
-          <a:noFill/>
-          <a:ln>
-            <a:noFill/>
-          </a:ln>
-        </p:spPr>
-      </p:pic>
-    </p:spTree>
-  </p:cSld>
-  <p:clrMapOvr>
-    <a:masterClrMapping/>
-  </p:clrMapOvr>
-</p:sld>
-</file>
-
-<file path=ppt/slides/slide3.xml><?xml version="1.0" encoding="utf-8"?>
-<p:sld xmlns:a="http://schemas.openxmlformats.org/drawingml/2006/main" xmlns:r="http://schemas.openxmlformats.org/officeDocument/2006/relationships" xmlns:mc="http://schemas.openxmlformats.org/markup-compatibility/2006" xmlns:mv="urn:schemas-microsoft-com:mac:vml" xmlns:p="http://schemas.openxmlformats.org/presentationml/2006/main" xmlns:c="http://schemas.openxmlformats.org/drawingml/2006/chart" xmlns:dgm="http://schemas.openxmlformats.org/drawingml/2006/diagram" xmlns:o="urn:schemas-microsoft-com:office:office" xmlns:v="urn:schemas-microsoft-com:vml" xmlns:pvml="urn:schemas-microsoft-com:office:powerpoint" xmlns:com="http://schemas.openxmlformats.org/drawingml/2006/compatibility" xmlns:p14="http://schemas.microsoft.com/office/powerpoint/2010/main" xmlns:p15="http://schemas.microsoft.com/office/powerpoint/2012/main" xmlns:ahyp="http://schemas.microsoft.com/office/drawing/2018/hyperlinkcolor">
-  <p:cSld>
-    <p:spTree>
-      <p:nvGrpSpPr>
-        <p:cNvPr id="96" name="Shape 96"/>
-        <p:cNvGrpSpPr/>
-        <p:nvPr/>
-      </p:nvGrpSpPr>
-      <p:grpSpPr>
-        <a:xfrm>
-          <a:off x="0" y="0"/>
-          <a:ext cx="0" cy="0"/>
-          <a:chOff x="0" y="0"/>
-          <a:chExt cx="0" cy="0"/>
-        </a:xfrm>
-      </p:grpSpPr>
       <p:sp>
         <p:nvSpPr>
-          <p:cNvPr id="97" name="Google Shape;97;p3"/>
+          <p:cNvPr id="86" name="Google Shape;86;p1"/>
           <p:cNvSpPr txBox="1"/>
           <p:nvPr/>
         </p:nvSpPr>
         <p:spPr>
           <a:xfrm>
-            <a:off x="457200" y="457200"/>
-            <a:ext cx="8229600" cy="914400"/>
+            <a:off x="4530300" y="3429000"/>
+            <a:ext cx="4613700" cy="3403500"/>
           </a:xfrm>
           <a:prstGeom prst="rect">
             <a:avLst/>
@@ -10876,12 +14212,12 @@
           </a:ln>
         </p:spPr>
         <p:txBody>
-          <a:bodyPr anchorCtr="0" anchor="t" bIns="45700" lIns="91425" spcFirstLastPara="1" rIns="91425" wrap="square" tIns="45700">
-            <a:spAutoFit/>
+          <a:bodyPr anchorCtr="0" anchor="t" bIns="91425" lIns="91425" spcFirstLastPara="1" rIns="91425" wrap="square" tIns="91425">
+            <a:noAutofit/>
           </a:bodyPr>
           <a:lstStyle/>
           <a:p>
-            <a:pPr indent="0" lvl="0" marL="0" marR="0" rtl="0" algn="l">
+            <a:pPr indent="0" lvl="0" marL="0" rtl="0" algn="l">
               <a:spcBef>
                 <a:spcPts val="0"/>
               </a:spcBef>
@@ -10891,7 +14227,7 @@
               <a:buNone/>
             </a:pPr>
             <a:r>
-              <a:rPr lang="en-US" sz="1800">
+              <a:rPr lang="en-US" sz="3200">
                 <a:solidFill>
                   <a:schemeClr val="dk1"/>
                 </a:solidFill>
@@ -10900,22 +14236,54 @@
                 <a:cs typeface="Calibri"/>
                 <a:sym typeface="Calibri"/>
               </a:rPr>
-              <a:t>Slide 3: No Images</a:t>
+              <a:t>{{ </a:t>
             </a:r>
-            <a:endParaRPr/>
+            <a:r>
+              <a:rPr lang="en-US" sz="3200">
+                <a:solidFill>
+                  <a:schemeClr val="dk1"/>
+                </a:solidFill>
+                <a:latin typeface="Calibri"/>
+                <a:ea typeface="Calibri"/>
+                <a:cs typeface="Calibri"/>
+                <a:sym typeface="Calibri"/>
+              </a:rPr>
+              <a:t>new_york_map</a:t>
+            </a:r>
+            <a:r>
+              <a:rPr lang="en-US" sz="3200">
+                <a:solidFill>
+                  <a:schemeClr val="dk1"/>
+                </a:solidFill>
+                <a:latin typeface="Calibri"/>
+                <a:ea typeface="Calibri"/>
+                <a:cs typeface="Calibri"/>
+                <a:sym typeface="Calibri"/>
+              </a:rPr>
+              <a:t> }}</a:t>
+            </a:r>
+            <a:endParaRPr sz="3200">
+              <a:solidFill>
+                <a:schemeClr val="dk1"/>
+              </a:solidFill>
+              <a:latin typeface="Calibri"/>
+              <a:ea typeface="Calibri"/>
+              <a:cs typeface="Calibri"/>
+              <a:sym typeface="Calibri"/>
+            </a:endParaRPr>
           </a:p>
         </p:txBody>
       </p:sp>
       <p:sp>
         <p:nvSpPr>
-          <p:cNvPr id="98" name="Google Shape;98;p3"/>
+          <p:cNvPr id="87" name="Google Shape;87;p1"/>
           <p:cNvSpPr txBox="1"/>
           <p:nvPr/>
         </p:nvSpPr>
         <p:spPr>
           <a:xfrm>
-            <a:off x="1828800" y="2743200"/>
-            <a:ext cx="5486400" cy="1828800"/>
+            <a:off x="7328150" y="0"/>
+            <a:ext cx="1815900" cy="817800"/>
           </a:xfrm>
           <a:prstGeom prst="rect">
             <a:avLst/>
@@ -10926,12 +14294,12 @@
           </a:ln>
         </p:spPr>
         <p:txBody>
-          <a:bodyPr anchorCtr="0" anchor="t" bIns="45700" lIns="91425" spcFirstLastPara="1" rIns="91425" wrap="square" tIns="45700">
-            <a:spAutoFit/>
+          <a:bodyPr anchorCtr="0" anchor="t" bIns="91425" lIns="91425" spcFirstLastPara="1" rIns="91425" wrap="square" tIns="91425">
+            <a:noAutofit/>
           </a:bodyPr>
           <a:lstStyle/>
           <a:p>
-            <a:pPr indent="0" lvl="0" marL="0" marR="0" rtl="0" algn="l">
+            <a:pPr indent="0" lvl="0" marL="0" rtl="0" algn="l">
               <a:spcBef>
                 <a:spcPts val="0"/>
               </a:spcBef>
@@ -10941,7 +14309,7 @@
               <a:buNone/>
             </a:pPr>
             <a:r>
-              <a:rPr lang="en-US" sz="1800">
+              <a:rPr lang="en-US" sz="3200">
                 <a:solidFill>
                   <a:schemeClr val="dk1"/>
                 </a:solidFill>
@@ -10950,9 +14318,75 @@
                 <a:cs typeface="Calibri"/>
                 <a:sym typeface="Calibri"/>
               </a:rPr>
-              <a:t>This slide has no images to replace</a:t>
+              <a:t>{{ title }}</a:t>
             </a:r>
-            <a:endParaRPr/>
+            <a:endParaRPr sz="3200">
+              <a:solidFill>
+                <a:schemeClr val="dk1"/>
+              </a:solidFill>
+              <a:latin typeface="Calibri"/>
+              <a:ea typeface="Calibri"/>
+              <a:cs typeface="Calibri"/>
+              <a:sym typeface="Calibri"/>
+            </a:endParaRPr>
+          </a:p>
+        </p:txBody>
+      </p:sp>
+      <p:sp>
+        <p:nvSpPr>
+          <p:cNvPr id="88" name="Google Shape;88;p1"/>
+          <p:cNvSpPr txBox="1"/>
+          <p:nvPr/>
+        </p:nvSpPr>
+        <p:spPr>
+          <a:xfrm>
+            <a:off x="5273800" y="1267350"/>
+            <a:ext cx="2953800" cy="1729800"/>
+          </a:xfrm>
+          <a:prstGeom prst="rect">
+            <a:avLst/>
+          </a:prstGeom>
+          <a:noFill/>
+          <a:ln>
+            <a:noFill/>
+          </a:ln>
+        </p:spPr>
+        <p:txBody>
+          <a:bodyPr anchorCtr="0" anchor="t" bIns="91425" lIns="91425" spcFirstLastPara="1" rIns="91425" wrap="square" tIns="91425">
+            <a:noAutofit/>
+          </a:bodyPr>
+          <a:lstStyle/>
+          <a:p>
+            <a:pPr indent="0" lvl="0" marL="0" rtl="0" algn="l">
+              <a:spcBef>
+                <a:spcPts val="0"/>
+              </a:spcBef>
+              <a:spcAft>
+                <a:spcPts val="0"/>
+              </a:spcAft>
+              <a:buNone/>
+            </a:pPr>
+            <a:r>
+              <a:rPr lang="en-US" sz="3200">
+                <a:solidFill>
+                  <a:schemeClr val="dk1"/>
+                </a:solidFill>
+                <a:latin typeface="Calibri"/>
+                <a:ea typeface="Calibri"/>
+                <a:cs typeface="Calibri"/>
+                <a:sym typeface="Calibri"/>
+              </a:rPr>
+              <a:t>{{ description }}</a:t>
+            </a:r>
+            <a:endParaRPr sz="3200">
+              <a:solidFill>
+                <a:schemeClr val="dk1"/>
+              </a:solidFill>
+              <a:latin typeface="Calibri"/>
+              <a:ea typeface="Calibri"/>
+              <a:cs typeface="Calibri"/>
+              <a:sym typeface="Calibri"/>
+            </a:endParaRPr>
           </a:p>
         </p:txBody>
       </p:sp>

--- a/apps/document-creator/storage/templates/sample.pptx
+++ b/apps/document-creator/storage/templates/sample.pptx
@@ -257,7 +257,7 @@
       </p15:sldGuideLst>
     </p:ext>
     <p:ext uri="GoogleSlidesCustomDataVersion2">
-      <go:slidesCustomData xmlns:go="http://customooxmlschemas.google.com/" r:id="rId7" roundtripDataSignature="AMtx7mgWZYkAfTJZL8m2Biz8iGfg0xxG9A=="/>
+      <go:slidesCustomData xmlns:go="http://customooxmlschemas.google.com/" r:id="rId7" roundtripDataSignature="AMtx7mhE/MHrii3r0ruFw+o0c8jnfvOndQ=="/>
     </p:ext>
   </p:extLst>
 </p:presentation>
@@ -14077,17 +14077,25 @@
           </a:bodyPr>
           <a:lstStyle/>
           <a:p>
-            <a:pPr indent="0" lvl="0" marL="0" rtl="0" algn="l">
-              <a:spcBef>
-                <a:spcPts val="0"/>
-              </a:spcBef>
-              <a:spcAft>
-                <a:spcPts val="0"/>
-              </a:spcAft>
+            <a:pPr indent="0" lvl="0" marL="0" marR="0" rtl="0" algn="l">
+              <a:lnSpc>
+                <a:spcPct val="100000"/>
+              </a:lnSpc>
+              <a:spcBef>
+                <a:spcPts val="0"/>
+              </a:spcBef>
+              <a:spcAft>
+                <a:spcPts val="0"/>
+              </a:spcAft>
+              <a:buClr>
+                <a:srgbClr val="000000"/>
+              </a:buClr>
+              <a:buSzPts val="3200"/>
+              <a:buFont typeface="Arial"/>
               <a:buNone/>
             </a:pPr>
             <a:r>
-              <a:rPr lang="en-US" sz="3200">
+              <a:rPr b="0" i="0" lang="en-US" sz="3200" u="none" cap="none" strike="noStrike">
                 <a:solidFill>
                   <a:schemeClr val="dk1"/>
                 </a:solidFill>
@@ -14098,7 +14106,7 @@
               </a:rPr>
               <a:t>{{ paris_map }}</a:t>
             </a:r>
-            <a:endParaRPr sz="3200">
+            <a:endParaRPr b="0" i="0" sz="3200" u="none" cap="none" strike="noStrike">
               <a:solidFill>
                 <a:schemeClr val="dk1"/>
               </a:solidFill>
@@ -14135,17 +14143,25 @@
           </a:bodyPr>
           <a:lstStyle/>
           <a:p>
-            <a:pPr indent="0" lvl="0" marL="0" rtl="0" algn="l">
-              <a:spcBef>
-                <a:spcPts val="0"/>
-              </a:spcBef>
-              <a:spcAft>
-                <a:spcPts val="0"/>
-              </a:spcAft>
+            <a:pPr indent="0" lvl="0" marL="0" marR="0" rtl="0" algn="l">
+              <a:lnSpc>
+                <a:spcPct val="100000"/>
+              </a:lnSpc>
+              <a:spcBef>
+                <a:spcPts val="0"/>
+              </a:spcBef>
+              <a:spcAft>
+                <a:spcPts val="0"/>
+              </a:spcAft>
+              <a:buClr>
+                <a:srgbClr val="000000"/>
+              </a:buClr>
+              <a:buSzPts val="3200"/>
+              <a:buFont typeface="Arial"/>
               <a:buNone/>
             </a:pPr>
             <a:r>
-              <a:rPr lang="en-US" sz="3200">
+              <a:rPr b="0" i="0" lang="en-US" sz="3200" u="none" cap="none" strike="noStrike">
                 <a:solidFill>
                   <a:schemeClr val="dk1"/>
                 </a:solidFill>
@@ -14154,33 +14170,9 @@
                 <a:cs typeface="Calibri"/>
                 <a:sym typeface="Calibri"/>
               </a:rPr>
-              <a:t>{{ </a:t>
+              <a:t>{{ london_map }}</a:t>
             </a:r>
-            <a:r>
-              <a:rPr lang="en-US" sz="3200">
-                <a:solidFill>
-                  <a:schemeClr val="dk1"/>
-                </a:solidFill>
-                <a:latin typeface="Calibri"/>
-                <a:ea typeface="Calibri"/>
-                <a:cs typeface="Calibri"/>
-                <a:sym typeface="Calibri"/>
-              </a:rPr>
-              <a:t>london_map</a:t>
-            </a:r>
-            <a:r>
-              <a:rPr lang="en-US" sz="3200">
-                <a:solidFill>
-                  <a:schemeClr val="dk1"/>
-                </a:solidFill>
-                <a:latin typeface="Calibri"/>
-                <a:ea typeface="Calibri"/>
-                <a:cs typeface="Calibri"/>
-                <a:sym typeface="Calibri"/>
-              </a:rPr>
-              <a:t> }}</a:t>
-            </a:r>
-            <a:endParaRPr sz="3200">
+            <a:endParaRPr b="0" i="0" sz="3200" u="none" cap="none" strike="noStrike">
               <a:solidFill>
                 <a:schemeClr val="dk1"/>
               </a:solidFill>
@@ -14200,8 +14192,8 @@
         </p:nvSpPr>
         <p:spPr>
           <a:xfrm>
-            <a:off x="4530300" y="3429000"/>
-            <a:ext cx="4613700" cy="3403500"/>
+            <a:off x="4530300" y="1092550"/>
+            <a:ext cx="4613700" cy="5739900"/>
           </a:xfrm>
           <a:prstGeom prst="rect">
             <a:avLst/>
@@ -14217,17 +14209,25 @@
           </a:bodyPr>
           <a:lstStyle/>
           <a:p>
-            <a:pPr indent="0" lvl="0" marL="0" rtl="0" algn="l">
-              <a:spcBef>
-                <a:spcPts val="0"/>
-              </a:spcBef>
-              <a:spcAft>
-                <a:spcPts val="0"/>
-              </a:spcAft>
+            <a:pPr indent="0" lvl="0" marL="0" marR="0" rtl="0" algn="l">
+              <a:lnSpc>
+                <a:spcPct val="100000"/>
+              </a:lnSpc>
+              <a:spcBef>
+                <a:spcPts val="0"/>
+              </a:spcBef>
+              <a:spcAft>
+                <a:spcPts val="0"/>
+              </a:spcAft>
+              <a:buClr>
+                <a:srgbClr val="000000"/>
+              </a:buClr>
+              <a:buSzPts val="3200"/>
+              <a:buFont typeface="Arial"/>
               <a:buNone/>
             </a:pPr>
             <a:r>
-              <a:rPr lang="en-US" sz="3200">
+              <a:rPr b="0" i="0" lang="en-US" sz="3200" u="none" cap="none" strike="noStrike">
                 <a:solidFill>
                   <a:schemeClr val="dk1"/>
                 </a:solidFill>
@@ -14236,33 +14236,9 @@
                 <a:cs typeface="Calibri"/>
                 <a:sym typeface="Calibri"/>
               </a:rPr>
-              <a:t>{{ </a:t>
+              <a:t>{{ new_york_map }}</a:t>
             </a:r>
-            <a:r>
-              <a:rPr lang="en-US" sz="3200">
-                <a:solidFill>
-                  <a:schemeClr val="dk1"/>
-                </a:solidFill>
-                <a:latin typeface="Calibri"/>
-                <a:ea typeface="Calibri"/>
-                <a:cs typeface="Calibri"/>
-                <a:sym typeface="Calibri"/>
-              </a:rPr>
-              <a:t>new_york_map</a:t>
-            </a:r>
-            <a:r>
-              <a:rPr lang="en-US" sz="3200">
-                <a:solidFill>
-                  <a:schemeClr val="dk1"/>
-                </a:solidFill>
-                <a:latin typeface="Calibri"/>
-                <a:ea typeface="Calibri"/>
-                <a:cs typeface="Calibri"/>
-                <a:sym typeface="Calibri"/>
-              </a:rPr>
-              <a:t> }}</a:t>
-            </a:r>
-            <a:endParaRPr sz="3200">
+            <a:endParaRPr b="0" i="0" sz="3200" u="none" cap="none" strike="noStrike">
               <a:solidFill>
                 <a:schemeClr val="dk1"/>
               </a:solidFill>
@@ -14299,17 +14275,25 @@
           </a:bodyPr>
           <a:lstStyle/>
           <a:p>
-            <a:pPr indent="0" lvl="0" marL="0" rtl="0" algn="l">
-              <a:spcBef>
-                <a:spcPts val="0"/>
-              </a:spcBef>
-              <a:spcAft>
-                <a:spcPts val="0"/>
-              </a:spcAft>
+            <a:pPr indent="0" lvl="0" marL="0" marR="0" rtl="0" algn="l">
+              <a:lnSpc>
+                <a:spcPct val="100000"/>
+              </a:lnSpc>
+              <a:spcBef>
+                <a:spcPts val="0"/>
+              </a:spcBef>
+              <a:spcAft>
+                <a:spcPts val="0"/>
+              </a:spcAft>
+              <a:buClr>
+                <a:srgbClr val="000000"/>
+              </a:buClr>
+              <a:buSzPts val="3200"/>
+              <a:buFont typeface="Arial"/>
               <a:buNone/>
             </a:pPr>
             <a:r>
-              <a:rPr lang="en-US" sz="3200">
+              <a:rPr b="0" i="0" lang="en-US" sz="3200" u="none" cap="none" strike="noStrike">
                 <a:solidFill>
                   <a:schemeClr val="dk1"/>
                 </a:solidFill>
@@ -14320,7 +14304,7 @@
               </a:rPr>
               <a:t>{{ title }}</a:t>
             </a:r>
-            <a:endParaRPr sz="3200">
+            <a:endParaRPr b="0" i="0" sz="3200" u="none" cap="none" strike="noStrike">
               <a:solidFill>
                 <a:schemeClr val="dk1"/>
               </a:solidFill>
@@ -14340,8 +14324,8 @@
         </p:nvSpPr>
         <p:spPr>
           <a:xfrm>
-            <a:off x="5273800" y="1267350"/>
-            <a:ext cx="2953800" cy="1729800"/>
+            <a:off x="4374350" y="95825"/>
+            <a:ext cx="2953800" cy="817800"/>
           </a:xfrm>
           <a:prstGeom prst="rect">
             <a:avLst/>
@@ -14357,17 +14341,25 @@
           </a:bodyPr>
           <a:lstStyle/>
           <a:p>
-            <a:pPr indent="0" lvl="0" marL="0" rtl="0" algn="l">
-              <a:spcBef>
-                <a:spcPts val="0"/>
-              </a:spcBef>
-              <a:spcAft>
-                <a:spcPts val="0"/>
-              </a:spcAft>
+            <a:pPr indent="0" lvl="0" marL="0" marR="0" rtl="0" algn="l">
+              <a:lnSpc>
+                <a:spcPct val="100000"/>
+              </a:lnSpc>
+              <a:spcBef>
+                <a:spcPts val="0"/>
+              </a:spcBef>
+              <a:spcAft>
+                <a:spcPts val="0"/>
+              </a:spcAft>
+              <a:buClr>
+                <a:srgbClr val="000000"/>
+              </a:buClr>
+              <a:buSzPts val="3200"/>
+              <a:buFont typeface="Arial"/>
               <a:buNone/>
             </a:pPr>
             <a:r>
-              <a:rPr lang="en-US" sz="3200">
+              <a:rPr b="0" i="0" lang="en-US" sz="3200" u="none" cap="none" strike="noStrike">
                 <a:solidFill>
                   <a:schemeClr val="dk1"/>
                 </a:solidFill>
@@ -14378,7 +14370,7 @@
               </a:rPr>
               <a:t>{{ description }}</a:t>
             </a:r>
-            <a:endParaRPr sz="3200">
+            <a:endParaRPr b="0" i="0" sz="3200" u="none" cap="none" strike="noStrike">
               <a:solidFill>
                 <a:schemeClr val="dk1"/>
               </a:solidFill>
@@ -14399,6 +14391,285 @@
 </file>
 
 <file path=ppt/theme/theme1.xml><?xml version="1.0" encoding="utf-8"?>
+<a:theme xmlns:a="http://schemas.openxmlformats.org/drawingml/2006/main" xmlns:r="http://schemas.openxmlformats.org/officeDocument/2006/relationships" name="Office Theme">
+  <a:themeElements>
+    <a:clrScheme name="Office">
+      <a:dk1>
+        <a:srgbClr val="000000"/>
+      </a:dk1>
+      <a:lt1>
+        <a:srgbClr val="FFFFFF"/>
+      </a:lt1>
+      <a:dk2>
+        <a:srgbClr val="1F497D"/>
+      </a:dk2>
+      <a:lt2>
+        <a:srgbClr val="EEECE1"/>
+      </a:lt2>
+      <a:accent1>
+        <a:srgbClr val="4F81BD"/>
+      </a:accent1>
+      <a:accent2>
+        <a:srgbClr val="C0504D"/>
+      </a:accent2>
+      <a:accent3>
+        <a:srgbClr val="9BBB59"/>
+      </a:accent3>
+      <a:accent4>
+        <a:srgbClr val="8064A2"/>
+      </a:accent4>
+      <a:accent5>
+        <a:srgbClr val="4BACC6"/>
+      </a:accent5>
+      <a:accent6>
+        <a:srgbClr val="F79646"/>
+      </a:accent6>
+      <a:hlink>
+        <a:srgbClr val="0000FF"/>
+      </a:hlink>
+      <a:folHlink>
+        <a:srgbClr val="800080"/>
+      </a:folHlink>
+    </a:clrScheme>
+    <a:fontScheme name="Office">
+      <a:majorFont>
+        <a:latin typeface="Arial"/>
+        <a:ea typeface=""/>
+        <a:cs typeface=""/>
+        <a:font script="Jpan" typeface="ＭＳ Ｐゴシック"/>
+        <a:font script="Hang" typeface="맑은 고딕"/>
+        <a:font script="Hans" typeface="宋体"/>
+        <a:font script="Hant" typeface="新細明體"/>
+        <a:font script="Arab" typeface="Times New Roman"/>
+        <a:font script="Hebr" typeface="Times New Roman"/>
+        <a:font script="Thai" typeface="Angsana New"/>
+        <a:font script="Ethi" typeface="Nyala"/>
+        <a:font script="Beng" typeface="Vrinda"/>
+        <a:font script="Gujr" typeface="Shruti"/>
+        <a:font script="Khmr" typeface="MoolBoran"/>
+        <a:font script="Knda" typeface="Tunga"/>
+        <a:font script="Guru" typeface="Raavi"/>
+        <a:font script="Cans" typeface="Euphemia"/>
+        <a:font script="Cher" typeface="Plantagenet Cherokee"/>
+        <a:font script="Yiii" typeface="Microsoft Yi Baiti"/>
+        <a:font script="Tibt" typeface="Microsoft Himalaya"/>
+        <a:font script="Thaa" typeface="MV Boli"/>
+        <a:font script="Deva" typeface="Mangal"/>
+        <a:font script="Telu" typeface="Gautami"/>
+        <a:font script="Taml" typeface="Latha"/>
+        <a:font script="Syrc" typeface="Estrangelo Edessa"/>
+        <a:font script="Orya" typeface="Kalinga"/>
+        <a:font script="Mlym" typeface="Kartika"/>
+        <a:font script="Laoo" typeface="DokChampa"/>
+        <a:font script="Sinh" typeface="Iskoola Pota"/>
+        <a:font script="Mong" typeface="Mongolian Baiti"/>
+        <a:font script="Viet" typeface="Times New Roman"/>
+        <a:font script="Uigh" typeface="Microsoft Uighur"/>
+        <a:font script="Geor" typeface="Sylfaen"/>
+      </a:majorFont>
+      <a:minorFont>
+        <a:latin typeface="Arial"/>
+        <a:ea typeface=""/>
+        <a:cs typeface=""/>
+        <a:font script="Jpan" typeface="ＭＳ Ｐゴシック"/>
+        <a:font script="Hang" typeface="맑은 고딕"/>
+        <a:font script="Hans" typeface="宋体"/>
+        <a:font script="Hant" typeface="新細明體"/>
+        <a:font script="Arab" typeface="Arial"/>
+        <a:font script="Hebr" typeface="Arial"/>
+        <a:font script="Thai" typeface="Cordia New"/>
+        <a:font script="Ethi" typeface="Nyala"/>
+        <a:font script="Beng" typeface="Vrinda"/>
+        <a:font script="Gujr" typeface="Shruti"/>
+        <a:font script="Khmr" typeface="DaunPenh"/>
+        <a:font script="Knda" typeface="Tunga"/>
+        <a:font script="Guru" typeface="Raavi"/>
+        <a:font script="Cans" typeface="Euphemia"/>
+        <a:font script="Cher" typeface="Plantagenet Cherokee"/>
+        <a:font script="Yiii" typeface="Microsoft Yi Baiti"/>
+        <a:font script="Tibt" typeface="Microsoft Himalaya"/>
+        <a:font script="Thaa" typeface="MV Boli"/>
+        <a:font script="Deva" typeface="Mangal"/>
+        <a:font script="Telu" typeface="Gautami"/>
+        <a:font script="Taml" typeface="Latha"/>
+        <a:font script="Syrc" typeface="Estrangelo Edessa"/>
+        <a:font script="Orya" typeface="Kalinga"/>
+        <a:font script="Mlym" typeface="Kartika"/>
+        <a:font script="Laoo" typeface="DokChampa"/>
+        <a:font script="Sinh" typeface="Iskoola Pota"/>
+        <a:font script="Mong" typeface="Mongolian Baiti"/>
+        <a:font script="Viet" typeface="Arial"/>
+        <a:font script="Uigh" typeface="Microsoft Uighur"/>
+        <a:font script="Geor" typeface="Sylfaen"/>
+      </a:minorFont>
+    </a:fontScheme>
+    <a:fmtScheme name="Office">
+      <a:fillStyleLst>
+        <a:solidFill>
+          <a:schemeClr val="phClr"/>
+        </a:solidFill>
+        <a:gradFill rotWithShape="1">
+          <a:gsLst>
+            <a:gs pos="0">
+              <a:schemeClr val="phClr">
+                <a:tint val="50000"/>
+                <a:satMod val="300000"/>
+              </a:schemeClr>
+            </a:gs>
+            <a:gs pos="35000">
+              <a:schemeClr val="phClr">
+                <a:tint val="37000"/>
+                <a:satMod val="300000"/>
+              </a:schemeClr>
+            </a:gs>
+            <a:gs pos="100000">
+              <a:schemeClr val="phClr">
+                <a:tint val="15000"/>
+                <a:satMod val="350000"/>
+              </a:schemeClr>
+            </a:gs>
+          </a:gsLst>
+          <a:lin ang="16200000" scaled="1"/>
+        </a:gradFill>
+        <a:gradFill rotWithShape="1">
+          <a:gsLst>
+            <a:gs pos="0">
+              <a:schemeClr val="phClr">
+                <a:tint val="100000"/>
+                <a:shade val="100000"/>
+                <a:satMod val="130000"/>
+              </a:schemeClr>
+            </a:gs>
+            <a:gs pos="100000">
+              <a:schemeClr val="phClr">
+                <a:tint val="50000"/>
+                <a:shade val="100000"/>
+                <a:satMod val="350000"/>
+              </a:schemeClr>
+            </a:gs>
+          </a:gsLst>
+          <a:lin ang="16200000" scaled="0"/>
+        </a:gradFill>
+      </a:fillStyleLst>
+      <a:lnStyleLst>
+        <a:ln w="9525" cap="flat" cmpd="sng" algn="ctr">
+          <a:solidFill>
+            <a:schemeClr val="phClr">
+              <a:shade val="95000"/>
+              <a:satMod val="105000"/>
+            </a:schemeClr>
+          </a:solidFill>
+          <a:prstDash val="solid"/>
+        </a:ln>
+        <a:ln w="25400" cap="flat" cmpd="sng" algn="ctr">
+          <a:solidFill>
+            <a:schemeClr val="phClr"/>
+          </a:solidFill>
+          <a:prstDash val="solid"/>
+        </a:ln>
+        <a:ln w="38100" cap="flat" cmpd="sng" algn="ctr">
+          <a:solidFill>
+            <a:schemeClr val="phClr"/>
+          </a:solidFill>
+          <a:prstDash val="solid"/>
+        </a:ln>
+      </a:lnStyleLst>
+      <a:effectStyleLst>
+        <a:effectStyle>
+          <a:effectLst>
+            <a:outerShdw blurRad="40000" dist="20000" dir="5400000" rotWithShape="0">
+              <a:srgbClr val="000000">
+                <a:alpha val="38000"/>
+              </a:srgbClr>
+            </a:outerShdw>
+          </a:effectLst>
+        </a:effectStyle>
+        <a:effectStyle>
+          <a:effectLst>
+            <a:outerShdw blurRad="40000" dist="23000" dir="5400000" rotWithShape="0">
+              <a:srgbClr val="000000">
+                <a:alpha val="35000"/>
+              </a:srgbClr>
+            </a:outerShdw>
+          </a:effectLst>
+        </a:effectStyle>
+        <a:effectStyle>
+          <a:effectLst>
+            <a:outerShdw blurRad="40000" dist="23000" dir="5400000" rotWithShape="0">
+              <a:srgbClr val="000000">
+                <a:alpha val="35000"/>
+              </a:srgbClr>
+            </a:outerShdw>
+          </a:effectLst>
+          <a:scene3d>
+            <a:camera prst="orthographicFront">
+              <a:rot lat="0" lon="0" rev="0"/>
+            </a:camera>
+            <a:lightRig rig="threePt" dir="t">
+              <a:rot lat="0" lon="0" rev="1200000"/>
+            </a:lightRig>
+          </a:scene3d>
+          <a:sp3d>
+            <a:bevelT w="63500" h="25400"/>
+          </a:sp3d>
+        </a:effectStyle>
+      </a:effectStyleLst>
+      <a:bgFillStyleLst>
+        <a:solidFill>
+          <a:schemeClr val="phClr"/>
+        </a:solidFill>
+        <a:gradFill rotWithShape="1">
+          <a:gsLst>
+            <a:gs pos="0">
+              <a:schemeClr val="phClr">
+                <a:tint val="40000"/>
+                <a:satMod val="350000"/>
+              </a:schemeClr>
+            </a:gs>
+            <a:gs pos="40000">
+              <a:schemeClr val="phClr">
+                <a:tint val="45000"/>
+                <a:shade val="99000"/>
+                <a:satMod val="350000"/>
+              </a:schemeClr>
+            </a:gs>
+            <a:gs pos="100000">
+              <a:schemeClr val="phClr">
+                <a:shade val="20000"/>
+                <a:satMod val="255000"/>
+              </a:schemeClr>
+            </a:gs>
+          </a:gsLst>
+          <a:path path="circle">
+            <a:fillToRect l="50000" t="-80000" r="50000" b="180000"/>
+          </a:path>
+        </a:gradFill>
+        <a:gradFill rotWithShape="1">
+          <a:gsLst>
+            <a:gs pos="0">
+              <a:schemeClr val="phClr">
+                <a:tint val="80000"/>
+                <a:satMod val="300000"/>
+              </a:schemeClr>
+            </a:gs>
+            <a:gs pos="100000">
+              <a:schemeClr val="phClr">
+                <a:shade val="30000"/>
+                <a:satMod val="200000"/>
+              </a:schemeClr>
+            </a:gs>
+          </a:gsLst>
+          <a:path path="circle">
+            <a:fillToRect l="50000" t="50000" r="50000" b="50000"/>
+          </a:path>
+        </a:gradFill>
+      </a:bgFillStyleLst>
+    </a:fmtScheme>
+  </a:themeElements>
+</a:theme>
+</file>
+
+<file path=ppt/theme/theme2.xml><?xml version="1.0" encoding="utf-8"?>
 <a:theme xmlns:a="http://schemas.openxmlformats.org/drawingml/2006/main" xmlns:r="http://schemas.openxmlformats.org/officeDocument/2006/relationships">
   <a:themeElements>
     <a:clrScheme name="Default">
@@ -14675,283 +14946,4 @@
     </a:fmtScheme>
   </a:themeElements>
 </a:theme>
-</file>
-
-<file path=ppt/theme/theme2.xml><?xml version="1.0" encoding="utf-8"?>
-<a:theme xmlns:a="http://schemas.openxmlformats.org/drawingml/2006/main" xmlns:r="http://schemas.openxmlformats.org/officeDocument/2006/relationships" name="Office Theme">
-  <a:themeElements>
-    <a:clrScheme name="Office">
-      <a:dk1>
-        <a:srgbClr val="000000"/>
-      </a:dk1>
-      <a:lt1>
-        <a:srgbClr val="FFFFFF"/>
-      </a:lt1>
-      <a:dk2>
-        <a:srgbClr val="1F497D"/>
-      </a:dk2>
-      <a:lt2>
-        <a:srgbClr val="EEECE1"/>
-      </a:lt2>
-      <a:accent1>
-        <a:srgbClr val="4F81BD"/>
-      </a:accent1>
-      <a:accent2>
-        <a:srgbClr val="C0504D"/>
-      </a:accent2>
-      <a:accent3>
-        <a:srgbClr val="9BBB59"/>
-      </a:accent3>
-      <a:accent4>
-        <a:srgbClr val="8064A2"/>
-      </a:accent4>
-      <a:accent5>
-        <a:srgbClr val="4BACC6"/>
-      </a:accent5>
-      <a:accent6>
-        <a:srgbClr val="F79646"/>
-      </a:accent6>
-      <a:hlink>
-        <a:srgbClr val="0000FF"/>
-      </a:hlink>
-      <a:folHlink>
-        <a:srgbClr val="800080"/>
-      </a:folHlink>
-    </a:clrScheme>
-    <a:fontScheme name="Office">
-      <a:majorFont>
-        <a:latin typeface="Arial"/>
-        <a:ea typeface=""/>
-        <a:cs typeface=""/>
-        <a:font script="Jpan" typeface="ＭＳ Ｐゴシック"/>
-        <a:font script="Hang" typeface="맑은 고딕"/>
-        <a:font script="Hans" typeface="宋体"/>
-        <a:font script="Hant" typeface="新細明體"/>
-        <a:font script="Arab" typeface="Times New Roman"/>
-        <a:font script="Hebr" typeface="Times New Roman"/>
-        <a:font script="Thai" typeface="Angsana New"/>
-        <a:font script="Ethi" typeface="Nyala"/>
-        <a:font script="Beng" typeface="Vrinda"/>
-        <a:font script="Gujr" typeface="Shruti"/>
-        <a:font script="Khmr" typeface="MoolBoran"/>
-        <a:font script="Knda" typeface="Tunga"/>
-        <a:font script="Guru" typeface="Raavi"/>
-        <a:font script="Cans" typeface="Euphemia"/>
-        <a:font script="Cher" typeface="Plantagenet Cherokee"/>
-        <a:font script="Yiii" typeface="Microsoft Yi Baiti"/>
-        <a:font script="Tibt" typeface="Microsoft Himalaya"/>
-        <a:font script="Thaa" typeface="MV Boli"/>
-        <a:font script="Deva" typeface="Mangal"/>
-        <a:font script="Telu" typeface="Gautami"/>
-        <a:font script="Taml" typeface="Latha"/>
-        <a:font script="Syrc" typeface="Estrangelo Edessa"/>
-        <a:font script="Orya" typeface="Kalinga"/>
-        <a:font script="Mlym" typeface="Kartika"/>
-        <a:font script="Laoo" typeface="DokChampa"/>
-        <a:font script="Sinh" typeface="Iskoola Pota"/>
-        <a:font script="Mong" typeface="Mongolian Baiti"/>
-        <a:font script="Viet" typeface="Times New Roman"/>
-        <a:font script="Uigh" typeface="Microsoft Uighur"/>
-        <a:font script="Geor" typeface="Sylfaen"/>
-      </a:majorFont>
-      <a:minorFont>
-        <a:latin typeface="Arial"/>
-        <a:ea typeface=""/>
-        <a:cs typeface=""/>
-        <a:font script="Jpan" typeface="ＭＳ Ｐゴシック"/>
-        <a:font script="Hang" typeface="맑은 고딕"/>
-        <a:font script="Hans" typeface="宋体"/>
-        <a:font script="Hant" typeface="新細明體"/>
-        <a:font script="Arab" typeface="Arial"/>
-        <a:font script="Hebr" typeface="Arial"/>
-        <a:font script="Thai" typeface="Cordia New"/>
-        <a:font script="Ethi" typeface="Nyala"/>
-        <a:font script="Beng" typeface="Vrinda"/>
-        <a:font script="Gujr" typeface="Shruti"/>
-        <a:font script="Khmr" typeface="DaunPenh"/>
-        <a:font script="Knda" typeface="Tunga"/>
-        <a:font script="Guru" typeface="Raavi"/>
-        <a:font script="Cans" typeface="Euphemia"/>
-        <a:font script="Cher" typeface="Plantagenet Cherokee"/>
-        <a:font script="Yiii" typeface="Microsoft Yi Baiti"/>
-        <a:font script="Tibt" typeface="Microsoft Himalaya"/>
-        <a:font script="Thaa" typeface="MV Boli"/>
-        <a:font script="Deva" typeface="Mangal"/>
-        <a:font script="Telu" typeface="Gautami"/>
-        <a:font script="Taml" typeface="Latha"/>
-        <a:font script="Syrc" typeface="Estrangelo Edessa"/>
-        <a:font script="Orya" typeface="Kalinga"/>
-        <a:font script="Mlym" typeface="Kartika"/>
-        <a:font script="Laoo" typeface="DokChampa"/>
-        <a:font script="Sinh" typeface="Iskoola Pota"/>
-        <a:font script="Mong" typeface="Mongolian Baiti"/>
-        <a:font script="Viet" typeface="Arial"/>
-        <a:font script="Uigh" typeface="Microsoft Uighur"/>
-        <a:font script="Geor" typeface="Sylfaen"/>
-      </a:minorFont>
-    </a:fontScheme>
-    <a:fmtScheme name="Office">
-      <a:fillStyleLst>
-        <a:solidFill>
-          <a:schemeClr val="phClr"/>
-        </a:solidFill>
-        <a:gradFill rotWithShape="1">
-          <a:gsLst>
-            <a:gs pos="0">
-              <a:schemeClr val="phClr">
-                <a:tint val="50000"/>
-                <a:satMod val="300000"/>
-              </a:schemeClr>
-            </a:gs>
-            <a:gs pos="35000">
-              <a:schemeClr val="phClr">
-                <a:tint val="37000"/>
-                <a:satMod val="300000"/>
-              </a:schemeClr>
-            </a:gs>
-            <a:gs pos="100000">
-              <a:schemeClr val="phClr">
-                <a:tint val="15000"/>
-                <a:satMod val="350000"/>
-              </a:schemeClr>
-            </a:gs>
-          </a:gsLst>
-          <a:lin ang="16200000" scaled="1"/>
-        </a:gradFill>
-        <a:gradFill rotWithShape="1">
-          <a:gsLst>
-            <a:gs pos="0">
-              <a:schemeClr val="phClr">
-                <a:tint val="100000"/>
-                <a:shade val="100000"/>
-                <a:satMod val="130000"/>
-              </a:schemeClr>
-            </a:gs>
-            <a:gs pos="100000">
-              <a:schemeClr val="phClr">
-                <a:tint val="50000"/>
-                <a:shade val="100000"/>
-                <a:satMod val="350000"/>
-              </a:schemeClr>
-            </a:gs>
-          </a:gsLst>
-          <a:lin ang="16200000" scaled="0"/>
-        </a:gradFill>
-      </a:fillStyleLst>
-      <a:lnStyleLst>
-        <a:ln w="9525" cap="flat" cmpd="sng" algn="ctr">
-          <a:solidFill>
-            <a:schemeClr val="phClr">
-              <a:shade val="95000"/>
-              <a:satMod val="105000"/>
-            </a:schemeClr>
-          </a:solidFill>
-          <a:prstDash val="solid"/>
-        </a:ln>
-        <a:ln w="25400" cap="flat" cmpd="sng" algn="ctr">
-          <a:solidFill>
-            <a:schemeClr val="phClr"/>
-          </a:solidFill>
-          <a:prstDash val="solid"/>
-        </a:ln>
-        <a:ln w="38100" cap="flat" cmpd="sng" algn="ctr">
-          <a:solidFill>
-            <a:schemeClr val="phClr"/>
-          </a:solidFill>
-          <a:prstDash val="solid"/>
-        </a:ln>
-      </a:lnStyleLst>
-      <a:effectStyleLst>
-        <a:effectStyle>
-          <a:effectLst>
-            <a:outerShdw blurRad="40000" dist="20000" dir="5400000" rotWithShape="0">
-              <a:srgbClr val="000000">
-                <a:alpha val="38000"/>
-              </a:srgbClr>
-            </a:outerShdw>
-          </a:effectLst>
-        </a:effectStyle>
-        <a:effectStyle>
-          <a:effectLst>
-            <a:outerShdw blurRad="40000" dist="23000" dir="5400000" rotWithShape="0">
-              <a:srgbClr val="000000">
-                <a:alpha val="35000"/>
-              </a:srgbClr>
-            </a:outerShdw>
-          </a:effectLst>
-        </a:effectStyle>
-        <a:effectStyle>
-          <a:effectLst>
-            <a:outerShdw blurRad="40000" dist="23000" dir="5400000" rotWithShape="0">
-              <a:srgbClr val="000000">
-                <a:alpha val="35000"/>
-              </a:srgbClr>
-            </a:outerShdw>
-          </a:effectLst>
-          <a:scene3d>
-            <a:camera prst="orthographicFront">
-              <a:rot lat="0" lon="0" rev="0"/>
-            </a:camera>
-            <a:lightRig rig="threePt" dir="t">
-              <a:rot lat="0" lon="0" rev="1200000"/>
-            </a:lightRig>
-          </a:scene3d>
-          <a:sp3d>
-            <a:bevelT w="63500" h="25400"/>
-          </a:sp3d>
-        </a:effectStyle>
-      </a:effectStyleLst>
-      <a:bgFillStyleLst>
-        <a:solidFill>
-          <a:schemeClr val="phClr"/>
-        </a:solidFill>
-        <a:gradFill rotWithShape="1">
-          <a:gsLst>
-            <a:gs pos="0">
-              <a:schemeClr val="phClr">
-                <a:tint val="40000"/>
-                <a:satMod val="350000"/>
-              </a:schemeClr>
-            </a:gs>
-            <a:gs pos="40000">
-              <a:schemeClr val="phClr">
-                <a:tint val="45000"/>
-                <a:shade val="99000"/>
-                <a:satMod val="350000"/>
-              </a:schemeClr>
-            </a:gs>
-            <a:gs pos="100000">
-              <a:schemeClr val="phClr">
-                <a:shade val="20000"/>
-                <a:satMod val="255000"/>
-              </a:schemeClr>
-            </a:gs>
-          </a:gsLst>
-          <a:path path="circle">
-            <a:fillToRect l="50000" t="-80000" r="50000" b="180000"/>
-          </a:path>
-        </a:gradFill>
-        <a:gradFill rotWithShape="1">
-          <a:gsLst>
-            <a:gs pos="0">
-              <a:schemeClr val="phClr">
-                <a:tint val="80000"/>
-                <a:satMod val="300000"/>
-              </a:schemeClr>
-            </a:gs>
-            <a:gs pos="100000">
-              <a:schemeClr val="phClr">
-                <a:shade val="30000"/>
-                <a:satMod val="200000"/>
-              </a:schemeClr>
-            </a:gs>
-          </a:gsLst>
-          <a:path path="circle">
-            <a:fillToRect l="50000" t="50000" r="50000" b="50000"/>
-          </a:path>
-        </a:gradFill>
-      </a:bgFillStyleLst>
-    </a:fmtScheme>
-  </a:themeElements>
-</a:theme>
 </file>